--- a/docs/diagrams/SaveSequenceDiagram.pptx
+++ b/docs/diagrams/SaveSequenceDiagram.pptx
@@ -5,11 +5,10 @@
     <p:sldMasterId id="2147483648" r:id="rId1"/>
   </p:sldMasterIdLst>
   <p:notesMasterIdLst>
-    <p:notesMasterId r:id="rId4"/>
+    <p:notesMasterId r:id="rId3"/>
   </p:notesMasterIdLst>
   <p:sldIdLst>
     <p:sldId id="267" r:id="rId2"/>
-    <p:sldId id="268" r:id="rId3"/>
   </p:sldIdLst>
   <p:sldSz cx="14711363" cy="6858000"/>
   <p:notesSz cx="6858000" cy="9144000"/>
@@ -522,22 +521,15 @@
           <a:p>
             <a:r>
               <a:rPr lang="en-SG" dirty="0"/>
-              <a:t>When to x?</a:t>
-            </a:r>
-            <a:br>
-              <a:rPr lang="en-SG" dirty="0"/>
-            </a:br>
-            <a:r>
-              <a:rPr lang="en-SG" dirty="0"/>
-              <a:t>:Class name convention</a:t>
-            </a:r>
-            <a:br>
-              <a:rPr lang="en-SG" dirty="0"/>
-            </a:br>
-            <a:r>
-              <a:rPr lang="en-SG" dirty="0"/>
-              <a:t>.show() correct?</a:t>
-            </a:r>
+              <a:t>Add json serializable stats? Or just end</a:t>
+            </a:r>
+          </a:p>
+          <a:p>
+            <a:r>
+              <a:rPr lang="en-SG"/>
+              <a:t>Remove those on  left</a:t>
+            </a:r>
+            <a:endParaRPr lang="en-SG" dirty="0"/>
           </a:p>
         </p:txBody>
       </p:sp>
@@ -568,107 +560,6 @@
     <p:extLst>
       <p:ext uri="{BB962C8B-B14F-4D97-AF65-F5344CB8AC3E}">
         <p14:creationId xmlns:p14="http://schemas.microsoft.com/office/powerpoint/2010/main" val="1980316174"/>
-      </p:ext>
-    </p:extLst>
-  </p:cSld>
-  <p:clrMapOvr>
-    <a:masterClrMapping/>
-  </p:clrMapOvr>
-</p:notes>
-</file>
-
-<file path=ppt/notesSlides/notesSlide2.xml><?xml version="1.0" encoding="utf-8"?>
-<p:notes xmlns:a="http://schemas.openxmlformats.org/drawingml/2006/main" xmlns:r="http://schemas.openxmlformats.org/officeDocument/2006/relationships" xmlns:p="http://schemas.openxmlformats.org/presentationml/2006/main">
-  <p:cSld>
-    <p:spTree>
-      <p:nvGrpSpPr>
-        <p:cNvPr id="1" name=""/>
-        <p:cNvGrpSpPr/>
-        <p:nvPr/>
-      </p:nvGrpSpPr>
-      <p:grpSpPr>
-        <a:xfrm>
-          <a:off x="0" y="0"/>
-          <a:ext cx="0" cy="0"/>
-          <a:chOff x="0" y="0"/>
-          <a:chExt cx="0" cy="0"/>
-        </a:xfrm>
-      </p:grpSpPr>
-      <p:sp>
-        <p:nvSpPr>
-          <p:cNvPr id="2" name="Slide Image Placeholder 1"/>
-          <p:cNvSpPr>
-            <a:spLocks noGrp="1" noRot="1" noChangeAspect="1"/>
-          </p:cNvSpPr>
-          <p:nvPr>
-            <p:ph type="sldImg"/>
-          </p:nvPr>
-        </p:nvSpPr>
-        <p:spPr/>
-      </p:sp>
-      <p:sp>
-        <p:nvSpPr>
-          <p:cNvPr id="3" name="Notes Placeholder 2"/>
-          <p:cNvSpPr>
-            <a:spLocks noGrp="1"/>
-          </p:cNvSpPr>
-          <p:nvPr>
-            <p:ph type="body" idx="1"/>
-          </p:nvPr>
-        </p:nvSpPr>
-        <p:spPr/>
-        <p:txBody>
-          <a:bodyPr/>
-          <a:lstStyle/>
-          <a:p>
-            <a:r>
-              <a:rPr lang="en-SG" dirty="0"/>
-              <a:t>When to x?</a:t>
-            </a:r>
-            <a:br>
-              <a:rPr lang="en-SG" dirty="0"/>
-            </a:br>
-            <a:r>
-              <a:rPr lang="en-SG" dirty="0"/>
-              <a:t>:Class name convention</a:t>
-            </a:r>
-            <a:br>
-              <a:rPr lang="en-SG" dirty="0"/>
-            </a:br>
-            <a:r>
-              <a:rPr lang="en-SG" dirty="0"/>
-              <a:t>.show() correct?</a:t>
-            </a:r>
-          </a:p>
-        </p:txBody>
-      </p:sp>
-      <p:sp>
-        <p:nvSpPr>
-          <p:cNvPr id="4" name="Slide Number Placeholder 3"/>
-          <p:cNvSpPr>
-            <a:spLocks noGrp="1"/>
-          </p:cNvSpPr>
-          <p:nvPr>
-            <p:ph type="sldNum" sz="quarter" idx="5"/>
-          </p:nvPr>
-        </p:nvSpPr>
-        <p:spPr/>
-        <p:txBody>
-          <a:bodyPr/>
-          <a:lstStyle/>
-          <a:p>
-            <a:fld id="{5A7AB025-77E3-4BD1-A2FD-B3183DBA47A3}" type="slidenum">
-              <a:rPr lang="en-US" smtClean="0"/>
-              <a:t>2</a:t>
-            </a:fld>
-            <a:endParaRPr lang="en-US"/>
-          </a:p>
-        </p:txBody>
-      </p:sp>
-    </p:spTree>
-    <p:extLst>
-      <p:ext uri="{BB962C8B-B14F-4D97-AF65-F5344CB8AC3E}">
-        <p14:creationId xmlns:p14="http://schemas.microsoft.com/office/powerpoint/2010/main" val="3211958640"/>
       </p:ext>
     </p:extLst>
   </p:cSld>
@@ -3659,8 +3550,8 @@
         </p:nvSpPr>
         <p:spPr>
           <a:xfrm>
-            <a:off x="9940291" y="304799"/>
-            <a:ext cx="2977513" cy="5965241"/>
+            <a:off x="10268777" y="170813"/>
+            <a:ext cx="4231698" cy="6582967"/>
           </a:xfrm>
           <a:prstGeom prst="roundRect">
             <a:avLst>
@@ -3704,7 +3595,27 @@
                   </a:schemeClr>
                 </a:solidFill>
               </a:rPr>
-              <a:t>UI</a:t>
+              <a:t>Storage (change </a:t>
+            </a:r>
+            <a:r>
+              <a:rPr lang="en-US" sz="1200" b="1" dirty="0" err="1">
+                <a:solidFill>
+                  <a:schemeClr val="accent3">
+                    <a:lumMod val="50000"/>
+                  </a:schemeClr>
+                </a:solidFill>
+              </a:rPr>
+              <a:t>colour</a:t>
+            </a:r>
+            <a:r>
+              <a:rPr lang="en-US" sz="1200" b="1" dirty="0">
+                <a:solidFill>
+                  <a:schemeClr val="accent3">
+                    <a:lumMod val="50000"/>
+                  </a:schemeClr>
+                </a:solidFill>
+              </a:rPr>
+              <a:t>)</a:t>
             </a:r>
             <a:endParaRPr lang="en-SG" sz="1200" b="1" dirty="0">
               <a:solidFill>
@@ -3724,8 +3635,8 @@
         </p:nvSpPr>
         <p:spPr>
           <a:xfrm>
-            <a:off x="8520846" y="279246"/>
-            <a:ext cx="1386763" cy="5965241"/>
+            <a:off x="8525426" y="145258"/>
+            <a:ext cx="1710363" cy="6649559"/>
           </a:xfrm>
           <a:prstGeom prst="roundRect">
             <a:avLst>
@@ -3785,8 +3696,8 @@
         </p:nvSpPr>
         <p:spPr>
           <a:xfrm>
-            <a:off x="497681" y="304800"/>
-            <a:ext cx="7964668" cy="5965241"/>
+            <a:off x="4222650" y="145258"/>
+            <a:ext cx="4258586" cy="6649559"/>
           </a:xfrm>
           <a:prstGeom prst="roundRect">
             <a:avLst>
@@ -3907,8 +3818,8 @@
         </p:nvCxnSpPr>
         <p:spPr>
           <a:xfrm>
-            <a:off x="1630515" y="1042869"/>
-            <a:ext cx="0" cy="5149910"/>
+            <a:off x="1710911" y="1017442"/>
+            <a:ext cx="0" cy="6196131"/>
           </a:xfrm>
           <a:prstGeom prst="line">
             <a:avLst/>
@@ -3944,8 +3855,8 @@
         </p:nvSpPr>
         <p:spPr>
           <a:xfrm>
-            <a:off x="1558506" y="1393563"/>
-            <a:ext cx="169297" cy="4606253"/>
+            <a:off x="1558505" y="1393563"/>
+            <a:ext cx="250405" cy="5255199"/>
           </a:xfrm>
           <a:prstGeom prst="rect">
             <a:avLst/>
@@ -4031,6 +3942,9 @@
                 <a:solidFill>
                   <a:schemeClr val="bg1"/>
                 </a:solidFill>
+                <a:highlight>
+                  <a:srgbClr val="FF0000"/>
+                </a:highlight>
               </a:rPr>
               <a:t>:Address</a:t>
             </a:r>
@@ -4042,6 +3956,9 @@
                 <a:solidFill>
                   <a:schemeClr val="bg1"/>
                 </a:solidFill>
+                <a:highlight>
+                  <a:srgbClr val="FF0000"/>
+                </a:highlight>
               </a:rPr>
               <a:t>BookParser</a:t>
             </a:r>
@@ -4049,6 +3966,9 @@
               <a:solidFill>
                 <a:schemeClr val="bg1"/>
               </a:solidFill>
+              <a:highlight>
+                <a:srgbClr val="FF0000"/>
+              </a:highlight>
             </a:endParaRPr>
           </a:p>
         </p:txBody>
@@ -4062,9 +3982,9 @@
           <p:nvPr/>
         </p:nvCxnSpPr>
         <p:spPr>
-          <a:xfrm>
-            <a:off x="4070143" y="1042867"/>
-            <a:ext cx="0" cy="2160660"/>
+          <a:xfrm flipH="1">
+            <a:off x="4045712" y="1042867"/>
+            <a:ext cx="24431" cy="6348533"/>
           </a:xfrm>
           <a:prstGeom prst="line">
             <a:avLst/>
@@ -4100,8 +4020,8 @@
         </p:nvSpPr>
         <p:spPr>
           <a:xfrm>
-            <a:off x="3998138" y="1501064"/>
-            <a:ext cx="145571" cy="1004259"/>
+            <a:off x="3959079" y="1447800"/>
+            <a:ext cx="173266" cy="1048482"/>
           </a:xfrm>
           <a:prstGeom prst="rect">
             <a:avLst/>
@@ -4186,7 +4106,7 @@
         </p:nvSpPr>
         <p:spPr>
           <a:xfrm>
-            <a:off x="6284170" y="1895760"/>
+            <a:off x="6290634" y="1668091"/>
             <a:ext cx="138706" cy="357144"/>
           </a:xfrm>
           <a:prstGeom prst="rect">
@@ -4243,7 +4163,7 @@
           </a:prstGeom>
           <a:ln w="19050">
             <a:solidFill>
-              <a:srgbClr val="00B050"/>
+              <a:srgbClr val="0070C0"/>
             </a:solidFill>
             <a:tailEnd type="arrow"/>
           </a:ln>
@@ -4307,7 +4227,7 @@
         </p:nvCxnSpPr>
         <p:spPr>
           <a:xfrm flipV="1">
-            <a:off x="4155528" y="1622510"/>
+            <a:off x="4143936" y="1520174"/>
             <a:ext cx="1397357" cy="212"/>
           </a:xfrm>
           <a:prstGeom prst="straightConnector1">
@@ -4343,7 +4263,7 @@
         </p:nvSpPr>
         <p:spPr>
           <a:xfrm>
-            <a:off x="4243526" y="2971800"/>
+            <a:off x="4518188" y="2697782"/>
             <a:ext cx="855808" cy="215444"/>
           </a:xfrm>
           <a:prstGeom prst="rect">
@@ -4385,7 +4305,7 @@
         </p:nvCxnSpPr>
         <p:spPr>
           <a:xfrm>
-            <a:off x="4155528" y="2245486"/>
+            <a:off x="4124459" y="2007727"/>
             <a:ext cx="2155501" cy="0"/>
           </a:xfrm>
           <a:prstGeom prst="straightConnector1">
@@ -4425,7 +4345,7 @@
         </p:nvCxnSpPr>
         <p:spPr>
           <a:xfrm>
-            <a:off x="1716881" y="2514600"/>
+            <a:off x="1710911" y="2496282"/>
             <a:ext cx="2270334" cy="0"/>
           </a:xfrm>
           <a:prstGeom prst="straightConnector1">
@@ -4465,7 +4385,7 @@
         </p:nvCxnSpPr>
         <p:spPr>
           <a:xfrm>
-            <a:off x="362455" y="5939802"/>
+            <a:off x="400568" y="6623039"/>
             <a:ext cx="1196051" cy="0"/>
           </a:xfrm>
           <a:prstGeom prst="straightConnector1">
@@ -4529,12 +4449,8 @@
           </a:lstStyle>
           <a:p>
             <a:r>
-              <a:rPr lang="en-US" dirty="0" err="1"/>
-              <a:t>parseCommand</a:t>
-            </a:r>
-            <a:r>
               <a:rPr lang="en-US" dirty="0"/>
-              <a:t>(“stats”)</a:t>
+              <a:t>parseCommand(“stats”)</a:t>
             </a:r>
           </a:p>
         </p:txBody>
@@ -4547,8 +4463,8 @@
         </p:nvSpPr>
         <p:spPr>
           <a:xfrm>
-            <a:off x="10451805" y="4569854"/>
-            <a:ext cx="1475876" cy="335427"/>
+            <a:off x="10327828" y="1357205"/>
+            <a:ext cx="1974798" cy="351227"/>
           </a:xfrm>
           <a:prstGeom prst="rect">
             <a:avLst/>
@@ -4588,15 +4504,7 @@
                   <a:schemeClr val="tx1"/>
                 </a:solidFill>
               </a:rPr>
-              <a:t>:</a:t>
-            </a:r>
-            <a:r>
-              <a:rPr lang="en-US" sz="1600" dirty="0" err="1">
-                <a:solidFill>
-                  <a:schemeClr val="tx1"/>
-                </a:solidFill>
-              </a:rPr>
-              <a:t>StatisticView</a:t>
+              <a:t>:StorageManager</a:t>
             </a:r>
             <a:endParaRPr lang="en-SG" sz="1600" dirty="0">
               <a:solidFill>
@@ -4614,8 +4522,8 @@
         </p:nvSpPr>
         <p:spPr>
           <a:xfrm>
-            <a:off x="8642824" y="2505323"/>
-            <a:ext cx="841636" cy="300181"/>
+            <a:off x="8642823" y="2505324"/>
+            <a:ext cx="1532257" cy="269018"/>
           </a:xfrm>
           <a:prstGeom prst="rect">
             <a:avLst/>
@@ -4655,7 +4563,7 @@
                   <a:schemeClr val="bg1"/>
                 </a:solidFill>
               </a:rPr>
-              <a:t>: Model</a:t>
+              <a:t>: PlayerStatistics</a:t>
             </a:r>
             <a:endParaRPr lang="en-SG" sz="1600" dirty="0">
               <a:solidFill>
@@ -4675,8 +4583,8 @@
         </p:nvCxnSpPr>
         <p:spPr>
           <a:xfrm flipH="1">
-            <a:off x="9090868" y="2762786"/>
-            <a:ext cx="1" cy="3371739"/>
+            <a:off x="9398415" y="2713286"/>
+            <a:ext cx="9028" cy="4373314"/>
           </a:xfrm>
           <a:prstGeom prst="line">
             <a:avLst/>
@@ -4712,8 +4620,8 @@
         </p:nvSpPr>
         <p:spPr>
           <a:xfrm>
-            <a:off x="8991513" y="3247636"/>
-            <a:ext cx="155966" cy="562364"/>
+            <a:off x="9344038" y="3276600"/>
+            <a:ext cx="179136" cy="414827"/>
           </a:xfrm>
           <a:prstGeom prst="rect">
             <a:avLst/>
@@ -4762,7 +4670,7 @@
         <p:spPr>
           <a:xfrm>
             <a:off x="6441281" y="3276599"/>
-            <a:ext cx="2529873" cy="0"/>
+            <a:ext cx="2937036" cy="10820"/>
           </a:xfrm>
           <a:prstGeom prst="straightConnector1">
             <a:avLst/>
@@ -4797,8 +4705,8 @@
         </p:nvSpPr>
         <p:spPr>
           <a:xfrm>
-            <a:off x="5552885" y="1316853"/>
-            <a:ext cx="1609838" cy="578958"/>
+            <a:off x="5552884" y="1316853"/>
+            <a:ext cx="1650371" cy="357143"/>
           </a:xfrm>
           <a:prstGeom prst="rect">
             <a:avLst/>
@@ -4846,7 +4754,7 @@
                   <a:schemeClr val="bg1"/>
                 </a:solidFill>
               </a:rPr>
-              <a:t>StatsCommand</a:t>
+              <a:t>SaveCommand</a:t>
             </a:r>
             <a:endParaRPr lang="en-SG" sz="1600" dirty="0">
               <a:solidFill>
@@ -4871,9 +4779,9 @@
           <p:nvPr/>
         </p:nvCxnSpPr>
         <p:spPr>
-          <a:xfrm flipV="1">
-            <a:off x="1727807" y="3154145"/>
-            <a:ext cx="4527931" cy="45766"/>
+          <a:xfrm>
+            <a:off x="1672518" y="2890740"/>
+            <a:ext cx="4607442" cy="0"/>
           </a:xfrm>
           <a:prstGeom prst="straightConnector1">
             <a:avLst/>
@@ -4915,9 +4823,9 @@
           <p:nvPr/>
         </p:nvCxnSpPr>
         <p:spPr>
-          <a:xfrm>
-            <a:off x="1727806" y="1499176"/>
-            <a:ext cx="2256706" cy="1"/>
+          <a:xfrm flipV="1">
+            <a:off x="1793559" y="1449203"/>
+            <a:ext cx="2193656" cy="15114"/>
           </a:xfrm>
           <a:prstGeom prst="straightConnector1">
             <a:avLst/>
@@ -4960,7 +4868,7 @@
         </p:nvCxnSpPr>
         <p:spPr>
           <a:xfrm>
-            <a:off x="6453028" y="5670047"/>
+            <a:off x="6469487" y="6321781"/>
             <a:ext cx="1236429" cy="0"/>
           </a:xfrm>
           <a:prstGeom prst="straightConnector1">
@@ -5001,14 +4909,13 @@
           </p:cNvPr>
           <p:cNvCxnSpPr>
             <a:cxnSpLocks/>
-            <a:stCxn id="84" idx="2"/>
           </p:cNvCxnSpPr>
           <p:nvPr/>
         </p:nvCxnSpPr>
         <p:spPr>
-          <a:xfrm flipH="1">
-            <a:off x="11189742" y="4905281"/>
-            <a:ext cx="1" cy="1229244"/>
+          <a:xfrm>
+            <a:off x="11110540" y="1707415"/>
+            <a:ext cx="0" cy="5781486"/>
           </a:xfrm>
           <a:prstGeom prst="line">
             <a:avLst/>
@@ -5044,7 +4951,7 @@
         </p:nvSpPr>
         <p:spPr>
           <a:xfrm>
-            <a:off x="11556974" y="5002294"/>
+            <a:off x="11603336" y="5172875"/>
             <a:ext cx="1157705" cy="184666"/>
           </a:xfrm>
           <a:prstGeom prst="rect">
@@ -5102,8 +5009,8 @@
         </p:nvCxnSpPr>
         <p:spPr>
           <a:xfrm>
-            <a:off x="6453028" y="5060130"/>
-            <a:ext cx="4655340" cy="0"/>
+            <a:off x="6453028" y="5571146"/>
+            <a:ext cx="4718143" cy="24077"/>
           </a:xfrm>
           <a:prstGeom prst="straightConnector1">
             <a:avLst/>
@@ -5143,8 +5050,8 @@
         </p:nvSpPr>
         <p:spPr>
           <a:xfrm>
-            <a:off x="6279960" y="3083724"/>
-            <a:ext cx="160055" cy="2787488"/>
+            <a:off x="6267047" y="2890739"/>
+            <a:ext cx="193342" cy="3584051"/>
           </a:xfrm>
           <a:prstGeom prst="rect">
             <a:avLst/>
@@ -5196,7 +5103,7 @@
         </p:nvSpPr>
         <p:spPr>
           <a:xfrm>
-            <a:off x="6259079" y="5919226"/>
+            <a:off x="6211085" y="6492298"/>
             <a:ext cx="258402" cy="261482"/>
           </a:xfrm>
           <a:prstGeom prst="rect">
@@ -5261,12 +5168,8 @@
           </a:lstStyle>
           <a:p>
             <a:r>
-              <a:rPr lang="en-US" dirty="0" err="1"/>
-              <a:t>getPlayerStats</a:t>
-            </a:r>
-            <a:r>
               <a:rPr lang="en-US" dirty="0"/>
-              <a:t>()</a:t>
+              <a:t>getPlayerStats()</a:t>
             </a:r>
           </a:p>
         </p:txBody>
@@ -5287,8 +5190,8 @@
         </p:nvCxnSpPr>
         <p:spPr>
           <a:xfrm>
-            <a:off x="6453028" y="4569509"/>
-            <a:ext cx="2579053" cy="0"/>
+            <a:off x="6429340" y="4915773"/>
+            <a:ext cx="2872148" cy="0"/>
           </a:xfrm>
           <a:prstGeom prst="straightConnector1">
             <a:avLst/>
@@ -5332,9 +5235,9 @@
           <p:nvPr/>
         </p:nvCxnSpPr>
         <p:spPr>
-          <a:xfrm flipV="1">
-            <a:off x="6441281" y="3713067"/>
-            <a:ext cx="2626432" cy="6347"/>
+          <a:xfrm>
+            <a:off x="6440015" y="3693907"/>
+            <a:ext cx="2960448" cy="1"/>
           </a:xfrm>
           <a:prstGeom prst="straightConnector1">
             <a:avLst/>
@@ -5377,10 +5280,10 @@
         </p:nvGrpSpPr>
         <p:grpSpPr>
           <a:xfrm>
-            <a:off x="6353523" y="5172875"/>
-            <a:ext cx="2017686" cy="839387"/>
-            <a:chOff x="13874307" y="4659447"/>
-            <a:chExt cx="2017686" cy="839387"/>
+            <a:off x="6340118" y="5603229"/>
+            <a:ext cx="2098168" cy="1045533"/>
+            <a:chOff x="13876547" y="5116008"/>
+            <a:chExt cx="2098168" cy="1045533"/>
           </a:xfrm>
         </p:grpSpPr>
         <p:sp>
@@ -5397,7 +5300,7 @@
           </p:nvSpPr>
           <p:spPr>
             <a:xfrm>
-              <a:off x="14256889" y="4659447"/>
+              <a:off x="14339611" y="5331132"/>
               <a:ext cx="1635104" cy="308233"/>
             </a:xfrm>
             <a:prstGeom prst="rect">
@@ -5438,15 +5341,7 @@
                     <a:schemeClr val="bg1"/>
                   </a:solidFill>
                 </a:rPr>
-                <a:t>:</a:t>
-              </a:r>
-              <a:r>
-                <a:rPr lang="en-US" sz="1600" dirty="0" err="1">
-                  <a:solidFill>
-                    <a:schemeClr val="bg1"/>
-                  </a:solidFill>
-                </a:rPr>
-                <a:t>CommandResult</a:t>
+                <a:t>:CommandResult</a:t>
               </a:r>
               <a:endParaRPr lang="en-SG" sz="1600" dirty="0">
                 <a:solidFill>
@@ -5470,7 +5365,7 @@
           </p:nvSpPr>
           <p:spPr>
             <a:xfrm>
-              <a:off x="14998240" y="4967681"/>
+              <a:off x="15061109" y="5617651"/>
               <a:ext cx="212001" cy="233401"/>
             </a:xfrm>
             <a:prstGeom prst="rect">
@@ -5525,8 +5420,8 @@
           </p:nvCxnSpPr>
           <p:spPr>
             <a:xfrm flipV="1">
-              <a:off x="13874307" y="5097862"/>
-              <a:ext cx="0" cy="400972"/>
+              <a:off x="13876547" y="5116008"/>
+              <a:ext cx="45032" cy="1045533"/>
             </a:xfrm>
             <a:prstGeom prst="line">
               <a:avLst/>
@@ -5571,8 +5466,8 @@
         </p:nvCxnSpPr>
         <p:spPr>
           <a:xfrm>
-            <a:off x="6427816" y="5423699"/>
-            <a:ext cx="318265" cy="0"/>
+            <a:off x="6429340" y="5939802"/>
+            <a:ext cx="389487" cy="0"/>
           </a:xfrm>
           <a:prstGeom prst="straightConnector1">
             <a:avLst/>
@@ -5610,14 +5505,13 @@
           </p:cNvPr>
           <p:cNvCxnSpPr>
             <a:cxnSpLocks/>
-            <a:endCxn id="65" idx="2"/>
           </p:cNvCxnSpPr>
           <p:nvPr/>
         </p:nvCxnSpPr>
         <p:spPr>
-          <a:xfrm flipV="1">
-            <a:off x="1710911" y="5871212"/>
-            <a:ext cx="4649077" cy="6"/>
+          <a:xfrm>
+            <a:off x="1793081" y="6467988"/>
+            <a:ext cx="4534710" cy="6802"/>
           </a:xfrm>
           <a:prstGeom prst="straightConnector1">
             <a:avLst/>
@@ -5662,8 +5556,8 @@
         </p:nvCxnSpPr>
         <p:spPr>
           <a:xfrm>
-            <a:off x="6392101" y="4044734"/>
-            <a:ext cx="2579053" cy="0"/>
+            <a:off x="6400876" y="3969256"/>
+            <a:ext cx="2933075" cy="0"/>
           </a:xfrm>
           <a:prstGeom prst="straightConnector1">
             <a:avLst/>
@@ -5704,7 +5598,7 @@
         </p:nvSpPr>
         <p:spPr>
           <a:xfrm>
-            <a:off x="6864915" y="3798328"/>
+            <a:off x="6912513" y="3746956"/>
             <a:ext cx="1541418" cy="215444"/>
           </a:xfrm>
           <a:prstGeom prst="rect">
@@ -5730,12 +5624,8 @@
           </a:lstStyle>
           <a:p>
             <a:r>
-              <a:rPr lang="en-US" dirty="0" err="1"/>
-              <a:t>generateData</a:t>
-            </a:r>
-            <a:r>
               <a:rPr lang="en-US" dirty="0"/>
-              <a:t>()</a:t>
+              <a:t>getStorage()</a:t>
             </a:r>
           </a:p>
         </p:txBody>
@@ -5754,8 +5644,8 @@
         </p:nvSpPr>
         <p:spPr>
           <a:xfrm>
-            <a:off x="8982944" y="4009635"/>
-            <a:ext cx="164533" cy="701579"/>
+            <a:off x="9325176" y="3969256"/>
+            <a:ext cx="194756" cy="1035146"/>
           </a:xfrm>
           <a:prstGeom prst="rect">
             <a:avLst/>
@@ -5809,8 +5699,8 @@
         </p:nvCxnSpPr>
         <p:spPr>
           <a:xfrm>
-            <a:off x="6400876" y="4800600"/>
-            <a:ext cx="4067421" cy="0"/>
+            <a:off x="6379220" y="5244140"/>
+            <a:ext cx="4149421" cy="0"/>
           </a:xfrm>
           <a:prstGeom prst="straightConnector1">
             <a:avLst/>
@@ -5851,8 +5741,8 @@
         </p:nvSpPr>
         <p:spPr>
           <a:xfrm>
-            <a:off x="11108367" y="4905273"/>
-            <a:ext cx="180229" cy="335428"/>
+            <a:off x="11004068" y="4124442"/>
+            <a:ext cx="212945" cy="731825"/>
           </a:xfrm>
           <a:prstGeom prst="rect">
             <a:avLst/>
@@ -5890,784 +5780,22 @@
           </a:p>
         </p:txBody>
       </p:sp>
-      <p:cxnSp>
-        <p:nvCxnSpPr>
-          <p:cNvPr id="88" name="Curved Connector 12">
+      <p:sp>
+        <p:nvSpPr>
+          <p:cNvPr id="57" name="TextBox 56">
             <a:extLst>
               <a:ext uri="{FF2B5EF4-FFF2-40B4-BE49-F238E27FC236}">
-                <a16:creationId xmlns:a16="http://schemas.microsoft.com/office/drawing/2014/main" id="{6FC323B1-2B82-4579-9AE9-62047F74BEE6}"/>
+                <a16:creationId xmlns:a16="http://schemas.microsoft.com/office/drawing/2014/main" id="{9035A39A-9E3F-4E0E-91BC-A78847CC8648}"/>
               </a:ext>
             </a:extLst>
           </p:cNvPr>
-          <p:cNvCxnSpPr>
-            <a:cxnSpLocks/>
-          </p:cNvCxnSpPr>
-          <p:nvPr/>
-        </p:nvCxnSpPr>
-        <p:spPr>
-          <a:xfrm>
-            <a:off x="11257893" y="4937167"/>
-            <a:ext cx="72937" cy="109922"/>
-          </a:xfrm>
-          <a:prstGeom prst="curvedConnector3">
-            <a:avLst>
-              <a:gd name="adj1" fmla="val 395134"/>
-            </a:avLst>
-          </a:prstGeom>
-          <a:ln>
-            <a:solidFill>
-              <a:schemeClr val="accent3">
-                <a:lumMod val="50000"/>
-              </a:schemeClr>
-            </a:solidFill>
-            <a:tailEnd type="triangle"/>
-          </a:ln>
-        </p:spPr>
-        <p:style>
-          <a:lnRef idx="1">
-            <a:schemeClr val="accent1"/>
-          </a:lnRef>
-          <a:fillRef idx="0">
-            <a:schemeClr val="accent1"/>
-          </a:fillRef>
-          <a:effectRef idx="0">
-            <a:schemeClr val="accent1"/>
-          </a:effectRef>
-          <a:fontRef idx="minor">
-            <a:schemeClr val="tx1"/>
-          </a:fontRef>
-        </p:style>
-      </p:cxnSp>
-    </p:spTree>
-    <p:extLst>
-      <p:ext uri="{BB962C8B-B14F-4D97-AF65-F5344CB8AC3E}">
-        <p14:creationId xmlns:p14="http://schemas.microsoft.com/office/powerpoint/2010/main" val="3945898909"/>
-      </p:ext>
-    </p:extLst>
-  </p:cSld>
-  <p:clrMapOvr>
-    <a:masterClrMapping/>
-  </p:clrMapOvr>
-</p:sld>
-</file>
-
-<file path=ppt/slides/slide2.xml><?xml version="1.0" encoding="utf-8"?>
-<p:sld xmlns:a="http://schemas.openxmlformats.org/drawingml/2006/main" xmlns:r="http://schemas.openxmlformats.org/officeDocument/2006/relationships" xmlns:p="http://schemas.openxmlformats.org/presentationml/2006/main">
-  <p:cSld>
-    <p:spTree>
-      <p:nvGrpSpPr>
-        <p:cNvPr id="1" name=""/>
-        <p:cNvGrpSpPr/>
-        <p:nvPr/>
-      </p:nvGrpSpPr>
-      <p:grpSpPr>
-        <a:xfrm>
-          <a:off x="0" y="0"/>
-          <a:ext cx="0" cy="0"/>
-          <a:chOff x="0" y="0"/>
-          <a:chExt cx="0" cy="0"/>
-        </a:xfrm>
-      </p:grpSpPr>
-      <p:sp>
-        <p:nvSpPr>
-          <p:cNvPr id="82" name="Rectangle 65">
-            <a:extLst>
-              <a:ext uri="{FF2B5EF4-FFF2-40B4-BE49-F238E27FC236}">
-                <a16:creationId xmlns:a16="http://schemas.microsoft.com/office/drawing/2014/main" id="{7EDEFD44-220B-4F16-9705-87270D40A9DE}"/>
-              </a:ext>
-            </a:extLst>
-          </p:cNvPr>
-          <p:cNvSpPr/>
-          <p:nvPr/>
-        </p:nvSpPr>
-        <p:spPr>
-          <a:xfrm>
-            <a:off x="9940291" y="304799"/>
-            <a:ext cx="2977513" cy="5965241"/>
-          </a:xfrm>
-          <a:prstGeom prst="roundRect">
-            <a:avLst>
-              <a:gd name="adj" fmla="val 3484"/>
-            </a:avLst>
-          </a:prstGeom>
-          <a:solidFill>
-            <a:schemeClr val="accent3">
-              <a:lumMod val="20000"/>
-              <a:lumOff val="80000"/>
-            </a:schemeClr>
-          </a:solidFill>
-          <a:ln w="19050">
-            <a:noFill/>
-          </a:ln>
-          <a:effectLst/>
-        </p:spPr>
-        <p:style>
-          <a:lnRef idx="1">
-            <a:schemeClr val="accent2"/>
-          </a:lnRef>
-          <a:fillRef idx="2">
-            <a:schemeClr val="accent2"/>
-          </a:fillRef>
-          <a:effectRef idx="1">
-            <a:schemeClr val="accent2"/>
-          </a:effectRef>
-          <a:fontRef idx="minor">
-            <a:schemeClr val="dk1"/>
-          </a:fontRef>
-        </p:style>
-        <p:txBody>
-          <a:bodyPr rtlCol="0" anchor="t"/>
-          <a:lstStyle/>
-          <a:p>
-            <a:r>
-              <a:rPr lang="en-US" sz="1200" b="1" dirty="0">
-                <a:solidFill>
-                  <a:schemeClr val="accent3">
-                    <a:lumMod val="50000"/>
-                  </a:schemeClr>
-                </a:solidFill>
-              </a:rPr>
-              <a:t>UI</a:t>
-            </a:r>
-            <a:endParaRPr lang="en-SG" sz="1200" b="1" dirty="0">
-              <a:solidFill>
-                <a:schemeClr val="accent3">
-                  <a:lumMod val="50000"/>
-                </a:schemeClr>
-              </a:solidFill>
-            </a:endParaRPr>
-          </a:p>
-        </p:txBody>
-      </p:sp>
-      <p:sp>
-        <p:nvSpPr>
-          <p:cNvPr id="56" name="Rectangle 65"/>
-          <p:cNvSpPr/>
-          <p:nvPr/>
-        </p:nvSpPr>
-        <p:spPr>
-          <a:xfrm>
-            <a:off x="8520846" y="279246"/>
-            <a:ext cx="1386763" cy="5965241"/>
-          </a:xfrm>
-          <a:prstGeom prst="roundRect">
-            <a:avLst>
-              <a:gd name="adj" fmla="val 3484"/>
-            </a:avLst>
-          </a:prstGeom>
-          <a:solidFill>
-            <a:schemeClr val="accent4">
-              <a:lumMod val="20000"/>
-              <a:lumOff val="80000"/>
-            </a:schemeClr>
-          </a:solidFill>
-          <a:ln w="19050">
-            <a:noFill/>
-          </a:ln>
-          <a:effectLst/>
-        </p:spPr>
-        <p:style>
-          <a:lnRef idx="1">
-            <a:schemeClr val="accent2"/>
-          </a:lnRef>
-          <a:fillRef idx="2">
-            <a:schemeClr val="accent2"/>
-          </a:fillRef>
-          <a:effectRef idx="1">
-            <a:schemeClr val="accent2"/>
-          </a:effectRef>
-          <a:fontRef idx="minor">
-            <a:schemeClr val="dk1"/>
-          </a:fontRef>
-        </p:style>
-        <p:txBody>
-          <a:bodyPr rtlCol="0" anchor="t"/>
-          <a:lstStyle/>
-          <a:p>
-            <a:r>
-              <a:rPr lang="en-US" sz="1200" b="1" dirty="0">
-                <a:solidFill>
-                  <a:srgbClr val="7030A0"/>
-                </a:solidFill>
-              </a:rPr>
-              <a:t>Model</a:t>
-            </a:r>
-            <a:endParaRPr lang="en-SG" sz="1200" b="1" dirty="0">
-              <a:solidFill>
-                <a:srgbClr val="7030A0"/>
-              </a:solidFill>
-            </a:endParaRPr>
-          </a:p>
-        </p:txBody>
-      </p:sp>
-      <p:sp>
-        <p:nvSpPr>
-          <p:cNvPr id="81" name="Rectangle 65"/>
-          <p:cNvSpPr/>
-          <p:nvPr/>
-        </p:nvSpPr>
-        <p:spPr>
-          <a:xfrm>
-            <a:off x="497681" y="304800"/>
-            <a:ext cx="7964668" cy="5965241"/>
-          </a:xfrm>
-          <a:prstGeom prst="roundRect">
-            <a:avLst>
-              <a:gd name="adj" fmla="val 3484"/>
-            </a:avLst>
-          </a:prstGeom>
-          <a:solidFill>
-            <a:schemeClr val="accent1">
-              <a:lumMod val="20000"/>
-              <a:lumOff val="80000"/>
-            </a:schemeClr>
-          </a:solidFill>
-          <a:ln w="19050">
-            <a:noFill/>
-          </a:ln>
-          <a:effectLst/>
-        </p:spPr>
-        <p:style>
-          <a:lnRef idx="1">
-            <a:schemeClr val="accent2"/>
-          </a:lnRef>
-          <a:fillRef idx="2">
-            <a:schemeClr val="accent2"/>
-          </a:fillRef>
-          <a:effectRef idx="1">
-            <a:schemeClr val="accent2"/>
-          </a:effectRef>
-          <a:fontRef idx="minor">
-            <a:schemeClr val="dk1"/>
-          </a:fontRef>
-        </p:style>
-        <p:txBody>
-          <a:bodyPr rtlCol="0" anchor="t"/>
-          <a:lstStyle/>
-          <a:p>
-            <a:r>
-              <a:rPr lang="en-US" sz="1200" b="1" dirty="0">
-                <a:solidFill>
-                  <a:srgbClr val="0070C0"/>
-                </a:solidFill>
-              </a:rPr>
-              <a:t>Logic</a:t>
-            </a:r>
-            <a:endParaRPr lang="en-SG" sz="1200" b="1" dirty="0">
-              <a:solidFill>
-                <a:srgbClr val="0070C0"/>
-              </a:solidFill>
-            </a:endParaRPr>
-          </a:p>
-        </p:txBody>
-      </p:sp>
-      <p:sp>
-        <p:nvSpPr>
-          <p:cNvPr id="2" name="Rectangle 62"/>
-          <p:cNvSpPr/>
-          <p:nvPr/>
-        </p:nvSpPr>
-        <p:spPr>
-          <a:xfrm>
-            <a:off x="902709" y="679193"/>
-            <a:ext cx="1455628" cy="346760"/>
-          </a:xfrm>
-          <a:prstGeom prst="rect">
-            <a:avLst/>
-          </a:prstGeom>
-          <a:solidFill>
-            <a:srgbClr val="0070C0"/>
-          </a:solidFill>
-          <a:ln w="19050">
-            <a:solidFill>
-              <a:srgbClr val="0070C0"/>
-            </a:solidFill>
-          </a:ln>
-          <a:effectLst/>
-        </p:spPr>
-        <p:style>
-          <a:lnRef idx="1">
-            <a:schemeClr val="accent2"/>
-          </a:lnRef>
-          <a:fillRef idx="2">
-            <a:schemeClr val="accent2"/>
-          </a:fillRef>
-          <a:effectRef idx="1">
-            <a:schemeClr val="accent2"/>
-          </a:effectRef>
-          <a:fontRef idx="minor">
-            <a:schemeClr val="dk1"/>
-          </a:fontRef>
-        </p:style>
-        <p:txBody>
-          <a:bodyPr rtlCol="0" anchor="ctr"/>
-          <a:lstStyle/>
-          <a:p>
-            <a:pPr algn="ctr"/>
-            <a:r>
-              <a:rPr lang="en-US" sz="1600" dirty="0">
-                <a:solidFill>
-                  <a:schemeClr val="bg1"/>
-                </a:solidFill>
-              </a:rPr>
-              <a:t>:LogicManager</a:t>
-            </a:r>
-            <a:endParaRPr lang="en-SG" sz="1600" dirty="0">
-              <a:solidFill>
-                <a:schemeClr val="bg1"/>
-              </a:solidFill>
-            </a:endParaRPr>
-          </a:p>
-        </p:txBody>
-      </p:sp>
-      <p:cxnSp>
-        <p:nvCxnSpPr>
-          <p:cNvPr id="5" name="Straight Connector 4"/>
-          <p:cNvCxnSpPr>
-            <a:cxnSpLocks/>
-          </p:cNvCxnSpPr>
-          <p:nvPr/>
-        </p:nvCxnSpPr>
-        <p:spPr>
-          <a:xfrm>
-            <a:off x="1630515" y="1042869"/>
-            <a:ext cx="0" cy="5149910"/>
-          </a:xfrm>
-          <a:prstGeom prst="line">
-            <a:avLst/>
-          </a:prstGeom>
-          <a:ln w="19050">
-            <a:solidFill>
-              <a:srgbClr val="0070C0"/>
-            </a:solidFill>
-            <a:prstDash val="sysDash"/>
-          </a:ln>
-          <a:effectLst/>
-        </p:spPr>
-        <p:style>
-          <a:lnRef idx="1">
-            <a:schemeClr val="accent1"/>
-          </a:lnRef>
-          <a:fillRef idx="2">
-            <a:schemeClr val="accent1"/>
-          </a:fillRef>
-          <a:effectRef idx="1">
-            <a:schemeClr val="accent1"/>
-          </a:effectRef>
-          <a:fontRef idx="minor">
-            <a:schemeClr val="dk1"/>
-          </a:fontRef>
-        </p:style>
-      </p:cxnSp>
-      <p:sp>
-        <p:nvSpPr>
-          <p:cNvPr id="6" name="Rectangle 5"/>
-          <p:cNvSpPr/>
-          <p:nvPr/>
-        </p:nvSpPr>
-        <p:spPr>
-          <a:xfrm>
-            <a:off x="1558506" y="1393563"/>
-            <a:ext cx="169297" cy="4606253"/>
-          </a:xfrm>
-          <a:prstGeom prst="rect">
-            <a:avLst/>
-          </a:prstGeom>
-          <a:solidFill>
-            <a:srgbClr val="0070C0"/>
-          </a:solidFill>
-          <a:ln>
-            <a:solidFill>
-              <a:srgbClr val="0070C0"/>
-            </a:solidFill>
-          </a:ln>
-          <a:effectLst/>
-        </p:spPr>
-        <p:style>
-          <a:lnRef idx="1">
-            <a:schemeClr val="accent3"/>
-          </a:lnRef>
-          <a:fillRef idx="2">
-            <a:schemeClr val="accent3"/>
-          </a:fillRef>
-          <a:effectRef idx="1">
-            <a:schemeClr val="accent3"/>
-          </a:effectRef>
-          <a:fontRef idx="minor">
-            <a:schemeClr val="dk1"/>
-          </a:fontRef>
-        </p:style>
-        <p:txBody>
-          <a:bodyPr rtlCol="0" anchor="ctr"/>
-          <a:lstStyle/>
-          <a:p>
-            <a:pPr algn="ctr"/>
-            <a:endParaRPr lang="en-SG" sz="1400"/>
-          </a:p>
-        </p:txBody>
-      </p:sp>
-      <p:sp>
-        <p:nvSpPr>
-          <p:cNvPr id="16" name="Rectangle 62"/>
-          <p:cNvSpPr/>
-          <p:nvPr/>
-        </p:nvSpPr>
-        <p:spPr>
-          <a:xfrm>
-            <a:off x="3456747" y="558268"/>
-            <a:ext cx="1219200" cy="467684"/>
-          </a:xfrm>
-          <a:prstGeom prst="rect">
-            <a:avLst/>
-          </a:prstGeom>
-          <a:solidFill>
-            <a:srgbClr val="0070C0"/>
-          </a:solidFill>
-          <a:ln w="19050">
-            <a:solidFill>
-              <a:srgbClr val="0070C0"/>
-            </a:solidFill>
-          </a:ln>
-          <a:effectLst/>
-        </p:spPr>
-        <p:style>
-          <a:lnRef idx="1">
-            <a:schemeClr val="accent2"/>
-          </a:lnRef>
-          <a:fillRef idx="2">
-            <a:schemeClr val="accent2"/>
-          </a:fillRef>
-          <a:effectRef idx="1">
-            <a:schemeClr val="accent2"/>
-          </a:effectRef>
-          <a:fontRef idx="minor">
-            <a:schemeClr val="dk1"/>
-          </a:fontRef>
-        </p:style>
-        <p:txBody>
-          <a:bodyPr rtlCol="0" anchor="ctr"/>
-          <a:lstStyle/>
-          <a:p>
-            <a:pPr algn="ctr"/>
-            <a:r>
-              <a:rPr lang="en-US" sz="1600" dirty="0">
-                <a:solidFill>
-                  <a:schemeClr val="bg1"/>
-                </a:solidFill>
-              </a:rPr>
-              <a:t>:Address</a:t>
-            </a:r>
-          </a:p>
-          <a:p>
-            <a:pPr algn="ctr"/>
-            <a:r>
-              <a:rPr lang="en-US" sz="1600" dirty="0">
-                <a:solidFill>
-                  <a:schemeClr val="bg1"/>
-                </a:solidFill>
-              </a:rPr>
-              <a:t>BookParser</a:t>
-            </a:r>
-            <a:endParaRPr lang="en-SG" sz="1600" dirty="0">
-              <a:solidFill>
-                <a:schemeClr val="bg1"/>
-              </a:solidFill>
-            </a:endParaRPr>
-          </a:p>
-        </p:txBody>
-      </p:sp>
-      <p:cxnSp>
-        <p:nvCxnSpPr>
-          <p:cNvPr id="17" name="Straight Connector 16"/>
-          <p:cNvCxnSpPr>
-            <a:cxnSpLocks/>
-          </p:cNvCxnSpPr>
-          <p:nvPr/>
-        </p:nvCxnSpPr>
-        <p:spPr>
-          <a:xfrm>
-            <a:off x="4070143" y="1042867"/>
-            <a:ext cx="0" cy="2160660"/>
-          </a:xfrm>
-          <a:prstGeom prst="line">
-            <a:avLst/>
-          </a:prstGeom>
-          <a:ln w="19050">
-            <a:solidFill>
-              <a:srgbClr val="0070C0"/>
-            </a:solidFill>
-            <a:prstDash val="sysDash"/>
-          </a:ln>
-          <a:effectLst/>
-        </p:spPr>
-        <p:style>
-          <a:lnRef idx="1">
-            <a:schemeClr val="accent1"/>
-          </a:lnRef>
-          <a:fillRef idx="2">
-            <a:schemeClr val="accent1"/>
-          </a:fillRef>
-          <a:effectRef idx="1">
-            <a:schemeClr val="accent1"/>
-          </a:effectRef>
-          <a:fontRef idx="minor">
-            <a:schemeClr val="dk1"/>
-          </a:fontRef>
-        </p:style>
-      </p:cxnSp>
-      <p:sp>
-        <p:nvSpPr>
-          <p:cNvPr id="18" name="Rectangle 17"/>
-          <p:cNvSpPr/>
-          <p:nvPr/>
-        </p:nvSpPr>
-        <p:spPr>
-          <a:xfrm>
-            <a:off x="3998138" y="1501064"/>
-            <a:ext cx="145571" cy="1004259"/>
-          </a:xfrm>
-          <a:prstGeom prst="rect">
-            <a:avLst/>
-          </a:prstGeom>
-          <a:solidFill>
-            <a:srgbClr val="0070C0"/>
-          </a:solidFill>
-          <a:ln>
-            <a:solidFill>
-              <a:srgbClr val="0070C0"/>
-            </a:solidFill>
-          </a:ln>
-          <a:effectLst/>
-        </p:spPr>
-        <p:style>
-          <a:lnRef idx="1">
-            <a:schemeClr val="accent3"/>
-          </a:lnRef>
-          <a:fillRef idx="2">
-            <a:schemeClr val="accent3"/>
-          </a:fillRef>
-          <a:effectRef idx="1">
-            <a:schemeClr val="accent3"/>
-          </a:effectRef>
-          <a:fontRef idx="minor">
-            <a:schemeClr val="dk1"/>
-          </a:fontRef>
-        </p:style>
-        <p:txBody>
-          <a:bodyPr rtlCol="0" anchor="ctr"/>
-          <a:lstStyle/>
-          <a:p>
-            <a:pPr algn="ctr"/>
-            <a:endParaRPr lang="en-SG" sz="1400"/>
-          </a:p>
-        </p:txBody>
-      </p:sp>
-      <p:cxnSp>
-        <p:nvCxnSpPr>
-          <p:cNvPr id="20" name="Straight Connector 19"/>
-          <p:cNvCxnSpPr>
-            <a:cxnSpLocks/>
-          </p:cNvCxnSpPr>
-          <p:nvPr/>
-        </p:nvCxnSpPr>
-        <p:spPr>
-          <a:xfrm flipH="1">
-            <a:off x="6356376" y="1674002"/>
-            <a:ext cx="1002" cy="1389502"/>
-          </a:xfrm>
-          <a:prstGeom prst="line">
-            <a:avLst/>
-          </a:prstGeom>
-          <a:ln w="19050">
-            <a:solidFill>
-              <a:srgbClr val="0070C0"/>
-            </a:solidFill>
-            <a:prstDash val="sysDash"/>
-          </a:ln>
-          <a:effectLst/>
-        </p:spPr>
-        <p:style>
-          <a:lnRef idx="1">
-            <a:schemeClr val="accent1"/>
-          </a:lnRef>
-          <a:fillRef idx="2">
-            <a:schemeClr val="accent1"/>
-          </a:fillRef>
-          <a:effectRef idx="1">
-            <a:schemeClr val="accent1"/>
-          </a:effectRef>
-          <a:fontRef idx="minor">
-            <a:schemeClr val="dk1"/>
-          </a:fontRef>
-        </p:style>
-      </p:cxnSp>
-      <p:sp>
-        <p:nvSpPr>
-          <p:cNvPr id="21" name="Rectangle 20"/>
-          <p:cNvSpPr/>
-          <p:nvPr/>
-        </p:nvSpPr>
-        <p:spPr>
-          <a:xfrm>
-            <a:off x="6284170" y="1895760"/>
-            <a:ext cx="138706" cy="357144"/>
-          </a:xfrm>
-          <a:prstGeom prst="rect">
-            <a:avLst/>
-          </a:prstGeom>
-          <a:solidFill>
-            <a:srgbClr val="0070C0"/>
-          </a:solidFill>
-          <a:ln>
-            <a:solidFill>
-              <a:srgbClr val="0070C0"/>
-            </a:solidFill>
-          </a:ln>
-          <a:effectLst/>
-        </p:spPr>
-        <p:style>
-          <a:lnRef idx="1">
-            <a:schemeClr val="accent3"/>
-          </a:lnRef>
-          <a:fillRef idx="2">
-            <a:schemeClr val="accent3"/>
-          </a:fillRef>
-          <a:effectRef idx="1">
-            <a:schemeClr val="accent3"/>
-          </a:effectRef>
-          <a:fontRef idx="minor">
-            <a:schemeClr val="dk1"/>
-          </a:fontRef>
-        </p:style>
-        <p:txBody>
-          <a:bodyPr rtlCol="0" anchor="ctr"/>
-          <a:lstStyle/>
-          <a:p>
-            <a:pPr algn="ctr"/>
-            <a:endParaRPr lang="en-SG" sz="1400"/>
-          </a:p>
-        </p:txBody>
-      </p:sp>
-      <p:cxnSp>
-        <p:nvCxnSpPr>
-          <p:cNvPr id="23" name="Straight Arrow Connector 22"/>
-          <p:cNvCxnSpPr>
-            <a:cxnSpLocks/>
-          </p:cNvCxnSpPr>
-          <p:nvPr/>
-        </p:nvCxnSpPr>
-        <p:spPr>
-          <a:xfrm>
-            <a:off x="438669" y="1397245"/>
-            <a:ext cx="1119851" cy="0"/>
-          </a:xfrm>
-          <a:prstGeom prst="straightConnector1">
-            <a:avLst/>
-          </a:prstGeom>
-          <a:ln w="19050">
-            <a:solidFill>
-              <a:srgbClr val="00B050"/>
-            </a:solidFill>
-            <a:tailEnd type="arrow"/>
-          </a:ln>
-        </p:spPr>
-        <p:style>
-          <a:lnRef idx="1">
-            <a:schemeClr val="accent1"/>
-          </a:lnRef>
-          <a:fillRef idx="0">
-            <a:schemeClr val="accent1"/>
-          </a:fillRef>
-          <a:effectRef idx="0">
-            <a:schemeClr val="accent1"/>
-          </a:effectRef>
-          <a:fontRef idx="minor">
-            <a:schemeClr val="tx1"/>
-          </a:fontRef>
-        </p:style>
-      </p:cxnSp>
-      <p:sp>
-        <p:nvSpPr>
-          <p:cNvPr id="26" name="TextBox 25"/>
           <p:cNvSpPr txBox="1"/>
           <p:nvPr/>
         </p:nvSpPr>
         <p:spPr>
           <a:xfrm>
-            <a:off x="159441" y="1125847"/>
-            <a:ext cx="1323065" cy="215444"/>
-          </a:xfrm>
-          <a:prstGeom prst="rect">
-            <a:avLst/>
-          </a:prstGeom>
-          <a:noFill/>
-        </p:spPr>
-        <p:txBody>
-          <a:bodyPr wrap="square" lIns="0" tIns="0" rIns="0" bIns="0" rtlCol="0">
-            <a:spAutoFit/>
-          </a:bodyPr>
-          <a:lstStyle/>
-          <a:p>
-            <a:pPr algn="r"/>
-            <a:r>
-              <a:rPr lang="en-US" sz="1400" dirty="0">
-                <a:solidFill>
-                  <a:srgbClr val="0070C0"/>
-                </a:solidFill>
-              </a:rPr>
-              <a:t>execute(“stats”)</a:t>
-            </a:r>
-          </a:p>
-        </p:txBody>
-      </p:sp>
-      <p:cxnSp>
-        <p:nvCxnSpPr>
-          <p:cNvPr id="28" name="Straight Arrow Connector 27"/>
-          <p:cNvCxnSpPr>
-            <a:cxnSpLocks/>
-          </p:cNvCxnSpPr>
-          <p:nvPr/>
-        </p:nvCxnSpPr>
-        <p:spPr>
-          <a:xfrm flipV="1">
-            <a:off x="4155528" y="1622510"/>
-            <a:ext cx="1397357" cy="212"/>
-          </a:xfrm>
-          <a:prstGeom prst="straightConnector1">
-            <a:avLst/>
-          </a:prstGeom>
-          <a:ln w="19050">
-            <a:solidFill>
-              <a:srgbClr val="0070C0"/>
-            </a:solidFill>
-            <a:tailEnd type="arrow"/>
-          </a:ln>
-        </p:spPr>
-        <p:style>
-          <a:lnRef idx="1">
-            <a:schemeClr val="accent1"/>
-          </a:lnRef>
-          <a:fillRef idx="0">
-            <a:schemeClr val="accent1"/>
-          </a:fillRef>
-          <a:effectRef idx="0">
-            <a:schemeClr val="accent1"/>
-          </a:effectRef>
-          <a:fontRef idx="minor">
-            <a:schemeClr val="tx1"/>
-          </a:fontRef>
-        </p:style>
-      </p:cxnSp>
-      <p:sp>
-        <p:nvSpPr>
-          <p:cNvPr id="29" name="TextBox 28"/>
-          <p:cNvSpPr txBox="1"/>
-          <p:nvPr/>
-        </p:nvSpPr>
-        <p:spPr>
-          <a:xfrm>
-            <a:off x="4243526" y="2971800"/>
-            <a:ext cx="855808" cy="215444"/>
+            <a:off x="3530239" y="1330919"/>
+            <a:ext cx="1899551" cy="215444"/>
           </a:xfrm>
           <a:prstGeom prst="rect">
             <a:avLst/>
@@ -6693,14 +5821,73 @@
           <a:p>
             <a:r>
               <a:rPr lang="en-US" dirty="0"/>
-              <a:t>execute()</a:t>
-            </a:r>
+              <a:t>statsCommand()</a:t>
+            </a:r>
+          </a:p>
+        </p:txBody>
+      </p:sp>
+      <p:sp>
+        <p:nvSpPr>
+          <p:cNvPr id="70" name="Rectangle 69">
+            <a:extLst>
+              <a:ext uri="{FF2B5EF4-FFF2-40B4-BE49-F238E27FC236}">
+                <a16:creationId xmlns:a16="http://schemas.microsoft.com/office/drawing/2014/main" id="{436FDA33-8287-4103-899C-439B177D8848}"/>
+              </a:ext>
+            </a:extLst>
+          </p:cNvPr>
+          <p:cNvSpPr/>
+          <p:nvPr/>
+        </p:nvSpPr>
+        <p:spPr>
+          <a:xfrm>
+            <a:off x="11315227" y="5212529"/>
+            <a:ext cx="85940" cy="211170"/>
+          </a:xfrm>
+          <a:prstGeom prst="rect">
+            <a:avLst/>
+          </a:prstGeom>
+          <a:solidFill>
+            <a:srgbClr val="92D050"/>
+          </a:solidFill>
+          <a:ln>
+            <a:solidFill>
+              <a:srgbClr val="92D050"/>
+            </a:solidFill>
+          </a:ln>
+          <a:effectLst/>
+        </p:spPr>
+        <p:style>
+          <a:lnRef idx="1">
+            <a:schemeClr val="accent3"/>
+          </a:lnRef>
+          <a:fillRef idx="2">
+            <a:schemeClr val="accent3"/>
+          </a:fillRef>
+          <a:effectRef idx="1">
+            <a:schemeClr val="accent3"/>
+          </a:effectRef>
+          <a:fontRef idx="minor">
+            <a:schemeClr val="dk1"/>
+          </a:fontRef>
+        </p:style>
+        <p:txBody>
+          <a:bodyPr rtlCol="0" anchor="ctr"/>
+          <a:lstStyle/>
+          <a:p>
+            <a:pPr algn="ctr"/>
+            <a:endParaRPr lang="en-SG" sz="1400"/>
           </a:p>
         </p:txBody>
       </p:sp>
       <p:cxnSp>
         <p:nvCxnSpPr>
-          <p:cNvPr id="34" name="Straight Arrow Connector 33"/>
+          <p:cNvPr id="88" name="Curved Connector 12">
+            <a:extLst>
+              <a:ext uri="{FF2B5EF4-FFF2-40B4-BE49-F238E27FC236}">
+                <a16:creationId xmlns:a16="http://schemas.microsoft.com/office/drawing/2014/main" id="{6FC323B1-2B82-4579-9AE9-62047F74BEE6}"/>
+              </a:ext>
+            </a:extLst>
+          </p:cNvPr>
           <p:cNvCxnSpPr>
             <a:cxnSpLocks/>
           </p:cNvCxnSpPr>
@@ -6708,19 +5895,21 @@
         </p:nvCxnSpPr>
         <p:spPr>
           <a:xfrm>
-            <a:off x="4155528" y="2245486"/>
-            <a:ext cx="2155501" cy="0"/>
-          </a:xfrm>
-          <a:prstGeom prst="straightConnector1">
-            <a:avLst/>
+            <a:off x="11295213" y="5105827"/>
+            <a:ext cx="72937" cy="109922"/>
+          </a:xfrm>
+          <a:prstGeom prst="curvedConnector3">
+            <a:avLst>
+              <a:gd name="adj1" fmla="val 395134"/>
+            </a:avLst>
           </a:prstGeom>
-          <a:ln w="19050">
+          <a:ln>
             <a:solidFill>
-              <a:srgbClr val="0070C0"/>
+              <a:schemeClr val="accent3">
+                <a:lumMod val="50000"/>
+              </a:schemeClr>
             </a:solidFill>
-            <a:prstDash val="sysDash"/>
-            <a:headEnd type="arrow" w="med" len="med"/>
-            <a:tailEnd type="none" w="med" len="med"/>
+            <a:tailEnd type="triangle"/>
           </a:ln>
         </p:spPr>
         <p:style>
@@ -6740,27 +5929,34 @@
       </p:cxnSp>
       <p:cxnSp>
         <p:nvCxnSpPr>
-          <p:cNvPr id="35" name="Straight Arrow Connector 34"/>
+          <p:cNvPr id="73" name="Curved Connector 12">
+            <a:extLst>
+              <a:ext uri="{FF2B5EF4-FFF2-40B4-BE49-F238E27FC236}">
+                <a16:creationId xmlns:a16="http://schemas.microsoft.com/office/drawing/2014/main" id="{5B09C6A8-9ED8-464C-98AD-5EACA3A3F981}"/>
+              </a:ext>
+            </a:extLst>
+          </p:cNvPr>
           <p:cNvCxnSpPr>
             <a:cxnSpLocks/>
           </p:cNvCxnSpPr>
           <p:nvPr/>
         </p:nvCxnSpPr>
         <p:spPr>
-          <a:xfrm>
-            <a:off x="1716881" y="2514600"/>
-            <a:ext cx="2270334" cy="0"/>
-          </a:xfrm>
-          <a:prstGeom prst="straightConnector1">
-            <a:avLst/>
+          <a:xfrm flipH="1">
+            <a:off x="11317617" y="5423699"/>
+            <a:ext cx="80994" cy="147447"/>
+          </a:xfrm>
+          <a:prstGeom prst="curvedConnector3">
+            <a:avLst>
+              <a:gd name="adj1" fmla="val -313352"/>
+            </a:avLst>
           </a:prstGeom>
-          <a:ln w="19050">
+          <a:ln>
             <a:solidFill>
-              <a:srgbClr val="0070C0"/>
+              <a:srgbClr val="7030A0"/>
             </a:solidFill>
             <a:prstDash val="sysDash"/>
-            <a:headEnd type="arrow" w="med" len="med"/>
-            <a:tailEnd type="none" w="med" len="med"/>
+            <a:tailEnd type="triangle"/>
           </a:ln>
         </p:spPr>
         <p:style>
@@ -6780,7 +5976,13 @@
       </p:cxnSp>
       <p:cxnSp>
         <p:nvCxnSpPr>
-          <p:cNvPr id="37" name="Straight Arrow Connector 36"/>
+          <p:cNvPr id="55" name="Straight Arrow Connector 54">
+            <a:extLst>
+              <a:ext uri="{FF2B5EF4-FFF2-40B4-BE49-F238E27FC236}">
+                <a16:creationId xmlns:a16="http://schemas.microsoft.com/office/drawing/2014/main" id="{EBE0E757-B5F9-4914-A065-9AF840CA7642}"/>
+              </a:ext>
+            </a:extLst>
+          </p:cNvPr>
           <p:cNvCxnSpPr>
             <a:cxnSpLocks/>
           </p:cNvCxnSpPr>
@@ -6788,19 +5990,17 @@
         </p:nvCxnSpPr>
         <p:spPr>
           <a:xfrm>
-            <a:off x="362455" y="5939802"/>
-            <a:ext cx="1196051" cy="0"/>
+            <a:off x="9468635" y="4115508"/>
+            <a:ext cx="1542587" cy="17871"/>
           </a:xfrm>
           <a:prstGeom prst="straightConnector1">
             <a:avLst/>
           </a:prstGeom>
           <a:ln w="19050">
             <a:solidFill>
-              <a:schemeClr val="accent1"/>
+              <a:srgbClr val="0070C0"/>
             </a:solidFill>
-            <a:prstDash val="sysDash"/>
-            <a:headEnd type="arrow" w="med" len="med"/>
-            <a:tailEnd type="none" w="med" len="med"/>
+            <a:tailEnd type="arrow"/>
           </a:ln>
         </p:spPr>
         <p:style>
@@ -6820,14 +6020,20 @@
       </p:cxnSp>
       <p:sp>
         <p:nvSpPr>
-          <p:cNvPr id="80" name="TextBox 79"/>
+          <p:cNvPr id="59" name="TextBox 58">
+            <a:extLst>
+              <a:ext uri="{FF2B5EF4-FFF2-40B4-BE49-F238E27FC236}">
+                <a16:creationId xmlns:a16="http://schemas.microsoft.com/office/drawing/2014/main" id="{025BAADC-17A8-4CD1-820F-2C3D160494A7}"/>
+              </a:ext>
+            </a:extLst>
+          </p:cNvPr>
           <p:cNvSpPr txBox="1"/>
           <p:nvPr/>
         </p:nvSpPr>
         <p:spPr>
           <a:xfrm>
-            <a:off x="1904756" y="1241398"/>
-            <a:ext cx="1899551" cy="215444"/>
+            <a:off x="9243344" y="3885546"/>
+            <a:ext cx="1561239" cy="215444"/>
           </a:xfrm>
           <a:prstGeom prst="rect">
             <a:avLst/>
@@ -6852,240 +6058,30 @@
           </a:lstStyle>
           <a:p>
             <a:r>
-              <a:rPr lang="en-US" dirty="0" err="1"/>
-              <a:t>parseCommand</a:t>
-            </a:r>
-            <a:r>
               <a:rPr lang="en-US" dirty="0"/>
-              <a:t>(“stats”)</a:t>
-            </a:r>
-          </a:p>
-        </p:txBody>
-      </p:sp>
-      <p:sp>
-        <p:nvSpPr>
-          <p:cNvPr id="84" name="Rectangle 62"/>
-          <p:cNvSpPr/>
-          <p:nvPr/>
-        </p:nvSpPr>
-        <p:spPr>
-          <a:xfrm>
-            <a:off x="10451805" y="4569854"/>
-            <a:ext cx="1475876" cy="335427"/>
-          </a:xfrm>
-          <a:prstGeom prst="rect">
-            <a:avLst/>
-          </a:prstGeom>
-          <a:solidFill>
-            <a:srgbClr val="92D050"/>
-          </a:solidFill>
-          <a:ln w="19050">
-            <a:solidFill>
-              <a:srgbClr val="92D050"/>
-            </a:solidFill>
-          </a:ln>
-          <a:effectLst/>
-        </p:spPr>
-        <p:style>
-          <a:lnRef idx="1">
-            <a:schemeClr val="accent2"/>
-          </a:lnRef>
-          <a:fillRef idx="2">
-            <a:schemeClr val="accent2"/>
-          </a:fillRef>
-          <a:effectRef idx="1">
-            <a:schemeClr val="accent2"/>
-          </a:effectRef>
-          <a:fontRef idx="minor">
-            <a:schemeClr val="dk1"/>
-          </a:fontRef>
-        </p:style>
-        <p:txBody>
-          <a:bodyPr rtlCol="0" anchor="ctr"/>
-          <a:lstStyle/>
-          <a:p>
-            <a:pPr algn="ctr"/>
-            <a:r>
-              <a:rPr lang="en-US" sz="1600" dirty="0">
-                <a:solidFill>
-                  <a:schemeClr val="tx1"/>
-                </a:solidFill>
-              </a:rPr>
-              <a:t>:</a:t>
-            </a:r>
-            <a:r>
-              <a:rPr lang="en-US" sz="1600" dirty="0" err="1">
-                <a:solidFill>
-                  <a:schemeClr val="tx1"/>
-                </a:solidFill>
-              </a:rPr>
-              <a:t>StatisticView</a:t>
-            </a:r>
-            <a:endParaRPr lang="en-SG" sz="1600" dirty="0">
-              <a:solidFill>
-                <a:schemeClr val="tx1"/>
-              </a:solidFill>
-            </a:endParaRPr>
-          </a:p>
-        </p:txBody>
-      </p:sp>
-      <p:sp>
-        <p:nvSpPr>
-          <p:cNvPr id="40" name="Rectangle 62"/>
-          <p:cNvSpPr/>
-          <p:nvPr/>
-        </p:nvSpPr>
-        <p:spPr>
-          <a:xfrm>
-            <a:off x="8642824" y="2505323"/>
-            <a:ext cx="841636" cy="300181"/>
-          </a:xfrm>
-          <a:prstGeom prst="rect">
-            <a:avLst/>
-          </a:prstGeom>
-          <a:solidFill>
-            <a:srgbClr val="7030A0"/>
-          </a:solidFill>
-          <a:ln w="19050">
-            <a:solidFill>
-              <a:srgbClr val="7030A0"/>
-            </a:solidFill>
-          </a:ln>
-          <a:effectLst/>
-        </p:spPr>
-        <p:style>
-          <a:lnRef idx="1">
-            <a:schemeClr val="accent2"/>
-          </a:lnRef>
-          <a:fillRef idx="2">
-            <a:schemeClr val="accent2"/>
-          </a:fillRef>
-          <a:effectRef idx="1">
-            <a:schemeClr val="accent2"/>
-          </a:effectRef>
-          <a:fontRef idx="minor">
-            <a:schemeClr val="dk1"/>
-          </a:fontRef>
-        </p:style>
-        <p:txBody>
-          <a:bodyPr rtlCol="0" anchor="ctr"/>
-          <a:lstStyle/>
-          <a:p>
-            <a:pPr algn="ctr"/>
-            <a:r>
-              <a:rPr lang="en-US" sz="1600" dirty="0">
-                <a:solidFill>
-                  <a:schemeClr val="bg1"/>
-                </a:solidFill>
-              </a:rPr>
-              <a:t>: Model</a:t>
-            </a:r>
-            <a:endParaRPr lang="en-SG" sz="1600" dirty="0">
-              <a:solidFill>
-                <a:schemeClr val="bg1"/>
-              </a:solidFill>
-            </a:endParaRPr>
+              <a:t>saveStatistics()</a:t>
+            </a:r>
           </a:p>
         </p:txBody>
       </p:sp>
       <p:cxnSp>
         <p:nvCxnSpPr>
-          <p:cNvPr id="46" name="Straight Connector 45"/>
+          <p:cNvPr id="71" name="Straight Arrow Connector 70">
+            <a:extLst>
+              <a:ext uri="{FF2B5EF4-FFF2-40B4-BE49-F238E27FC236}">
+                <a16:creationId xmlns:a16="http://schemas.microsoft.com/office/drawing/2014/main" id="{3581D3A8-BE91-4314-9ED1-52FE78946742}"/>
+              </a:ext>
+            </a:extLst>
+          </p:cNvPr>
           <p:cNvCxnSpPr>
             <a:cxnSpLocks/>
           </p:cNvCxnSpPr>
           <p:nvPr/>
         </p:nvCxnSpPr>
         <p:spPr>
-          <a:xfrm flipH="1">
-            <a:off x="9090868" y="2762786"/>
-            <a:ext cx="1" cy="3371739"/>
-          </a:xfrm>
-          <a:prstGeom prst="line">
-            <a:avLst/>
-          </a:prstGeom>
-          <a:ln w="19050">
-            <a:solidFill>
-              <a:srgbClr val="7030A0"/>
-            </a:solidFill>
-            <a:prstDash val="sysDash"/>
-          </a:ln>
-          <a:effectLst/>
-        </p:spPr>
-        <p:style>
-          <a:lnRef idx="1">
-            <a:schemeClr val="accent1"/>
-          </a:lnRef>
-          <a:fillRef idx="2">
-            <a:schemeClr val="accent1"/>
-          </a:fillRef>
-          <a:effectRef idx="1">
-            <a:schemeClr val="accent1"/>
-          </a:effectRef>
-          <a:fontRef idx="minor">
-            <a:schemeClr val="dk1"/>
-          </a:fontRef>
-        </p:style>
-      </p:cxnSp>
-      <p:sp>
-        <p:nvSpPr>
-          <p:cNvPr id="49" name="Rectangle 48"/>
-          <p:cNvSpPr/>
-          <p:nvPr/>
-        </p:nvSpPr>
-        <p:spPr>
-          <a:xfrm>
-            <a:off x="8991513" y="3247636"/>
-            <a:ext cx="155966" cy="562364"/>
-          </a:xfrm>
-          <a:prstGeom prst="rect">
-            <a:avLst/>
-          </a:prstGeom>
-          <a:solidFill>
-            <a:srgbClr val="7030A0"/>
-          </a:solidFill>
-          <a:ln>
-            <a:solidFill>
-              <a:srgbClr val="7030A0"/>
-            </a:solidFill>
-          </a:ln>
-          <a:effectLst/>
-        </p:spPr>
-        <p:style>
-          <a:lnRef idx="1">
-            <a:schemeClr val="accent3"/>
-          </a:lnRef>
-          <a:fillRef idx="2">
-            <a:schemeClr val="accent3"/>
-          </a:fillRef>
-          <a:effectRef idx="1">
-            <a:schemeClr val="accent3"/>
-          </a:effectRef>
-          <a:fontRef idx="minor">
-            <a:schemeClr val="dk1"/>
-          </a:fontRef>
-        </p:style>
-        <p:txBody>
-          <a:bodyPr rtlCol="0" anchor="ctr"/>
-          <a:lstStyle/>
-          <a:p>
-            <a:pPr algn="ctr"/>
-            <a:endParaRPr lang="en-SG" sz="1400"/>
-          </a:p>
-        </p:txBody>
-      </p:sp>
-      <p:cxnSp>
-        <p:nvCxnSpPr>
-          <p:cNvPr id="50" name="Straight Arrow Connector 49"/>
-          <p:cNvCxnSpPr>
-            <a:cxnSpLocks/>
-          </p:cNvCxnSpPr>
-          <p:nvPr/>
-        </p:nvCxnSpPr>
-        <p:spPr>
-          <a:xfrm>
-            <a:off x="6441281" y="3276599"/>
-            <a:ext cx="2529873" cy="0"/>
+          <a:xfrm>
+            <a:off x="11178449" y="4231269"/>
+            <a:ext cx="1476119" cy="9796"/>
           </a:xfrm>
           <a:prstGeom prst="straightConnector1">
             <a:avLst/>
@@ -7114,269 +6110,25 @@
       </p:cxnSp>
       <p:sp>
         <p:nvSpPr>
-          <p:cNvPr id="19" name="Rectangle 62"/>
-          <p:cNvSpPr/>
-          <p:nvPr/>
-        </p:nvSpPr>
-        <p:spPr>
-          <a:xfrm>
-            <a:off x="5552885" y="1316853"/>
-            <a:ext cx="1609838" cy="578958"/>
-          </a:xfrm>
-          <a:prstGeom prst="rect">
-            <a:avLst/>
-          </a:prstGeom>
-          <a:solidFill>
-            <a:srgbClr val="0070C0"/>
-          </a:solidFill>
-          <a:ln w="19050">
-            <a:solidFill>
-              <a:srgbClr val="0070C0"/>
-            </a:solidFill>
-          </a:ln>
-          <a:effectLst/>
-        </p:spPr>
-        <p:style>
-          <a:lnRef idx="1">
-            <a:schemeClr val="accent2"/>
-          </a:lnRef>
-          <a:fillRef idx="2">
-            <a:schemeClr val="accent2"/>
-          </a:fillRef>
-          <a:effectRef idx="1">
-            <a:schemeClr val="accent2"/>
-          </a:effectRef>
-          <a:fontRef idx="minor">
-            <a:schemeClr val="dk1"/>
-          </a:fontRef>
-        </p:style>
-        <p:txBody>
-          <a:bodyPr rtlCol="0" anchor="ctr"/>
-          <a:lstStyle/>
-          <a:p>
-            <a:pPr algn="ctr"/>
-            <a:r>
-              <a:rPr lang="en-US" sz="1600" dirty="0">
-                <a:solidFill>
-                  <a:schemeClr val="bg1"/>
-                </a:solidFill>
-              </a:rPr>
-              <a:t>:</a:t>
-            </a:r>
-            <a:r>
-              <a:rPr lang="en-US" sz="1600" dirty="0" err="1">
-                <a:solidFill>
-                  <a:schemeClr val="bg1"/>
-                </a:solidFill>
-              </a:rPr>
-              <a:t>StatsCommand</a:t>
-            </a:r>
-            <a:endParaRPr lang="en-SG" sz="1600" dirty="0">
-              <a:solidFill>
-                <a:schemeClr val="bg1"/>
-              </a:solidFill>
-            </a:endParaRPr>
-          </a:p>
-        </p:txBody>
-      </p:sp>
-      <p:cxnSp>
-        <p:nvCxnSpPr>
-          <p:cNvPr id="66" name="Straight Arrow Connector 65">
+          <p:cNvPr id="72" name="TextBox 71">
             <a:extLst>
               <a:ext uri="{FF2B5EF4-FFF2-40B4-BE49-F238E27FC236}">
-                <a16:creationId xmlns:a16="http://schemas.microsoft.com/office/drawing/2014/main" id="{39916E2E-195A-4DC8-B025-B05FA87E6796}"/>
+                <a16:creationId xmlns:a16="http://schemas.microsoft.com/office/drawing/2014/main" id="{B87969AA-E731-4408-8664-8F16065120B2}"/>
               </a:ext>
             </a:extLst>
           </p:cNvPr>
-          <p:cNvCxnSpPr>
-            <a:cxnSpLocks/>
-          </p:cNvCxnSpPr>
-          <p:nvPr/>
-        </p:nvCxnSpPr>
-        <p:spPr>
-          <a:xfrm flipV="1">
-            <a:off x="1727807" y="3154145"/>
-            <a:ext cx="4527931" cy="45766"/>
-          </a:xfrm>
-          <a:prstGeom prst="straightConnector1">
-            <a:avLst/>
-          </a:prstGeom>
-          <a:ln w="19050">
-            <a:solidFill>
-              <a:srgbClr val="0070C0"/>
-            </a:solidFill>
-            <a:tailEnd type="arrow"/>
-          </a:ln>
-        </p:spPr>
-        <p:style>
-          <a:lnRef idx="1">
-            <a:schemeClr val="accent1"/>
-          </a:lnRef>
-          <a:fillRef idx="0">
-            <a:schemeClr val="accent1"/>
-          </a:fillRef>
-          <a:effectRef idx="0">
-            <a:schemeClr val="accent1"/>
-          </a:effectRef>
-          <a:fontRef idx="minor">
-            <a:schemeClr val="tx1"/>
-          </a:fontRef>
-        </p:style>
-      </p:cxnSp>
-      <p:cxnSp>
-        <p:nvCxnSpPr>
-          <p:cNvPr id="67" name="Straight Arrow Connector 66">
-            <a:extLst>
-              <a:ext uri="{FF2B5EF4-FFF2-40B4-BE49-F238E27FC236}">
-                <a16:creationId xmlns:a16="http://schemas.microsoft.com/office/drawing/2014/main" id="{D881596E-177C-4FDC-8E60-CAB90B3D5FAB}"/>
-              </a:ext>
-            </a:extLst>
-          </p:cNvPr>
-          <p:cNvCxnSpPr>
-            <a:cxnSpLocks/>
-          </p:cNvCxnSpPr>
-          <p:nvPr/>
-        </p:nvCxnSpPr>
-        <p:spPr>
-          <a:xfrm>
-            <a:off x="1727806" y="1499176"/>
-            <a:ext cx="2256706" cy="1"/>
-          </a:xfrm>
-          <a:prstGeom prst="straightConnector1">
-            <a:avLst/>
-          </a:prstGeom>
-          <a:ln w="19050">
-            <a:solidFill>
-              <a:srgbClr val="0070C0"/>
-            </a:solidFill>
-            <a:tailEnd type="arrow"/>
-          </a:ln>
-        </p:spPr>
-        <p:style>
-          <a:lnRef idx="1">
-            <a:schemeClr val="accent1"/>
-          </a:lnRef>
-          <a:fillRef idx="0">
-            <a:schemeClr val="accent1"/>
-          </a:fillRef>
-          <a:effectRef idx="0">
-            <a:schemeClr val="accent1"/>
-          </a:effectRef>
-          <a:fontRef idx="minor">
-            <a:schemeClr val="tx1"/>
-          </a:fontRef>
-        </p:style>
-      </p:cxnSp>
-      <p:cxnSp>
-        <p:nvCxnSpPr>
-          <p:cNvPr id="69" name="Straight Arrow Connector 68">
-            <a:extLst>
-              <a:ext uri="{FF2B5EF4-FFF2-40B4-BE49-F238E27FC236}">
-                <a16:creationId xmlns:a16="http://schemas.microsoft.com/office/drawing/2014/main" id="{7C9F21BC-13A9-471F-825A-2621FD36355F}"/>
-              </a:ext>
-            </a:extLst>
-          </p:cNvPr>
-          <p:cNvCxnSpPr>
-            <a:cxnSpLocks/>
-          </p:cNvCxnSpPr>
-          <p:nvPr/>
-        </p:nvCxnSpPr>
-        <p:spPr>
-          <a:xfrm>
-            <a:off x="6453028" y="5670047"/>
-            <a:ext cx="1236429" cy="0"/>
-          </a:xfrm>
-          <a:prstGeom prst="straightConnector1">
-            <a:avLst/>
-          </a:prstGeom>
-          <a:ln w="19050">
-            <a:solidFill>
-              <a:srgbClr val="0070C0"/>
-            </a:solidFill>
-            <a:prstDash val="sysDash"/>
-            <a:headEnd type="arrow" w="med" len="med"/>
-            <a:tailEnd type="none" w="med" len="med"/>
-          </a:ln>
-        </p:spPr>
-        <p:style>
-          <a:lnRef idx="1">
-            <a:schemeClr val="accent1"/>
-          </a:lnRef>
-          <a:fillRef idx="0">
-            <a:schemeClr val="accent1"/>
-          </a:fillRef>
-          <a:effectRef idx="0">
-            <a:schemeClr val="accent1"/>
-          </a:effectRef>
-          <a:fontRef idx="minor">
-            <a:schemeClr val="tx1"/>
-          </a:fontRef>
-        </p:style>
-      </p:cxnSp>
-      <p:cxnSp>
-        <p:nvCxnSpPr>
-          <p:cNvPr id="89" name="Straight Connector 88">
-            <a:extLst>
-              <a:ext uri="{FF2B5EF4-FFF2-40B4-BE49-F238E27FC236}">
-                <a16:creationId xmlns:a16="http://schemas.microsoft.com/office/drawing/2014/main" id="{E4E1C8CA-49DF-45D8-80A5-D5C8282EE927}"/>
-              </a:ext>
-            </a:extLst>
-          </p:cNvPr>
-          <p:cNvCxnSpPr>
-            <a:cxnSpLocks/>
-            <a:stCxn id="84" idx="2"/>
-          </p:cNvCxnSpPr>
-          <p:nvPr/>
-        </p:nvCxnSpPr>
-        <p:spPr>
-          <a:xfrm flipH="1">
-            <a:off x="11189742" y="4905281"/>
-            <a:ext cx="1" cy="1229244"/>
-          </a:xfrm>
-          <a:prstGeom prst="line">
-            <a:avLst/>
-          </a:prstGeom>
-          <a:ln w="19050">
-            <a:solidFill>
-              <a:srgbClr val="00B050"/>
-            </a:solidFill>
-            <a:prstDash val="sysDash"/>
-          </a:ln>
-          <a:effectLst/>
-        </p:spPr>
-        <p:style>
-          <a:lnRef idx="1">
-            <a:schemeClr val="accent1"/>
-          </a:lnRef>
-          <a:fillRef idx="2">
-            <a:schemeClr val="accent1"/>
-          </a:fillRef>
-          <a:effectRef idx="1">
-            <a:schemeClr val="accent1"/>
-          </a:effectRef>
-          <a:fontRef idx="minor">
-            <a:schemeClr val="dk1"/>
-          </a:fontRef>
-        </p:style>
-      </p:cxnSp>
-      <p:sp>
-        <p:nvSpPr>
-          <p:cNvPr id="41" name="TextBox 40"/>
           <p:cNvSpPr txBox="1"/>
           <p:nvPr/>
         </p:nvSpPr>
         <p:spPr>
           <a:xfrm>
-            <a:off x="11556974" y="5002294"/>
-            <a:ext cx="1157705" cy="184666"/>
+            <a:off x="11188124" y="3882448"/>
+            <a:ext cx="1588424" cy="215444"/>
           </a:xfrm>
           <a:prstGeom prst="rect">
             <a:avLst/>
           </a:prstGeom>
           <a:noFill/>
-          <a:ln>
-            <a:noFill/>
-          </a:ln>
         </p:spPr>
         <p:txBody>
           <a:bodyPr wrap="square" lIns="0" tIns="0" rIns="0" bIns="0" rtlCol="0">
@@ -7395,89 +6147,116 @@
             </a:lvl1pPr>
           </a:lstStyle>
           <a:p>
-            <a:pPr algn="l"/>
-            <a:r>
-              <a:rPr lang="en-US" sz="1200" dirty="0">
-                <a:solidFill>
-                  <a:schemeClr val="accent3">
-                    <a:lumMod val="50000"/>
-                  </a:schemeClr>
-                </a:solidFill>
-              </a:rPr>
-              <a:t>show()</a:t>
-            </a:r>
-          </a:p>
-        </p:txBody>
-      </p:sp>
-      <p:cxnSp>
-        <p:nvCxnSpPr>
-          <p:cNvPr id="63" name="Straight Arrow Connector 62">
+            <a:r>
+              <a:rPr lang="en-US" dirty="0" err="1"/>
+              <a:t>getStatisticsFilePath</a:t>
+            </a:r>
+            <a:r>
+              <a:rPr lang="en-US" dirty="0"/>
+              <a:t>()</a:t>
+            </a:r>
+          </a:p>
+        </p:txBody>
+      </p:sp>
+      <p:sp>
+        <p:nvSpPr>
+          <p:cNvPr id="74" name="Rectangle 62">
             <a:extLst>
               <a:ext uri="{FF2B5EF4-FFF2-40B4-BE49-F238E27FC236}">
-                <a16:creationId xmlns:a16="http://schemas.microsoft.com/office/drawing/2014/main" id="{7C9F21BC-13A9-471F-825A-2621FD36355F}"/>
+                <a16:creationId xmlns:a16="http://schemas.microsoft.com/office/drawing/2014/main" id="{19AA9CFB-2012-4C2D-9ECD-D97D088C66D5}"/>
               </a:ext>
             </a:extLst>
           </p:cNvPr>
-          <p:cNvCxnSpPr>
-            <a:cxnSpLocks/>
-          </p:cNvCxnSpPr>
-          <p:nvPr/>
-        </p:nvCxnSpPr>
-        <p:spPr>
-          <a:xfrm>
-            <a:off x="6453028" y="5060130"/>
-            <a:ext cx="4655340" cy="0"/>
-          </a:xfrm>
-          <a:prstGeom prst="straightConnector1">
-            <a:avLst/>
-          </a:prstGeom>
-          <a:ln w="19050">
-            <a:solidFill>
-              <a:schemeClr val="tx2">
-                <a:lumMod val="60000"/>
-                <a:lumOff val="40000"/>
-              </a:schemeClr>
-            </a:solidFill>
-            <a:prstDash val="sysDash"/>
-            <a:headEnd type="arrow" w="med" len="med"/>
-            <a:tailEnd type="none" w="med" len="med"/>
-          </a:ln>
-        </p:spPr>
-        <p:style>
-          <a:lnRef idx="1">
-            <a:schemeClr val="accent1"/>
-          </a:lnRef>
-          <a:fillRef idx="0">
-            <a:schemeClr val="accent1"/>
-          </a:fillRef>
-          <a:effectRef idx="0">
-            <a:schemeClr val="accent1"/>
-          </a:effectRef>
-          <a:fontRef idx="minor">
-            <a:schemeClr val="tx1"/>
-          </a:fontRef>
-        </p:style>
-      </p:cxnSp>
-      <p:sp>
-        <p:nvSpPr>
-          <p:cNvPr id="65" name="Rectangle 64"/>
           <p:cNvSpPr/>
           <p:nvPr/>
         </p:nvSpPr>
         <p:spPr>
           <a:xfrm>
-            <a:off x="6279960" y="3083724"/>
-            <a:ext cx="160055" cy="2787488"/>
+            <a:off x="11896854" y="2407097"/>
+            <a:ext cx="1974798" cy="351227"/>
           </a:xfrm>
           <a:prstGeom prst="rect">
             <a:avLst/>
           </a:prstGeom>
           <a:solidFill>
-            <a:srgbClr val="0070C0"/>
+            <a:srgbClr val="92D050"/>
+          </a:solidFill>
+          <a:ln w="19050">
+            <a:solidFill>
+              <a:srgbClr val="92D050"/>
+            </a:solidFill>
+          </a:ln>
+          <a:effectLst/>
+        </p:spPr>
+        <p:style>
+          <a:lnRef idx="1">
+            <a:schemeClr val="accent2"/>
+          </a:lnRef>
+          <a:fillRef idx="2">
+            <a:schemeClr val="accent2"/>
+          </a:fillRef>
+          <a:effectRef idx="1">
+            <a:schemeClr val="accent2"/>
+          </a:effectRef>
+          <a:fontRef idx="minor">
+            <a:schemeClr val="dk1"/>
+          </a:fontRef>
+        </p:style>
+        <p:txBody>
+          <a:bodyPr rtlCol="0" anchor="ctr"/>
+          <a:lstStyle/>
+          <a:p>
+            <a:pPr algn="ctr"/>
+            <a:r>
+              <a:rPr lang="en-US" sz="1600" dirty="0">
+                <a:solidFill>
+                  <a:schemeClr val="tx1"/>
+                </a:solidFill>
+              </a:rPr>
+              <a:t>:</a:t>
+            </a:r>
+            <a:r>
+              <a:rPr lang="en-US" sz="1600" dirty="0" err="1">
+                <a:solidFill>
+                  <a:schemeClr val="tx1"/>
+                </a:solidFill>
+              </a:rPr>
+              <a:t>StatisticsStorage</a:t>
+            </a:r>
+            <a:endParaRPr lang="en-SG" sz="1600" dirty="0">
+              <a:solidFill>
+                <a:schemeClr val="tx1"/>
+              </a:solidFill>
+            </a:endParaRPr>
+          </a:p>
+        </p:txBody>
+      </p:sp>
+      <p:sp>
+        <p:nvSpPr>
+          <p:cNvPr id="76" name="Rectangle 75">
+            <a:extLst>
+              <a:ext uri="{FF2B5EF4-FFF2-40B4-BE49-F238E27FC236}">
+                <a16:creationId xmlns:a16="http://schemas.microsoft.com/office/drawing/2014/main" id="{0EA9C787-615A-40B7-AA16-ED1777D8A108}"/>
+              </a:ext>
+            </a:extLst>
+          </p:cNvPr>
+          <p:cNvSpPr/>
+          <p:nvPr/>
+        </p:nvSpPr>
+        <p:spPr>
+          <a:xfrm>
+            <a:off x="12654568" y="4179184"/>
+            <a:ext cx="212945" cy="491651"/>
+          </a:xfrm>
+          <a:prstGeom prst="rect">
+            <a:avLst/>
+          </a:prstGeom>
+          <a:solidFill>
+            <a:srgbClr val="92D050"/>
           </a:solidFill>
           <a:ln>
             <a:solidFill>
-              <a:srgbClr val="0070C0"/>
+              <a:srgbClr val="92D050"/>
             </a:solidFill>
           </a:ln>
           <a:effectLst/>
@@ -7505,101 +6284,12 @@
           </a:p>
         </p:txBody>
       </p:sp>
-      <p:sp>
-        <p:nvSpPr>
-          <p:cNvPr id="94" name="TextBox 93">
+      <p:cxnSp>
+        <p:nvCxnSpPr>
+          <p:cNvPr id="78" name="Straight Arrow Connector 77">
             <a:extLst>
               <a:ext uri="{FF2B5EF4-FFF2-40B4-BE49-F238E27FC236}">
-                <a16:creationId xmlns:a16="http://schemas.microsoft.com/office/drawing/2014/main" id="{BBF0726A-3E70-488A-9417-D9F80DCD7B1A}"/>
-              </a:ext>
-            </a:extLst>
-          </p:cNvPr>
-          <p:cNvSpPr txBox="1"/>
-          <p:nvPr/>
-        </p:nvSpPr>
-        <p:spPr>
-          <a:xfrm>
-            <a:off x="6259079" y="5919226"/>
-            <a:ext cx="258402" cy="261482"/>
-          </a:xfrm>
-          <a:prstGeom prst="rect">
-            <a:avLst/>
-          </a:prstGeom>
-          <a:noFill/>
-        </p:spPr>
-        <p:txBody>
-          <a:bodyPr wrap="square" rtlCol="0">
-            <a:spAutoFit/>
-          </a:bodyPr>
-          <a:lstStyle/>
-          <a:p>
-            <a:r>
-              <a:rPr lang="en-SG" sz="1099" dirty="0">
-                <a:solidFill>
-                  <a:srgbClr val="002060"/>
-                </a:solidFill>
-              </a:rPr>
-              <a:t>X</a:t>
-            </a:r>
-          </a:p>
-        </p:txBody>
-      </p:sp>
-      <p:sp>
-        <p:nvSpPr>
-          <p:cNvPr id="112" name="TextBox 111">
-            <a:extLst>
-              <a:ext uri="{FF2B5EF4-FFF2-40B4-BE49-F238E27FC236}">
-                <a16:creationId xmlns:a16="http://schemas.microsoft.com/office/drawing/2014/main" id="{DDE66C97-94DE-4F8A-8BB3-F9C3A351E7D5}"/>
-              </a:ext>
-            </a:extLst>
-          </p:cNvPr>
-          <p:cNvSpPr txBox="1"/>
-          <p:nvPr/>
-        </p:nvSpPr>
-        <p:spPr>
-          <a:xfrm>
-            <a:off x="6893169" y="3017243"/>
-            <a:ext cx="1541418" cy="215444"/>
-          </a:xfrm>
-          <a:prstGeom prst="rect">
-            <a:avLst/>
-          </a:prstGeom>
-          <a:noFill/>
-        </p:spPr>
-        <p:txBody>
-          <a:bodyPr wrap="square" lIns="0" tIns="0" rIns="0" bIns="0" rtlCol="0">
-            <a:spAutoFit/>
-          </a:bodyPr>
-          <a:lstStyle>
-            <a:defPPr>
-              <a:defRPr lang="en-US"/>
-            </a:defPPr>
-            <a:lvl1pPr algn="r">
-              <a:defRPr sz="1400">
-                <a:solidFill>
-                  <a:srgbClr val="0070C0"/>
-                </a:solidFill>
-              </a:defRPr>
-            </a:lvl1pPr>
-          </a:lstStyle>
-          <a:p>
-            <a:r>
-              <a:rPr lang="en-US" dirty="0" err="1"/>
-              <a:t>getPlayerStats</a:t>
-            </a:r>
-            <a:r>
-              <a:rPr lang="en-US" dirty="0"/>
-              <a:t>()</a:t>
-            </a:r>
-          </a:p>
-        </p:txBody>
-      </p:sp>
-      <p:cxnSp>
-        <p:nvCxnSpPr>
-          <p:cNvPr id="201" name="Straight Arrow Connector 200">
-            <a:extLst>
-              <a:ext uri="{FF2B5EF4-FFF2-40B4-BE49-F238E27FC236}">
-                <a16:creationId xmlns:a16="http://schemas.microsoft.com/office/drawing/2014/main" id="{AE14F7A1-D82E-4019-B4DA-BA8F13C7DB36}"/>
+                <a16:creationId xmlns:a16="http://schemas.microsoft.com/office/drawing/2014/main" id="{B4C2518A-FD82-41D4-B671-D1EA18A1D73D}"/>
               </a:ext>
             </a:extLst>
           </p:cNvPr>
@@ -7610,8 +6300,8 @@
         </p:nvCxnSpPr>
         <p:spPr>
           <a:xfrm>
-            <a:off x="6453028" y="4569509"/>
-            <a:ext cx="2579053" cy="0"/>
+            <a:off x="11217013" y="4661166"/>
+            <a:ext cx="1492713" cy="19633"/>
           </a:xfrm>
           <a:prstGeom prst="straightConnector1">
             <a:avLst/>
@@ -7642,10 +6332,10 @@
       </p:cxnSp>
       <p:cxnSp>
         <p:nvCxnSpPr>
-          <p:cNvPr id="203" name="Straight Arrow Connector 202">
+          <p:cNvPr id="85" name="Straight Connector 84">
             <a:extLst>
               <a:ext uri="{FF2B5EF4-FFF2-40B4-BE49-F238E27FC236}">
-                <a16:creationId xmlns:a16="http://schemas.microsoft.com/office/drawing/2014/main" id="{6CCD3E18-8278-426A-A24E-E2CCA6422BBC}"/>
+                <a16:creationId xmlns:a16="http://schemas.microsoft.com/office/drawing/2014/main" id="{76633B8C-7C59-4AAC-8DDE-B0CF83EA0144}"/>
               </a:ext>
             </a:extLst>
           </p:cNvPr>
@@ -7655,9 +6345,54 @@
           <p:nvPr/>
         </p:nvCxnSpPr>
         <p:spPr>
-          <a:xfrm flipV="1">
-            <a:off x="6441281" y="3713067"/>
-            <a:ext cx="2626432" cy="6347"/>
+          <a:xfrm>
+            <a:off x="12761040" y="2427371"/>
+            <a:ext cx="0" cy="5781486"/>
+          </a:xfrm>
+          <a:prstGeom prst="line">
+            <a:avLst/>
+          </a:prstGeom>
+          <a:ln w="19050">
+            <a:solidFill>
+              <a:srgbClr val="00B050"/>
+            </a:solidFill>
+            <a:prstDash val="sysDash"/>
+          </a:ln>
+          <a:effectLst/>
+        </p:spPr>
+        <p:style>
+          <a:lnRef idx="1">
+            <a:schemeClr val="accent1"/>
+          </a:lnRef>
+          <a:fillRef idx="2">
+            <a:schemeClr val="accent1"/>
+          </a:fillRef>
+          <a:effectRef idx="1">
+            <a:schemeClr val="accent1"/>
+          </a:effectRef>
+          <a:fontRef idx="minor">
+            <a:schemeClr val="dk1"/>
+          </a:fontRef>
+        </p:style>
+      </p:cxnSp>
+      <p:cxnSp>
+        <p:nvCxnSpPr>
+          <p:cNvPr id="86" name="Straight Arrow Connector 85">
+            <a:extLst>
+              <a:ext uri="{FF2B5EF4-FFF2-40B4-BE49-F238E27FC236}">
+                <a16:creationId xmlns:a16="http://schemas.microsoft.com/office/drawing/2014/main" id="{0B4A59CE-33A3-4AB1-8DD7-20DD76A58808}"/>
+              </a:ext>
+            </a:extLst>
+          </p:cNvPr>
+          <p:cNvCxnSpPr>
+            <a:cxnSpLocks/>
+          </p:cNvCxnSpPr>
+          <p:nvPr/>
+        </p:nvCxnSpPr>
+        <p:spPr>
+          <a:xfrm>
+            <a:off x="9490298" y="4842446"/>
+            <a:ext cx="1492713" cy="19633"/>
           </a:xfrm>
           <a:prstGeom prst="straightConnector1">
             <a:avLst/>
@@ -7686,585 +6421,10 @@
           </a:fontRef>
         </p:style>
       </p:cxnSp>
-      <p:grpSp>
-        <p:nvGrpSpPr>
-          <p:cNvPr id="223" name="Group 222">
-            <a:extLst>
-              <a:ext uri="{FF2B5EF4-FFF2-40B4-BE49-F238E27FC236}">
-                <a16:creationId xmlns:a16="http://schemas.microsoft.com/office/drawing/2014/main" id="{C73986C8-5449-4072-9F0F-17A38AD97EF5}"/>
-              </a:ext>
-            </a:extLst>
-          </p:cNvPr>
-          <p:cNvGrpSpPr/>
-          <p:nvPr/>
-        </p:nvGrpSpPr>
-        <p:grpSpPr>
-          <a:xfrm>
-            <a:off x="6353523" y="5172875"/>
-            <a:ext cx="2017686" cy="839387"/>
-            <a:chOff x="13874307" y="4659447"/>
-            <a:chExt cx="2017686" cy="839387"/>
-          </a:xfrm>
-        </p:grpSpPr>
-        <p:sp>
-          <p:nvSpPr>
-            <p:cNvPr id="213" name="Rectangle 62">
-              <a:extLst>
-                <a:ext uri="{FF2B5EF4-FFF2-40B4-BE49-F238E27FC236}">
-                  <a16:creationId xmlns:a16="http://schemas.microsoft.com/office/drawing/2014/main" id="{199F746E-405B-485A-994E-C0C45F8824D7}"/>
-                </a:ext>
-              </a:extLst>
-            </p:cNvPr>
-            <p:cNvSpPr/>
-            <p:nvPr/>
-          </p:nvSpPr>
-          <p:spPr>
-            <a:xfrm>
-              <a:off x="14256889" y="4659447"/>
-              <a:ext cx="1635104" cy="308233"/>
-            </a:xfrm>
-            <a:prstGeom prst="rect">
-              <a:avLst/>
-            </a:prstGeom>
-            <a:solidFill>
-              <a:srgbClr val="0070C0"/>
-            </a:solidFill>
-            <a:ln w="19050">
-              <a:solidFill>
-                <a:srgbClr val="0070C0"/>
-              </a:solidFill>
-            </a:ln>
-            <a:effectLst/>
-          </p:spPr>
-          <p:style>
-            <a:lnRef idx="1">
-              <a:schemeClr val="accent2"/>
-            </a:lnRef>
-            <a:fillRef idx="2">
-              <a:schemeClr val="accent2"/>
-            </a:fillRef>
-            <a:effectRef idx="1">
-              <a:schemeClr val="accent2"/>
-            </a:effectRef>
-            <a:fontRef idx="minor">
-              <a:schemeClr val="dk1"/>
-            </a:fontRef>
-          </p:style>
-          <p:txBody>
-            <a:bodyPr rtlCol="0" anchor="ctr"/>
-            <a:lstStyle/>
-            <a:p>
-              <a:pPr algn="ctr"/>
-              <a:r>
-                <a:rPr lang="en-US" sz="1600" dirty="0">
-                  <a:solidFill>
-                    <a:schemeClr val="bg1"/>
-                  </a:solidFill>
-                </a:rPr>
-                <a:t>:</a:t>
-              </a:r>
-              <a:r>
-                <a:rPr lang="en-US" sz="1600" dirty="0" err="1">
-                  <a:solidFill>
-                    <a:schemeClr val="bg1"/>
-                  </a:solidFill>
-                </a:rPr>
-                <a:t>CommandResult</a:t>
-              </a:r>
-              <a:endParaRPr lang="en-SG" sz="1600" dirty="0">
-                <a:solidFill>
-                  <a:schemeClr val="bg1"/>
-                </a:solidFill>
-              </a:endParaRPr>
-            </a:p>
-          </p:txBody>
-        </p:sp>
-        <p:sp>
-          <p:nvSpPr>
-            <p:cNvPr id="214" name="Rectangle 213">
-              <a:extLst>
-                <a:ext uri="{FF2B5EF4-FFF2-40B4-BE49-F238E27FC236}">
-                  <a16:creationId xmlns:a16="http://schemas.microsoft.com/office/drawing/2014/main" id="{22493782-DEC3-436C-AC2C-EE03A965A6F0}"/>
-                </a:ext>
-              </a:extLst>
-            </p:cNvPr>
-            <p:cNvSpPr/>
-            <p:nvPr/>
-          </p:nvSpPr>
-          <p:spPr>
-            <a:xfrm>
-              <a:off x="14998240" y="4967681"/>
-              <a:ext cx="212001" cy="233401"/>
-            </a:xfrm>
-            <a:prstGeom prst="rect">
-              <a:avLst/>
-            </a:prstGeom>
-            <a:solidFill>
-              <a:srgbClr val="0070C0"/>
-            </a:solidFill>
-            <a:ln>
-              <a:solidFill>
-                <a:srgbClr val="0070C0"/>
-              </a:solidFill>
-            </a:ln>
-            <a:effectLst/>
-          </p:spPr>
-          <p:style>
-            <a:lnRef idx="1">
-              <a:schemeClr val="accent3"/>
-            </a:lnRef>
-            <a:fillRef idx="2">
-              <a:schemeClr val="accent3"/>
-            </a:fillRef>
-            <a:effectRef idx="1">
-              <a:schemeClr val="accent3"/>
-            </a:effectRef>
-            <a:fontRef idx="minor">
-              <a:schemeClr val="dk1"/>
-            </a:fontRef>
-          </p:style>
-          <p:txBody>
-            <a:bodyPr rtlCol="0" anchor="ctr"/>
-            <a:lstStyle/>
-            <a:p>
-              <a:pPr algn="ctr"/>
-              <a:endParaRPr lang="en-SG" sz="1400" dirty="0"/>
-            </a:p>
-          </p:txBody>
-        </p:sp>
-        <p:cxnSp>
-          <p:nvCxnSpPr>
-            <p:cNvPr id="215" name="Straight Connector 214">
-              <a:extLst>
-                <a:ext uri="{FF2B5EF4-FFF2-40B4-BE49-F238E27FC236}">
-                  <a16:creationId xmlns:a16="http://schemas.microsoft.com/office/drawing/2014/main" id="{0963EC8C-EF55-4B35-820F-72F93A5056C6}"/>
-                </a:ext>
-              </a:extLst>
-            </p:cNvPr>
-            <p:cNvCxnSpPr>
-              <a:cxnSpLocks/>
-            </p:cNvCxnSpPr>
-            <p:nvPr/>
-          </p:nvCxnSpPr>
-          <p:spPr>
-            <a:xfrm flipV="1">
-              <a:off x="13874307" y="5097862"/>
-              <a:ext cx="0" cy="400972"/>
-            </a:xfrm>
-            <a:prstGeom prst="line">
-              <a:avLst/>
-            </a:prstGeom>
-            <a:ln w="19050">
-              <a:solidFill>
-                <a:srgbClr val="0070C0"/>
-              </a:solidFill>
-              <a:prstDash val="sysDash"/>
-            </a:ln>
-            <a:effectLst/>
-          </p:spPr>
-          <p:style>
-            <a:lnRef idx="1">
-              <a:schemeClr val="accent1"/>
-            </a:lnRef>
-            <a:fillRef idx="2">
-              <a:schemeClr val="accent1"/>
-            </a:fillRef>
-            <a:effectRef idx="1">
-              <a:schemeClr val="accent1"/>
-            </a:effectRef>
-            <a:fontRef idx="minor">
-              <a:schemeClr val="dk1"/>
-            </a:fontRef>
-          </p:style>
-        </p:cxnSp>
-      </p:grpSp>
-      <p:cxnSp>
-        <p:nvCxnSpPr>
-          <p:cNvPr id="229" name="Straight Arrow Connector 228">
-            <a:extLst>
-              <a:ext uri="{FF2B5EF4-FFF2-40B4-BE49-F238E27FC236}">
-                <a16:creationId xmlns:a16="http://schemas.microsoft.com/office/drawing/2014/main" id="{674D795D-BE64-4C23-AB6B-8581B1948790}"/>
-              </a:ext>
-            </a:extLst>
-          </p:cNvPr>
-          <p:cNvCxnSpPr>
-            <a:cxnSpLocks/>
-          </p:cNvCxnSpPr>
-          <p:nvPr/>
-        </p:nvCxnSpPr>
-        <p:spPr>
-          <a:xfrm>
-            <a:off x="6427816" y="5423699"/>
-            <a:ext cx="318265" cy="0"/>
-          </a:xfrm>
-          <a:prstGeom prst="straightConnector1">
-            <a:avLst/>
-          </a:prstGeom>
-          <a:ln w="19050">
-            <a:solidFill>
-              <a:srgbClr val="0070C0"/>
-            </a:solidFill>
-            <a:tailEnd type="arrow"/>
-          </a:ln>
-        </p:spPr>
-        <p:style>
-          <a:lnRef idx="1">
-            <a:schemeClr val="accent1"/>
-          </a:lnRef>
-          <a:fillRef idx="0">
-            <a:schemeClr val="accent1"/>
-          </a:fillRef>
-          <a:effectRef idx="0">
-            <a:schemeClr val="accent1"/>
-          </a:effectRef>
-          <a:fontRef idx="minor">
-            <a:schemeClr val="tx1"/>
-          </a:fontRef>
-        </p:style>
-      </p:cxnSp>
-      <p:cxnSp>
-        <p:nvCxnSpPr>
-          <p:cNvPr id="232" name="Straight Arrow Connector 231">
-            <a:extLst>
-              <a:ext uri="{FF2B5EF4-FFF2-40B4-BE49-F238E27FC236}">
-                <a16:creationId xmlns:a16="http://schemas.microsoft.com/office/drawing/2014/main" id="{1A83AB1C-BE26-4F1A-8576-7ACE7FC365C2}"/>
-              </a:ext>
-            </a:extLst>
-          </p:cNvPr>
-          <p:cNvCxnSpPr>
-            <a:cxnSpLocks/>
-            <a:endCxn id="65" idx="2"/>
-          </p:cNvCxnSpPr>
-          <p:nvPr/>
-        </p:nvCxnSpPr>
-        <p:spPr>
-          <a:xfrm flipV="1">
-            <a:off x="1710911" y="5871212"/>
-            <a:ext cx="4649077" cy="6"/>
-          </a:xfrm>
-          <a:prstGeom prst="straightConnector1">
-            <a:avLst/>
-          </a:prstGeom>
-          <a:ln w="19050">
-            <a:solidFill>
-              <a:srgbClr val="0070C0"/>
-            </a:solidFill>
-            <a:prstDash val="sysDash"/>
-            <a:headEnd type="arrow" w="med" len="med"/>
-            <a:tailEnd type="none" w="med" len="med"/>
-          </a:ln>
-        </p:spPr>
-        <p:style>
-          <a:lnRef idx="1">
-            <a:schemeClr val="accent1"/>
-          </a:lnRef>
-          <a:fillRef idx="0">
-            <a:schemeClr val="accent1"/>
-          </a:fillRef>
-          <a:effectRef idx="0">
-            <a:schemeClr val="accent1"/>
-          </a:effectRef>
-          <a:fontRef idx="minor">
-            <a:schemeClr val="tx1"/>
-          </a:fontRef>
-        </p:style>
-      </p:cxnSp>
-      <p:cxnSp>
-        <p:nvCxnSpPr>
-          <p:cNvPr id="250" name="Straight Arrow Connector 249">
-            <a:extLst>
-              <a:ext uri="{FF2B5EF4-FFF2-40B4-BE49-F238E27FC236}">
-                <a16:creationId xmlns:a16="http://schemas.microsoft.com/office/drawing/2014/main" id="{4905E054-6CE5-4BC2-AEFD-9C5C8BAA5AFA}"/>
-              </a:ext>
-            </a:extLst>
-          </p:cNvPr>
-          <p:cNvCxnSpPr>
-            <a:cxnSpLocks/>
-          </p:cNvCxnSpPr>
-          <p:nvPr/>
-        </p:nvCxnSpPr>
-        <p:spPr>
-          <a:xfrm>
-            <a:off x="6392101" y="4044734"/>
-            <a:ext cx="2579053" cy="0"/>
-          </a:xfrm>
-          <a:prstGeom prst="straightConnector1">
-            <a:avLst/>
-          </a:prstGeom>
-          <a:ln w="19050">
-            <a:solidFill>
-              <a:srgbClr val="0070C0"/>
-            </a:solidFill>
-            <a:tailEnd type="arrow"/>
-          </a:ln>
-        </p:spPr>
-        <p:style>
-          <a:lnRef idx="1">
-            <a:schemeClr val="accent1"/>
-          </a:lnRef>
-          <a:fillRef idx="0">
-            <a:schemeClr val="accent1"/>
-          </a:fillRef>
-          <a:effectRef idx="0">
-            <a:schemeClr val="accent1"/>
-          </a:effectRef>
-          <a:fontRef idx="minor">
-            <a:schemeClr val="tx1"/>
-          </a:fontRef>
-        </p:style>
-      </p:cxnSp>
-      <p:sp>
-        <p:nvSpPr>
-          <p:cNvPr id="75" name="TextBox 74">
-            <a:extLst>
-              <a:ext uri="{FF2B5EF4-FFF2-40B4-BE49-F238E27FC236}">
-                <a16:creationId xmlns:a16="http://schemas.microsoft.com/office/drawing/2014/main" id="{7565A584-4559-4D2A-91FD-3C1FC0E178C6}"/>
-              </a:ext>
-            </a:extLst>
-          </p:cNvPr>
-          <p:cNvSpPr txBox="1"/>
-          <p:nvPr/>
-        </p:nvSpPr>
-        <p:spPr>
-          <a:xfrm>
-            <a:off x="6864915" y="3798328"/>
-            <a:ext cx="1541418" cy="215444"/>
-          </a:xfrm>
-          <a:prstGeom prst="rect">
-            <a:avLst/>
-          </a:prstGeom>
-          <a:noFill/>
-        </p:spPr>
-        <p:txBody>
-          <a:bodyPr wrap="square" lIns="0" tIns="0" rIns="0" bIns="0" rtlCol="0">
-            <a:spAutoFit/>
-          </a:bodyPr>
-          <a:lstStyle>
-            <a:defPPr>
-              <a:defRPr lang="en-US"/>
-            </a:defPPr>
-            <a:lvl1pPr algn="r">
-              <a:defRPr sz="1400">
-                <a:solidFill>
-                  <a:srgbClr val="0070C0"/>
-                </a:solidFill>
-              </a:defRPr>
-            </a:lvl1pPr>
-          </a:lstStyle>
-          <a:p>
-            <a:r>
-              <a:rPr lang="en-US" dirty="0" err="1"/>
-              <a:t>generateData</a:t>
-            </a:r>
-            <a:r>
-              <a:rPr lang="en-US" dirty="0"/>
-              <a:t>()</a:t>
-            </a:r>
-          </a:p>
-        </p:txBody>
-      </p:sp>
-      <p:sp>
-        <p:nvSpPr>
-          <p:cNvPr id="77" name="Rectangle 76">
-            <a:extLst>
-              <a:ext uri="{FF2B5EF4-FFF2-40B4-BE49-F238E27FC236}">
-                <a16:creationId xmlns:a16="http://schemas.microsoft.com/office/drawing/2014/main" id="{637AFFB1-5822-4FD4-9181-238F426358D8}"/>
-              </a:ext>
-            </a:extLst>
-          </p:cNvPr>
-          <p:cNvSpPr/>
-          <p:nvPr/>
-        </p:nvSpPr>
-        <p:spPr>
-          <a:xfrm>
-            <a:off x="8982944" y="4009635"/>
-            <a:ext cx="164533" cy="701579"/>
-          </a:xfrm>
-          <a:prstGeom prst="rect">
-            <a:avLst/>
-          </a:prstGeom>
-          <a:solidFill>
-            <a:srgbClr val="7030A0"/>
-          </a:solidFill>
-          <a:ln>
-            <a:solidFill>
-              <a:srgbClr val="7030A0"/>
-            </a:solidFill>
-          </a:ln>
-          <a:effectLst/>
-        </p:spPr>
-        <p:style>
-          <a:lnRef idx="1">
-            <a:schemeClr val="accent3"/>
-          </a:lnRef>
-          <a:fillRef idx="2">
-            <a:schemeClr val="accent3"/>
-          </a:fillRef>
-          <a:effectRef idx="1">
-            <a:schemeClr val="accent3"/>
-          </a:effectRef>
-          <a:fontRef idx="minor">
-            <a:schemeClr val="dk1"/>
-          </a:fontRef>
-        </p:style>
-        <p:txBody>
-          <a:bodyPr rtlCol="0" anchor="ctr"/>
-          <a:lstStyle/>
-          <a:p>
-            <a:pPr algn="ctr"/>
-            <a:endParaRPr lang="en-SG" sz="1400"/>
-          </a:p>
-        </p:txBody>
-      </p:sp>
-      <p:cxnSp>
-        <p:nvCxnSpPr>
-          <p:cNvPr id="79" name="Straight Arrow Connector 78">
-            <a:extLst>
-              <a:ext uri="{FF2B5EF4-FFF2-40B4-BE49-F238E27FC236}">
-                <a16:creationId xmlns:a16="http://schemas.microsoft.com/office/drawing/2014/main" id="{69068371-6B97-4FC1-A34C-931CC3900EC0}"/>
-              </a:ext>
-            </a:extLst>
-          </p:cNvPr>
-          <p:cNvCxnSpPr>
-            <a:cxnSpLocks/>
-          </p:cNvCxnSpPr>
-          <p:nvPr/>
-        </p:nvCxnSpPr>
-        <p:spPr>
-          <a:xfrm>
-            <a:off x="6400876" y="4800600"/>
-            <a:ext cx="4067421" cy="0"/>
-          </a:xfrm>
-          <a:prstGeom prst="straightConnector1">
-            <a:avLst/>
-          </a:prstGeom>
-          <a:ln w="19050">
-            <a:solidFill>
-              <a:srgbClr val="0070C0"/>
-            </a:solidFill>
-            <a:tailEnd type="arrow"/>
-          </a:ln>
-        </p:spPr>
-        <p:style>
-          <a:lnRef idx="1">
-            <a:schemeClr val="accent1"/>
-          </a:lnRef>
-          <a:fillRef idx="0">
-            <a:schemeClr val="accent1"/>
-          </a:fillRef>
-          <a:effectRef idx="0">
-            <a:schemeClr val="accent1"/>
-          </a:effectRef>
-          <a:fontRef idx="minor">
-            <a:schemeClr val="tx1"/>
-          </a:fontRef>
-        </p:style>
-      </p:cxnSp>
-      <p:sp>
-        <p:nvSpPr>
-          <p:cNvPr id="83" name="Rectangle 82">
-            <a:extLst>
-              <a:ext uri="{FF2B5EF4-FFF2-40B4-BE49-F238E27FC236}">
-                <a16:creationId xmlns:a16="http://schemas.microsoft.com/office/drawing/2014/main" id="{260AA690-545C-4CF2-B7FE-564CD9109B93}"/>
-              </a:ext>
-            </a:extLst>
-          </p:cNvPr>
-          <p:cNvSpPr/>
-          <p:nvPr/>
-        </p:nvSpPr>
-        <p:spPr>
-          <a:xfrm>
-            <a:off x="11108367" y="4905273"/>
-            <a:ext cx="180229" cy="335428"/>
-          </a:xfrm>
-          <a:prstGeom prst="rect">
-            <a:avLst/>
-          </a:prstGeom>
-          <a:solidFill>
-            <a:srgbClr val="92D050"/>
-          </a:solidFill>
-          <a:ln>
-            <a:solidFill>
-              <a:srgbClr val="92D050"/>
-            </a:solidFill>
-          </a:ln>
-          <a:effectLst/>
-        </p:spPr>
-        <p:style>
-          <a:lnRef idx="1">
-            <a:schemeClr val="accent3"/>
-          </a:lnRef>
-          <a:fillRef idx="2">
-            <a:schemeClr val="accent3"/>
-          </a:fillRef>
-          <a:effectRef idx="1">
-            <a:schemeClr val="accent3"/>
-          </a:effectRef>
-          <a:fontRef idx="minor">
-            <a:schemeClr val="dk1"/>
-          </a:fontRef>
-        </p:style>
-        <p:txBody>
-          <a:bodyPr rtlCol="0" anchor="ctr"/>
-          <a:lstStyle/>
-          <a:p>
-            <a:pPr algn="ctr"/>
-            <a:endParaRPr lang="en-SG" sz="1400"/>
-          </a:p>
-        </p:txBody>
-      </p:sp>
-      <p:cxnSp>
-        <p:nvCxnSpPr>
-          <p:cNvPr id="88" name="Curved Connector 12">
-            <a:extLst>
-              <a:ext uri="{FF2B5EF4-FFF2-40B4-BE49-F238E27FC236}">
-                <a16:creationId xmlns:a16="http://schemas.microsoft.com/office/drawing/2014/main" id="{6FC323B1-2B82-4579-9AE9-62047F74BEE6}"/>
-              </a:ext>
-            </a:extLst>
-          </p:cNvPr>
-          <p:cNvCxnSpPr>
-            <a:cxnSpLocks/>
-          </p:cNvCxnSpPr>
-          <p:nvPr/>
-        </p:nvCxnSpPr>
-        <p:spPr>
-          <a:xfrm>
-            <a:off x="11257893" y="4937167"/>
-            <a:ext cx="72937" cy="109922"/>
-          </a:xfrm>
-          <a:prstGeom prst="curvedConnector3">
-            <a:avLst>
-              <a:gd name="adj1" fmla="val 395134"/>
-            </a:avLst>
-          </a:prstGeom>
-          <a:ln>
-            <a:solidFill>
-              <a:schemeClr val="accent3">
-                <a:lumMod val="50000"/>
-              </a:schemeClr>
-            </a:solidFill>
-            <a:tailEnd type="triangle"/>
-          </a:ln>
-        </p:spPr>
-        <p:style>
-          <a:lnRef idx="1">
-            <a:schemeClr val="accent1"/>
-          </a:lnRef>
-          <a:fillRef idx="0">
-            <a:schemeClr val="accent1"/>
-          </a:fillRef>
-          <a:effectRef idx="0">
-            <a:schemeClr val="accent1"/>
-          </a:effectRef>
-          <a:fontRef idx="minor">
-            <a:schemeClr val="tx1"/>
-          </a:fontRef>
-        </p:style>
-      </p:cxnSp>
     </p:spTree>
     <p:extLst>
       <p:ext uri="{BB962C8B-B14F-4D97-AF65-F5344CB8AC3E}">
-        <p14:creationId xmlns:p14="http://schemas.microsoft.com/office/powerpoint/2010/main" val="209104839"/>
+        <p14:creationId xmlns:p14="http://schemas.microsoft.com/office/powerpoint/2010/main" val="3945898909"/>
       </p:ext>
     </p:extLst>
   </p:cSld>

--- a/docs/diagrams/SaveSequenceDiagram.pptx
+++ b/docs/diagrams/SaveSequenceDiagram.pptx
@@ -526,10 +526,9 @@
           </a:p>
           <a:p>
             <a:r>
-              <a:rPr lang="en-SG"/>
+              <a:rPr lang="en-SG" dirty="0"/>
               <a:t>Remove those on  left</a:t>
             </a:r>
-            <a:endParaRPr lang="en-SG" dirty="0"/>
           </a:p>
         </p:txBody>
       </p:sp>
@@ -3550,8 +3549,8 @@
         </p:nvSpPr>
         <p:spPr>
           <a:xfrm>
-            <a:off x="10268777" y="170813"/>
-            <a:ext cx="4231698" cy="6582967"/>
+            <a:off x="10317621" y="170813"/>
+            <a:ext cx="4182854" cy="6582967"/>
           </a:xfrm>
           <a:prstGeom prst="roundRect">
             <a:avLst>
@@ -3696,7 +3695,7 @@
         </p:nvSpPr>
         <p:spPr>
           <a:xfrm>
-            <a:off x="4222650" y="145258"/>
+            <a:off x="4253752" y="145258"/>
             <a:ext cx="4258586" cy="6649559"/>
           </a:xfrm>
           <a:prstGeom prst="roundRect">
@@ -3749,77 +3748,18 @@
           </a:p>
         </p:txBody>
       </p:sp>
-      <p:sp>
-        <p:nvSpPr>
-          <p:cNvPr id="2" name="Rectangle 62"/>
-          <p:cNvSpPr/>
-          <p:nvPr/>
-        </p:nvSpPr>
-        <p:spPr>
-          <a:xfrm>
-            <a:off x="902709" y="679193"/>
-            <a:ext cx="1455628" cy="346760"/>
-          </a:xfrm>
-          <a:prstGeom prst="rect">
-            <a:avLst/>
-          </a:prstGeom>
-          <a:solidFill>
-            <a:srgbClr val="0070C0"/>
-          </a:solidFill>
-          <a:ln w="19050">
-            <a:solidFill>
-              <a:srgbClr val="0070C0"/>
-            </a:solidFill>
-          </a:ln>
-          <a:effectLst/>
-        </p:spPr>
-        <p:style>
-          <a:lnRef idx="1">
-            <a:schemeClr val="accent2"/>
-          </a:lnRef>
-          <a:fillRef idx="2">
-            <a:schemeClr val="accent2"/>
-          </a:fillRef>
-          <a:effectRef idx="1">
-            <a:schemeClr val="accent2"/>
-          </a:effectRef>
-          <a:fontRef idx="minor">
-            <a:schemeClr val="dk1"/>
-          </a:fontRef>
-        </p:style>
-        <p:txBody>
-          <a:bodyPr rtlCol="0" anchor="ctr"/>
-          <a:lstStyle/>
-          <a:p>
-            <a:pPr algn="ctr"/>
-            <a:r>
-              <a:rPr lang="en-US" sz="1600" dirty="0">
-                <a:solidFill>
-                  <a:schemeClr val="bg1"/>
-                </a:solidFill>
-              </a:rPr>
-              <a:t>:LogicManager</a:t>
-            </a:r>
-            <a:endParaRPr lang="en-SG" sz="1600" dirty="0">
-              <a:solidFill>
-                <a:schemeClr val="bg1"/>
-              </a:solidFill>
-            </a:endParaRPr>
-          </a:p>
-        </p:txBody>
-      </p:sp>
       <p:cxnSp>
         <p:nvCxnSpPr>
-          <p:cNvPr id="5" name="Straight Connector 4"/>
+          <p:cNvPr id="20" name="Straight Connector 19"/>
           <p:cNvCxnSpPr>
             <a:cxnSpLocks/>
           </p:cNvCxnSpPr>
           <p:nvPr/>
         </p:nvCxnSpPr>
         <p:spPr>
-          <a:xfrm>
-            <a:off x="1710911" y="1017442"/>
-            <a:ext cx="0" cy="6196131"/>
+          <a:xfrm flipH="1">
+            <a:off x="6356376" y="1674002"/>
+            <a:ext cx="1002" cy="1389502"/>
           </a:xfrm>
           <a:prstGeom prst="line">
             <a:avLst/>
@@ -3849,14 +3789,14 @@
       </p:cxnSp>
       <p:sp>
         <p:nvSpPr>
-          <p:cNvPr id="6" name="Rectangle 5"/>
+          <p:cNvPr id="21" name="Rectangle 20"/>
           <p:cNvSpPr/>
           <p:nvPr/>
         </p:nvSpPr>
         <p:spPr>
           <a:xfrm>
-            <a:off x="1558505" y="1393563"/>
-            <a:ext cx="250405" cy="5255199"/>
+            <a:off x="6290634" y="1668091"/>
+            <a:ext cx="138706" cy="357144"/>
           </a:xfrm>
           <a:prstGeom prst="rect">
             <a:avLst/>
@@ -3894,26 +3834,144 @@
           </a:p>
         </p:txBody>
       </p:sp>
-      <p:sp>
-        <p:nvSpPr>
-          <p:cNvPr id="16" name="Rectangle 62"/>
+      <p:cxnSp>
+        <p:nvCxnSpPr>
+          <p:cNvPr id="28" name="Straight Arrow Connector 27"/>
+          <p:cNvCxnSpPr>
+            <a:cxnSpLocks/>
+          </p:cNvCxnSpPr>
+          <p:nvPr/>
+        </p:nvCxnSpPr>
+        <p:spPr>
+          <a:xfrm flipV="1">
+            <a:off x="4016248" y="1520174"/>
+            <a:ext cx="1525045" cy="959"/>
+          </a:xfrm>
+          <a:prstGeom prst="straightConnector1">
+            <a:avLst/>
+          </a:prstGeom>
+          <a:ln w="19050">
+            <a:solidFill>
+              <a:srgbClr val="0070C0"/>
+            </a:solidFill>
+            <a:tailEnd type="arrow"/>
+          </a:ln>
+        </p:spPr>
+        <p:style>
+          <a:lnRef idx="1">
+            <a:schemeClr val="accent1"/>
+          </a:lnRef>
+          <a:fillRef idx="0">
+            <a:schemeClr val="accent1"/>
+          </a:fillRef>
+          <a:effectRef idx="0">
+            <a:schemeClr val="accent1"/>
+          </a:effectRef>
+          <a:fontRef idx="minor">
+            <a:schemeClr val="tx1"/>
+          </a:fontRef>
+        </p:style>
+      </p:cxnSp>
+      <p:sp>
+        <p:nvSpPr>
+          <p:cNvPr id="29" name="TextBox 28"/>
+          <p:cNvSpPr txBox="1"/>
+          <p:nvPr/>
+        </p:nvSpPr>
+        <p:spPr>
+          <a:xfrm>
+            <a:off x="4518188" y="2697782"/>
+            <a:ext cx="855808" cy="215444"/>
+          </a:xfrm>
+          <a:prstGeom prst="rect">
+            <a:avLst/>
+          </a:prstGeom>
+          <a:noFill/>
+        </p:spPr>
+        <p:txBody>
+          <a:bodyPr wrap="square" lIns="0" tIns="0" rIns="0" bIns="0" rtlCol="0">
+            <a:spAutoFit/>
+          </a:bodyPr>
+          <a:lstStyle>
+            <a:defPPr>
+              <a:defRPr lang="en-US"/>
+            </a:defPPr>
+            <a:lvl1pPr algn="r">
+              <a:defRPr sz="1400">
+                <a:solidFill>
+                  <a:srgbClr val="0070C0"/>
+                </a:solidFill>
+              </a:defRPr>
+            </a:lvl1pPr>
+          </a:lstStyle>
+          <a:p>
+            <a:r>
+              <a:rPr lang="en-US" dirty="0"/>
+              <a:t>execute()</a:t>
+            </a:r>
+          </a:p>
+        </p:txBody>
+      </p:sp>
+      <p:cxnSp>
+        <p:nvCxnSpPr>
+          <p:cNvPr id="34" name="Straight Arrow Connector 33"/>
+          <p:cNvCxnSpPr>
+            <a:cxnSpLocks/>
+          </p:cNvCxnSpPr>
+          <p:nvPr/>
+        </p:nvCxnSpPr>
+        <p:spPr>
+          <a:xfrm>
+            <a:off x="3987215" y="2008707"/>
+            <a:ext cx="2277636" cy="0"/>
+          </a:xfrm>
+          <a:prstGeom prst="straightConnector1">
+            <a:avLst/>
+          </a:prstGeom>
+          <a:ln w="19050">
+            <a:solidFill>
+              <a:srgbClr val="0070C0"/>
+            </a:solidFill>
+            <a:prstDash val="sysDash"/>
+            <a:headEnd type="arrow" w="med" len="med"/>
+            <a:tailEnd type="none" w="med" len="med"/>
+          </a:ln>
+        </p:spPr>
+        <p:style>
+          <a:lnRef idx="1">
+            <a:schemeClr val="accent1"/>
+          </a:lnRef>
+          <a:fillRef idx="0">
+            <a:schemeClr val="accent1"/>
+          </a:fillRef>
+          <a:effectRef idx="0">
+            <a:schemeClr val="accent1"/>
+          </a:effectRef>
+          <a:fontRef idx="minor">
+            <a:schemeClr val="tx1"/>
+          </a:fontRef>
+        </p:style>
+      </p:cxnSp>
+      <p:sp>
+        <p:nvSpPr>
+          <p:cNvPr id="84" name="Rectangle 62"/>
           <p:cNvSpPr/>
           <p:nvPr/>
         </p:nvSpPr>
         <p:spPr>
           <a:xfrm>
-            <a:off x="3456747" y="558268"/>
-            <a:ext cx="1219200" cy="467684"/>
+            <a:off x="10327828" y="1357205"/>
+            <a:ext cx="1974798" cy="351227"/>
           </a:xfrm>
           <a:prstGeom prst="rect">
             <a:avLst/>
           </a:prstGeom>
           <a:solidFill>
-            <a:srgbClr val="0070C0"/>
+            <a:srgbClr val="92D050"/>
           </a:solidFill>
           <a:ln w="19050">
             <a:solidFill>
-              <a:srgbClr val="0070C0"/>
+              <a:srgbClr val="92D050"/>
             </a:solidFill>
           </a:ln>
           <a:effectLst/>
@@ -3940,15 +3998,60 @@
             <a:r>
               <a:rPr lang="en-US" sz="1600" dirty="0">
                 <a:solidFill>
-                  <a:schemeClr val="bg1"/>
+                  <a:schemeClr val="tx1"/>
                 </a:solidFill>
-                <a:highlight>
-                  <a:srgbClr val="FF0000"/>
-                </a:highlight>
               </a:rPr>
-              <a:t>:Address</a:t>
-            </a:r>
-          </a:p>
+              <a:t>:StorageManager</a:t>
+            </a:r>
+            <a:endParaRPr lang="en-SG" sz="1600" dirty="0">
+              <a:solidFill>
+                <a:schemeClr val="tx1"/>
+              </a:solidFill>
+            </a:endParaRPr>
+          </a:p>
+        </p:txBody>
+      </p:sp>
+      <p:sp>
+        <p:nvSpPr>
+          <p:cNvPr id="40" name="Rectangle 62"/>
+          <p:cNvSpPr/>
+          <p:nvPr/>
+        </p:nvSpPr>
+        <p:spPr>
+          <a:xfrm>
+            <a:off x="8642823" y="2505324"/>
+            <a:ext cx="1532257" cy="269018"/>
+          </a:xfrm>
+          <a:prstGeom prst="rect">
+            <a:avLst/>
+          </a:prstGeom>
+          <a:solidFill>
+            <a:srgbClr val="7030A0"/>
+          </a:solidFill>
+          <a:ln w="19050">
+            <a:solidFill>
+              <a:srgbClr val="7030A0"/>
+            </a:solidFill>
+          </a:ln>
+          <a:effectLst/>
+        </p:spPr>
+        <p:style>
+          <a:lnRef idx="1">
+            <a:schemeClr val="accent2"/>
+          </a:lnRef>
+          <a:fillRef idx="2">
+            <a:schemeClr val="accent2"/>
+          </a:fillRef>
+          <a:effectRef idx="1">
+            <a:schemeClr val="accent2"/>
+          </a:effectRef>
+          <a:fontRef idx="minor">
+            <a:schemeClr val="dk1"/>
+          </a:fontRef>
+        </p:style>
+        <p:txBody>
+          <a:bodyPr rtlCol="0" anchor="ctr"/>
+          <a:lstStyle/>
           <a:p>
             <a:pPr algn="ctr"/>
             <a:r>
@@ -3956,26 +4059,20 @@
                 <a:solidFill>
                   <a:schemeClr val="bg1"/>
                 </a:solidFill>
-                <a:highlight>
-                  <a:srgbClr val="FF0000"/>
-                </a:highlight>
               </a:rPr>
-              <a:t>BookParser</a:t>
+              <a:t>: PlayerStatistics</a:t>
             </a:r>
             <a:endParaRPr lang="en-SG" sz="1600" dirty="0">
               <a:solidFill>
                 <a:schemeClr val="bg1"/>
               </a:solidFill>
-              <a:highlight>
-                <a:srgbClr val="FF0000"/>
-              </a:highlight>
             </a:endParaRPr>
           </a:p>
         </p:txBody>
       </p:sp>
       <p:cxnSp>
         <p:nvCxnSpPr>
-          <p:cNvPr id="17" name="Straight Connector 16"/>
+          <p:cNvPr id="46" name="Straight Connector 45"/>
           <p:cNvCxnSpPr>
             <a:cxnSpLocks/>
           </p:cNvCxnSpPr>
@@ -3983,15 +4080,15 @@
         </p:nvCxnSpPr>
         <p:spPr>
           <a:xfrm flipH="1">
-            <a:off x="4045712" y="1042867"/>
-            <a:ext cx="24431" cy="6348533"/>
+            <a:off x="9398415" y="2713286"/>
+            <a:ext cx="9028" cy="4373314"/>
           </a:xfrm>
           <a:prstGeom prst="line">
             <a:avLst/>
           </a:prstGeom>
           <a:ln w="19050">
             <a:solidFill>
-              <a:srgbClr val="0070C0"/>
+              <a:srgbClr val="7030A0"/>
             </a:solidFill>
             <a:prstDash val="sysDash"/>
           </a:ln>
@@ -4014,24 +4111,24 @@
       </p:cxnSp>
       <p:sp>
         <p:nvSpPr>
-          <p:cNvPr id="18" name="Rectangle 17"/>
+          <p:cNvPr id="49" name="Rectangle 48"/>
           <p:cNvSpPr/>
           <p:nvPr/>
         </p:nvSpPr>
         <p:spPr>
           <a:xfrm>
-            <a:off x="3959079" y="1447800"/>
-            <a:ext cx="173266" cy="1048482"/>
+            <a:off x="9344038" y="3276600"/>
+            <a:ext cx="179136" cy="414827"/>
           </a:xfrm>
           <a:prstGeom prst="rect">
             <a:avLst/>
           </a:prstGeom>
           <a:solidFill>
-            <a:srgbClr val="0070C0"/>
+            <a:srgbClr val="7030A0"/>
           </a:solidFill>
           <a:ln>
             <a:solidFill>
-              <a:srgbClr val="0070C0"/>
+              <a:srgbClr val="7030A0"/>
             </a:solidFill>
           </a:ln>
           <a:effectLst/>
@@ -4061,102 +4158,16 @@
       </p:sp>
       <p:cxnSp>
         <p:nvCxnSpPr>
-          <p:cNvPr id="20" name="Straight Connector 19"/>
+          <p:cNvPr id="50" name="Straight Arrow Connector 49"/>
           <p:cNvCxnSpPr>
             <a:cxnSpLocks/>
           </p:cNvCxnSpPr>
           <p:nvPr/>
         </p:nvCxnSpPr>
         <p:spPr>
-          <a:xfrm flipH="1">
-            <a:off x="6356376" y="1674002"/>
-            <a:ext cx="1002" cy="1389502"/>
-          </a:xfrm>
-          <a:prstGeom prst="line">
-            <a:avLst/>
-          </a:prstGeom>
-          <a:ln w="19050">
-            <a:solidFill>
-              <a:srgbClr val="0070C0"/>
-            </a:solidFill>
-            <a:prstDash val="sysDash"/>
-          </a:ln>
-          <a:effectLst/>
-        </p:spPr>
-        <p:style>
-          <a:lnRef idx="1">
-            <a:schemeClr val="accent1"/>
-          </a:lnRef>
-          <a:fillRef idx="2">
-            <a:schemeClr val="accent1"/>
-          </a:fillRef>
-          <a:effectRef idx="1">
-            <a:schemeClr val="accent1"/>
-          </a:effectRef>
-          <a:fontRef idx="minor">
-            <a:schemeClr val="dk1"/>
-          </a:fontRef>
-        </p:style>
-      </p:cxnSp>
-      <p:sp>
-        <p:nvSpPr>
-          <p:cNvPr id="21" name="Rectangle 20"/>
-          <p:cNvSpPr/>
-          <p:nvPr/>
-        </p:nvSpPr>
-        <p:spPr>
-          <a:xfrm>
-            <a:off x="6290634" y="1668091"/>
-            <a:ext cx="138706" cy="357144"/>
-          </a:xfrm>
-          <a:prstGeom prst="rect">
-            <a:avLst/>
-          </a:prstGeom>
-          <a:solidFill>
-            <a:srgbClr val="0070C0"/>
-          </a:solidFill>
-          <a:ln>
-            <a:solidFill>
-              <a:srgbClr val="0070C0"/>
-            </a:solidFill>
-          </a:ln>
-          <a:effectLst/>
-        </p:spPr>
-        <p:style>
-          <a:lnRef idx="1">
-            <a:schemeClr val="accent3"/>
-          </a:lnRef>
-          <a:fillRef idx="2">
-            <a:schemeClr val="accent3"/>
-          </a:fillRef>
-          <a:effectRef idx="1">
-            <a:schemeClr val="accent3"/>
-          </a:effectRef>
-          <a:fontRef idx="minor">
-            <a:schemeClr val="dk1"/>
-          </a:fontRef>
-        </p:style>
-        <p:txBody>
-          <a:bodyPr rtlCol="0" anchor="ctr"/>
-          <a:lstStyle/>
-          <a:p>
-            <a:pPr algn="ctr"/>
-            <a:endParaRPr lang="en-SG" sz="1400"/>
-          </a:p>
-        </p:txBody>
-      </p:sp>
-      <p:cxnSp>
-        <p:nvCxnSpPr>
-          <p:cNvPr id="23" name="Straight Arrow Connector 22"/>
-          <p:cNvCxnSpPr>
-            <a:cxnSpLocks/>
-          </p:cNvCxnSpPr>
-          <p:nvPr/>
-        </p:nvCxnSpPr>
-        <p:spPr>
-          <a:xfrm>
-            <a:off x="438669" y="1397245"/>
-            <a:ext cx="1119851" cy="0"/>
+          <a:xfrm>
+            <a:off x="6441281" y="3276599"/>
+            <a:ext cx="2937036" cy="10820"/>
           </a:xfrm>
           <a:prstGeom prst="straightConnector1">
             <a:avLst/>
@@ -4185,296 +4196,24 @@
       </p:cxnSp>
       <p:sp>
         <p:nvSpPr>
-          <p:cNvPr id="26" name="TextBox 25"/>
-          <p:cNvSpPr txBox="1"/>
-          <p:nvPr/>
-        </p:nvSpPr>
-        <p:spPr>
-          <a:xfrm>
-            <a:off x="159441" y="1125847"/>
-            <a:ext cx="1323065" cy="215444"/>
-          </a:xfrm>
-          <a:prstGeom prst="rect">
-            <a:avLst/>
-          </a:prstGeom>
-          <a:noFill/>
-        </p:spPr>
-        <p:txBody>
-          <a:bodyPr wrap="square" lIns="0" tIns="0" rIns="0" bIns="0" rtlCol="0">
-            <a:spAutoFit/>
-          </a:bodyPr>
-          <a:lstStyle/>
-          <a:p>
-            <a:pPr algn="r"/>
-            <a:r>
-              <a:rPr lang="en-US" sz="1400" dirty="0">
-                <a:solidFill>
-                  <a:srgbClr val="0070C0"/>
-                </a:solidFill>
-              </a:rPr>
-              <a:t>execute(“stats”)</a:t>
-            </a:r>
-          </a:p>
-        </p:txBody>
-      </p:sp>
-      <p:cxnSp>
-        <p:nvCxnSpPr>
-          <p:cNvPr id="28" name="Straight Arrow Connector 27"/>
-          <p:cNvCxnSpPr>
-            <a:cxnSpLocks/>
-          </p:cNvCxnSpPr>
-          <p:nvPr/>
-        </p:nvCxnSpPr>
-        <p:spPr>
-          <a:xfrm flipV="1">
-            <a:off x="4143936" y="1520174"/>
-            <a:ext cx="1397357" cy="212"/>
-          </a:xfrm>
-          <a:prstGeom prst="straightConnector1">
-            <a:avLst/>
-          </a:prstGeom>
-          <a:ln w="19050">
-            <a:solidFill>
-              <a:srgbClr val="0070C0"/>
-            </a:solidFill>
-            <a:tailEnd type="arrow"/>
-          </a:ln>
-        </p:spPr>
-        <p:style>
-          <a:lnRef idx="1">
-            <a:schemeClr val="accent1"/>
-          </a:lnRef>
-          <a:fillRef idx="0">
-            <a:schemeClr val="accent1"/>
-          </a:fillRef>
-          <a:effectRef idx="0">
-            <a:schemeClr val="accent1"/>
-          </a:effectRef>
-          <a:fontRef idx="minor">
-            <a:schemeClr val="tx1"/>
-          </a:fontRef>
-        </p:style>
-      </p:cxnSp>
-      <p:sp>
-        <p:nvSpPr>
-          <p:cNvPr id="29" name="TextBox 28"/>
-          <p:cNvSpPr txBox="1"/>
-          <p:nvPr/>
-        </p:nvSpPr>
-        <p:spPr>
-          <a:xfrm>
-            <a:off x="4518188" y="2697782"/>
-            <a:ext cx="855808" cy="215444"/>
-          </a:xfrm>
-          <a:prstGeom prst="rect">
-            <a:avLst/>
-          </a:prstGeom>
-          <a:noFill/>
-        </p:spPr>
-        <p:txBody>
-          <a:bodyPr wrap="square" lIns="0" tIns="0" rIns="0" bIns="0" rtlCol="0">
-            <a:spAutoFit/>
-          </a:bodyPr>
-          <a:lstStyle>
-            <a:defPPr>
-              <a:defRPr lang="en-US"/>
-            </a:defPPr>
-            <a:lvl1pPr algn="r">
-              <a:defRPr sz="1400">
-                <a:solidFill>
-                  <a:srgbClr val="0070C0"/>
-                </a:solidFill>
-              </a:defRPr>
-            </a:lvl1pPr>
-          </a:lstStyle>
-          <a:p>
-            <a:r>
-              <a:rPr lang="en-US" dirty="0"/>
-              <a:t>execute()</a:t>
-            </a:r>
-          </a:p>
-        </p:txBody>
-      </p:sp>
-      <p:cxnSp>
-        <p:nvCxnSpPr>
-          <p:cNvPr id="34" name="Straight Arrow Connector 33"/>
-          <p:cNvCxnSpPr>
-            <a:cxnSpLocks/>
-          </p:cNvCxnSpPr>
-          <p:nvPr/>
-        </p:nvCxnSpPr>
-        <p:spPr>
-          <a:xfrm>
-            <a:off x="4124459" y="2007727"/>
-            <a:ext cx="2155501" cy="0"/>
-          </a:xfrm>
-          <a:prstGeom prst="straightConnector1">
-            <a:avLst/>
-          </a:prstGeom>
-          <a:ln w="19050">
-            <a:solidFill>
-              <a:srgbClr val="0070C0"/>
-            </a:solidFill>
-            <a:prstDash val="sysDash"/>
-            <a:headEnd type="arrow" w="med" len="med"/>
-            <a:tailEnd type="none" w="med" len="med"/>
-          </a:ln>
-        </p:spPr>
-        <p:style>
-          <a:lnRef idx="1">
-            <a:schemeClr val="accent1"/>
-          </a:lnRef>
-          <a:fillRef idx="0">
-            <a:schemeClr val="accent1"/>
-          </a:fillRef>
-          <a:effectRef idx="0">
-            <a:schemeClr val="accent1"/>
-          </a:effectRef>
-          <a:fontRef idx="minor">
-            <a:schemeClr val="tx1"/>
-          </a:fontRef>
-        </p:style>
-      </p:cxnSp>
-      <p:cxnSp>
-        <p:nvCxnSpPr>
-          <p:cNvPr id="35" name="Straight Arrow Connector 34"/>
-          <p:cNvCxnSpPr>
-            <a:cxnSpLocks/>
-          </p:cNvCxnSpPr>
-          <p:nvPr/>
-        </p:nvCxnSpPr>
-        <p:spPr>
-          <a:xfrm>
-            <a:off x="1710911" y="2496282"/>
-            <a:ext cx="2270334" cy="0"/>
-          </a:xfrm>
-          <a:prstGeom prst="straightConnector1">
-            <a:avLst/>
-          </a:prstGeom>
-          <a:ln w="19050">
-            <a:solidFill>
-              <a:srgbClr val="0070C0"/>
-            </a:solidFill>
-            <a:prstDash val="sysDash"/>
-            <a:headEnd type="arrow" w="med" len="med"/>
-            <a:tailEnd type="none" w="med" len="med"/>
-          </a:ln>
-        </p:spPr>
-        <p:style>
-          <a:lnRef idx="1">
-            <a:schemeClr val="accent1"/>
-          </a:lnRef>
-          <a:fillRef idx="0">
-            <a:schemeClr val="accent1"/>
-          </a:fillRef>
-          <a:effectRef idx="0">
-            <a:schemeClr val="accent1"/>
-          </a:effectRef>
-          <a:fontRef idx="minor">
-            <a:schemeClr val="tx1"/>
-          </a:fontRef>
-        </p:style>
-      </p:cxnSp>
-      <p:cxnSp>
-        <p:nvCxnSpPr>
-          <p:cNvPr id="37" name="Straight Arrow Connector 36"/>
-          <p:cNvCxnSpPr>
-            <a:cxnSpLocks/>
-          </p:cNvCxnSpPr>
-          <p:nvPr/>
-        </p:nvCxnSpPr>
-        <p:spPr>
-          <a:xfrm>
-            <a:off x="400568" y="6623039"/>
-            <a:ext cx="1196051" cy="0"/>
-          </a:xfrm>
-          <a:prstGeom prst="straightConnector1">
-            <a:avLst/>
-          </a:prstGeom>
-          <a:ln w="19050">
-            <a:solidFill>
-              <a:schemeClr val="accent1"/>
-            </a:solidFill>
-            <a:prstDash val="sysDash"/>
-            <a:headEnd type="arrow" w="med" len="med"/>
-            <a:tailEnd type="none" w="med" len="med"/>
-          </a:ln>
-        </p:spPr>
-        <p:style>
-          <a:lnRef idx="1">
-            <a:schemeClr val="accent1"/>
-          </a:lnRef>
-          <a:fillRef idx="0">
-            <a:schemeClr val="accent1"/>
-          </a:fillRef>
-          <a:effectRef idx="0">
-            <a:schemeClr val="accent1"/>
-          </a:effectRef>
-          <a:fontRef idx="minor">
-            <a:schemeClr val="tx1"/>
-          </a:fontRef>
-        </p:style>
-      </p:cxnSp>
-      <p:sp>
-        <p:nvSpPr>
-          <p:cNvPr id="80" name="TextBox 79"/>
-          <p:cNvSpPr txBox="1"/>
-          <p:nvPr/>
-        </p:nvSpPr>
-        <p:spPr>
-          <a:xfrm>
-            <a:off x="1904756" y="1241398"/>
-            <a:ext cx="1899551" cy="215444"/>
-          </a:xfrm>
-          <a:prstGeom prst="rect">
-            <a:avLst/>
-          </a:prstGeom>
-          <a:noFill/>
-        </p:spPr>
-        <p:txBody>
-          <a:bodyPr wrap="square" lIns="0" tIns="0" rIns="0" bIns="0" rtlCol="0">
-            <a:spAutoFit/>
-          </a:bodyPr>
-          <a:lstStyle>
-            <a:defPPr>
-              <a:defRPr lang="en-US"/>
-            </a:defPPr>
-            <a:lvl1pPr algn="r">
-              <a:defRPr sz="1400">
-                <a:solidFill>
-                  <a:srgbClr val="0070C0"/>
-                </a:solidFill>
-              </a:defRPr>
-            </a:lvl1pPr>
-          </a:lstStyle>
-          <a:p>
-            <a:r>
-              <a:rPr lang="en-US" dirty="0"/>
-              <a:t>parseCommand(“stats”)</a:t>
-            </a:r>
-          </a:p>
-        </p:txBody>
-      </p:sp>
-      <p:sp>
-        <p:nvSpPr>
-          <p:cNvPr id="84" name="Rectangle 62"/>
+          <p:cNvPr id="19" name="Rectangle 62"/>
           <p:cNvSpPr/>
           <p:nvPr/>
         </p:nvSpPr>
         <p:spPr>
           <a:xfrm>
-            <a:off x="10327828" y="1357205"/>
-            <a:ext cx="1974798" cy="351227"/>
+            <a:off x="5552884" y="1316853"/>
+            <a:ext cx="1650371" cy="357143"/>
           </a:xfrm>
           <a:prstGeom prst="rect">
             <a:avLst/>
           </a:prstGeom>
           <a:solidFill>
-            <a:srgbClr val="92D050"/>
+            <a:srgbClr val="0070C0"/>
           </a:solidFill>
           <a:ln w="19050">
             <a:solidFill>
-              <a:srgbClr val="92D050"/>
+              <a:srgbClr val="0070C0"/>
             </a:solidFill>
           </a:ln>
           <a:effectLst/>
@@ -4501,248 +4240,6 @@
             <a:r>
               <a:rPr lang="en-US" sz="1600" dirty="0">
                 <a:solidFill>
-                  <a:schemeClr val="tx1"/>
-                </a:solidFill>
-              </a:rPr>
-              <a:t>:StorageManager</a:t>
-            </a:r>
-            <a:endParaRPr lang="en-SG" sz="1600" dirty="0">
-              <a:solidFill>
-                <a:schemeClr val="tx1"/>
-              </a:solidFill>
-            </a:endParaRPr>
-          </a:p>
-        </p:txBody>
-      </p:sp>
-      <p:sp>
-        <p:nvSpPr>
-          <p:cNvPr id="40" name="Rectangle 62"/>
-          <p:cNvSpPr/>
-          <p:nvPr/>
-        </p:nvSpPr>
-        <p:spPr>
-          <a:xfrm>
-            <a:off x="8642823" y="2505324"/>
-            <a:ext cx="1532257" cy="269018"/>
-          </a:xfrm>
-          <a:prstGeom prst="rect">
-            <a:avLst/>
-          </a:prstGeom>
-          <a:solidFill>
-            <a:srgbClr val="7030A0"/>
-          </a:solidFill>
-          <a:ln w="19050">
-            <a:solidFill>
-              <a:srgbClr val="7030A0"/>
-            </a:solidFill>
-          </a:ln>
-          <a:effectLst/>
-        </p:spPr>
-        <p:style>
-          <a:lnRef idx="1">
-            <a:schemeClr val="accent2"/>
-          </a:lnRef>
-          <a:fillRef idx="2">
-            <a:schemeClr val="accent2"/>
-          </a:fillRef>
-          <a:effectRef idx="1">
-            <a:schemeClr val="accent2"/>
-          </a:effectRef>
-          <a:fontRef idx="minor">
-            <a:schemeClr val="dk1"/>
-          </a:fontRef>
-        </p:style>
-        <p:txBody>
-          <a:bodyPr rtlCol="0" anchor="ctr"/>
-          <a:lstStyle/>
-          <a:p>
-            <a:pPr algn="ctr"/>
-            <a:r>
-              <a:rPr lang="en-US" sz="1600" dirty="0">
-                <a:solidFill>
-                  <a:schemeClr val="bg1"/>
-                </a:solidFill>
-              </a:rPr>
-              <a:t>: PlayerStatistics</a:t>
-            </a:r>
-            <a:endParaRPr lang="en-SG" sz="1600" dirty="0">
-              <a:solidFill>
-                <a:schemeClr val="bg1"/>
-              </a:solidFill>
-            </a:endParaRPr>
-          </a:p>
-        </p:txBody>
-      </p:sp>
-      <p:cxnSp>
-        <p:nvCxnSpPr>
-          <p:cNvPr id="46" name="Straight Connector 45"/>
-          <p:cNvCxnSpPr>
-            <a:cxnSpLocks/>
-          </p:cNvCxnSpPr>
-          <p:nvPr/>
-        </p:nvCxnSpPr>
-        <p:spPr>
-          <a:xfrm flipH="1">
-            <a:off x="9398415" y="2713286"/>
-            <a:ext cx="9028" cy="4373314"/>
-          </a:xfrm>
-          <a:prstGeom prst="line">
-            <a:avLst/>
-          </a:prstGeom>
-          <a:ln w="19050">
-            <a:solidFill>
-              <a:srgbClr val="7030A0"/>
-            </a:solidFill>
-            <a:prstDash val="sysDash"/>
-          </a:ln>
-          <a:effectLst/>
-        </p:spPr>
-        <p:style>
-          <a:lnRef idx="1">
-            <a:schemeClr val="accent1"/>
-          </a:lnRef>
-          <a:fillRef idx="2">
-            <a:schemeClr val="accent1"/>
-          </a:fillRef>
-          <a:effectRef idx="1">
-            <a:schemeClr val="accent1"/>
-          </a:effectRef>
-          <a:fontRef idx="minor">
-            <a:schemeClr val="dk1"/>
-          </a:fontRef>
-        </p:style>
-      </p:cxnSp>
-      <p:sp>
-        <p:nvSpPr>
-          <p:cNvPr id="49" name="Rectangle 48"/>
-          <p:cNvSpPr/>
-          <p:nvPr/>
-        </p:nvSpPr>
-        <p:spPr>
-          <a:xfrm>
-            <a:off x="9344038" y="3276600"/>
-            <a:ext cx="179136" cy="414827"/>
-          </a:xfrm>
-          <a:prstGeom prst="rect">
-            <a:avLst/>
-          </a:prstGeom>
-          <a:solidFill>
-            <a:srgbClr val="7030A0"/>
-          </a:solidFill>
-          <a:ln>
-            <a:solidFill>
-              <a:srgbClr val="7030A0"/>
-            </a:solidFill>
-          </a:ln>
-          <a:effectLst/>
-        </p:spPr>
-        <p:style>
-          <a:lnRef idx="1">
-            <a:schemeClr val="accent3"/>
-          </a:lnRef>
-          <a:fillRef idx="2">
-            <a:schemeClr val="accent3"/>
-          </a:fillRef>
-          <a:effectRef idx="1">
-            <a:schemeClr val="accent3"/>
-          </a:effectRef>
-          <a:fontRef idx="minor">
-            <a:schemeClr val="dk1"/>
-          </a:fontRef>
-        </p:style>
-        <p:txBody>
-          <a:bodyPr rtlCol="0" anchor="ctr"/>
-          <a:lstStyle/>
-          <a:p>
-            <a:pPr algn="ctr"/>
-            <a:endParaRPr lang="en-SG" sz="1400"/>
-          </a:p>
-        </p:txBody>
-      </p:sp>
-      <p:cxnSp>
-        <p:nvCxnSpPr>
-          <p:cNvPr id="50" name="Straight Arrow Connector 49"/>
-          <p:cNvCxnSpPr>
-            <a:cxnSpLocks/>
-          </p:cNvCxnSpPr>
-          <p:nvPr/>
-        </p:nvCxnSpPr>
-        <p:spPr>
-          <a:xfrm>
-            <a:off x="6441281" y="3276599"/>
-            <a:ext cx="2937036" cy="10820"/>
-          </a:xfrm>
-          <a:prstGeom prst="straightConnector1">
-            <a:avLst/>
-          </a:prstGeom>
-          <a:ln w="19050">
-            <a:solidFill>
-              <a:srgbClr val="0070C0"/>
-            </a:solidFill>
-            <a:tailEnd type="arrow"/>
-          </a:ln>
-        </p:spPr>
-        <p:style>
-          <a:lnRef idx="1">
-            <a:schemeClr val="accent1"/>
-          </a:lnRef>
-          <a:fillRef idx="0">
-            <a:schemeClr val="accent1"/>
-          </a:fillRef>
-          <a:effectRef idx="0">
-            <a:schemeClr val="accent1"/>
-          </a:effectRef>
-          <a:fontRef idx="minor">
-            <a:schemeClr val="tx1"/>
-          </a:fontRef>
-        </p:style>
-      </p:cxnSp>
-      <p:sp>
-        <p:nvSpPr>
-          <p:cNvPr id="19" name="Rectangle 62"/>
-          <p:cNvSpPr/>
-          <p:nvPr/>
-        </p:nvSpPr>
-        <p:spPr>
-          <a:xfrm>
-            <a:off x="5552884" y="1316853"/>
-            <a:ext cx="1650371" cy="357143"/>
-          </a:xfrm>
-          <a:prstGeom prst="rect">
-            <a:avLst/>
-          </a:prstGeom>
-          <a:solidFill>
-            <a:srgbClr val="0070C0"/>
-          </a:solidFill>
-          <a:ln w="19050">
-            <a:solidFill>
-              <a:srgbClr val="0070C0"/>
-            </a:solidFill>
-          </a:ln>
-          <a:effectLst/>
-        </p:spPr>
-        <p:style>
-          <a:lnRef idx="1">
-            <a:schemeClr val="accent2"/>
-          </a:lnRef>
-          <a:fillRef idx="2">
-            <a:schemeClr val="accent2"/>
-          </a:fillRef>
-          <a:effectRef idx="1">
-            <a:schemeClr val="accent2"/>
-          </a:effectRef>
-          <a:fontRef idx="minor">
-            <a:schemeClr val="dk1"/>
-          </a:fontRef>
-        </p:style>
-        <p:txBody>
-          <a:bodyPr rtlCol="0" anchor="ctr"/>
-          <a:lstStyle/>
-          <a:p>
-            <a:pPr algn="ctr"/>
-            <a:r>
-              <a:rPr lang="en-US" sz="1600" dirty="0">
-                <a:solidFill>
                   <a:schemeClr val="bg1"/>
                 </a:solidFill>
               </a:rPr>
@@ -4782,50 +4279,6 @@
           <a:xfrm>
             <a:off x="1672518" y="2890740"/>
             <a:ext cx="4607442" cy="0"/>
-          </a:xfrm>
-          <a:prstGeom prst="straightConnector1">
-            <a:avLst/>
-          </a:prstGeom>
-          <a:ln w="19050">
-            <a:solidFill>
-              <a:srgbClr val="0070C0"/>
-            </a:solidFill>
-            <a:tailEnd type="arrow"/>
-          </a:ln>
-        </p:spPr>
-        <p:style>
-          <a:lnRef idx="1">
-            <a:schemeClr val="accent1"/>
-          </a:lnRef>
-          <a:fillRef idx="0">
-            <a:schemeClr val="accent1"/>
-          </a:fillRef>
-          <a:effectRef idx="0">
-            <a:schemeClr val="accent1"/>
-          </a:effectRef>
-          <a:fontRef idx="minor">
-            <a:schemeClr val="tx1"/>
-          </a:fontRef>
-        </p:style>
-      </p:cxnSp>
-      <p:cxnSp>
-        <p:nvCxnSpPr>
-          <p:cNvPr id="67" name="Straight Arrow Connector 66">
-            <a:extLst>
-              <a:ext uri="{FF2B5EF4-FFF2-40B4-BE49-F238E27FC236}">
-                <a16:creationId xmlns:a16="http://schemas.microsoft.com/office/drawing/2014/main" id="{D881596E-177C-4FDC-8E60-CAB90B3D5FAB}"/>
-              </a:ext>
-            </a:extLst>
-          </p:cNvPr>
-          <p:cNvCxnSpPr>
-            <a:cxnSpLocks/>
-          </p:cNvCxnSpPr>
-          <p:nvPr/>
-        </p:nvCxnSpPr>
-        <p:spPr>
-          <a:xfrm flipV="1">
-            <a:off x="1793559" y="1449203"/>
-            <a:ext cx="2193656" cy="15114"/>
           </a:xfrm>
           <a:prstGeom prst="straightConnector1">
             <a:avLst/>
@@ -4951,8 +4404,8 @@
         </p:nvSpPr>
         <p:spPr>
           <a:xfrm>
-            <a:off x="11603336" y="5172875"/>
-            <a:ext cx="1157705" cy="184666"/>
+            <a:off x="13091730" y="4350245"/>
+            <a:ext cx="1319810" cy="184666"/>
           </a:xfrm>
           <a:prstGeom prst="rect">
             <a:avLst/>
@@ -4988,60 +4441,11 @@
                   </a:schemeClr>
                 </a:solidFill>
               </a:rPr>
-              <a:t>show()</a:t>
-            </a:r>
-          </a:p>
-        </p:txBody>
-      </p:sp>
-      <p:cxnSp>
-        <p:nvCxnSpPr>
-          <p:cNvPr id="63" name="Straight Arrow Connector 62">
-            <a:extLst>
-              <a:ext uri="{FF2B5EF4-FFF2-40B4-BE49-F238E27FC236}">
-                <a16:creationId xmlns:a16="http://schemas.microsoft.com/office/drawing/2014/main" id="{7C9F21BC-13A9-471F-825A-2621FD36355F}"/>
-              </a:ext>
-            </a:extLst>
-          </p:cNvPr>
-          <p:cNvCxnSpPr>
-            <a:cxnSpLocks/>
-          </p:cNvCxnSpPr>
-          <p:nvPr/>
-        </p:nvCxnSpPr>
-        <p:spPr>
-          <a:xfrm>
-            <a:off x="6453028" y="5571146"/>
-            <a:ext cx="4718143" cy="24077"/>
-          </a:xfrm>
-          <a:prstGeom prst="straightConnector1">
-            <a:avLst/>
-          </a:prstGeom>
-          <a:ln w="19050">
-            <a:solidFill>
-              <a:schemeClr val="tx2">
-                <a:lumMod val="60000"/>
-                <a:lumOff val="40000"/>
-              </a:schemeClr>
-            </a:solidFill>
-            <a:prstDash val="sysDash"/>
-            <a:headEnd type="arrow" w="med" len="med"/>
-            <a:tailEnd type="none" w="med" len="med"/>
-          </a:ln>
-        </p:spPr>
-        <p:style>
-          <a:lnRef idx="1">
-            <a:schemeClr val="accent1"/>
-          </a:lnRef>
-          <a:fillRef idx="0">
-            <a:schemeClr val="accent1"/>
-          </a:fillRef>
-          <a:effectRef idx="0">
-            <a:schemeClr val="accent1"/>
-          </a:effectRef>
-          <a:fontRef idx="minor">
-            <a:schemeClr val="tx1"/>
-          </a:fontRef>
-        </p:style>
-      </p:cxnSp>
+              <a:t>saveStatisticsData()</a:t>
+            </a:r>
+          </a:p>
+        </p:txBody>
+      </p:sp>
       <p:sp>
         <p:nvSpPr>
           <p:cNvPr id="65" name="Rectangle 64"/>
@@ -5683,50 +5087,6 @@
           </a:p>
         </p:txBody>
       </p:sp>
-      <p:cxnSp>
-        <p:nvCxnSpPr>
-          <p:cNvPr id="79" name="Straight Arrow Connector 78">
-            <a:extLst>
-              <a:ext uri="{FF2B5EF4-FFF2-40B4-BE49-F238E27FC236}">
-                <a16:creationId xmlns:a16="http://schemas.microsoft.com/office/drawing/2014/main" id="{69068371-6B97-4FC1-A34C-931CC3900EC0}"/>
-              </a:ext>
-            </a:extLst>
-          </p:cNvPr>
-          <p:cNvCxnSpPr>
-            <a:cxnSpLocks/>
-          </p:cNvCxnSpPr>
-          <p:nvPr/>
-        </p:nvCxnSpPr>
-        <p:spPr>
-          <a:xfrm>
-            <a:off x="6379220" y="5244140"/>
-            <a:ext cx="4149421" cy="0"/>
-          </a:xfrm>
-          <a:prstGeom prst="straightConnector1">
-            <a:avLst/>
-          </a:prstGeom>
-          <a:ln w="19050">
-            <a:solidFill>
-              <a:srgbClr val="0070C0"/>
-            </a:solidFill>
-            <a:tailEnd type="arrow"/>
-          </a:ln>
-        </p:spPr>
-        <p:style>
-          <a:lnRef idx="1">
-            <a:schemeClr val="accent1"/>
-          </a:lnRef>
-          <a:fillRef idx="0">
-            <a:schemeClr val="accent1"/>
-          </a:fillRef>
-          <a:effectRef idx="0">
-            <a:schemeClr val="accent1"/>
-          </a:effectRef>
-          <a:fontRef idx="minor">
-            <a:schemeClr val="tx1"/>
-          </a:fontRef>
-        </p:style>
-      </p:cxnSp>
       <p:sp>
         <p:nvSpPr>
           <p:cNvPr id="83" name="Rectangle 82">
@@ -5826,59 +5186,6 @@
           </a:p>
         </p:txBody>
       </p:sp>
-      <p:sp>
-        <p:nvSpPr>
-          <p:cNvPr id="70" name="Rectangle 69">
-            <a:extLst>
-              <a:ext uri="{FF2B5EF4-FFF2-40B4-BE49-F238E27FC236}">
-                <a16:creationId xmlns:a16="http://schemas.microsoft.com/office/drawing/2014/main" id="{436FDA33-8287-4103-899C-439B177D8848}"/>
-              </a:ext>
-            </a:extLst>
-          </p:cNvPr>
-          <p:cNvSpPr/>
-          <p:nvPr/>
-        </p:nvSpPr>
-        <p:spPr>
-          <a:xfrm>
-            <a:off x="11315227" y="5212529"/>
-            <a:ext cx="85940" cy="211170"/>
-          </a:xfrm>
-          <a:prstGeom prst="rect">
-            <a:avLst/>
-          </a:prstGeom>
-          <a:solidFill>
-            <a:srgbClr val="92D050"/>
-          </a:solidFill>
-          <a:ln>
-            <a:solidFill>
-              <a:srgbClr val="92D050"/>
-            </a:solidFill>
-          </a:ln>
-          <a:effectLst/>
-        </p:spPr>
-        <p:style>
-          <a:lnRef idx="1">
-            <a:schemeClr val="accent3"/>
-          </a:lnRef>
-          <a:fillRef idx="2">
-            <a:schemeClr val="accent3"/>
-          </a:fillRef>
-          <a:effectRef idx="1">
-            <a:schemeClr val="accent3"/>
-          </a:effectRef>
-          <a:fontRef idx="minor">
-            <a:schemeClr val="dk1"/>
-          </a:fontRef>
-        </p:style>
-        <p:txBody>
-          <a:bodyPr rtlCol="0" anchor="ctr"/>
-          <a:lstStyle/>
-          <a:p>
-            <a:pPr algn="ctr"/>
-            <a:endParaRPr lang="en-SG" sz="1400"/>
-          </a:p>
-        </p:txBody>
-      </p:sp>
       <p:cxnSp>
         <p:nvCxnSpPr>
           <p:cNvPr id="88" name="Curved Connector 12">
@@ -5895,7 +5202,7 @@
         </p:nvCxnSpPr>
         <p:spPr>
           <a:xfrm>
-            <a:off x="11295213" y="5105827"/>
+            <a:off x="12859765" y="4232522"/>
             <a:ext cx="72937" cy="109922"/>
           </a:xfrm>
           <a:prstGeom prst="curvedConnector3">
@@ -5943,7 +5250,7 @@
         </p:nvCxnSpPr>
         <p:spPr>
           <a:xfrm flipH="1">
-            <a:off x="11317617" y="5423699"/>
+            <a:off x="12861189" y="4523535"/>
             <a:ext cx="80994" cy="147447"/>
           </a:xfrm>
           <a:prstGeom prst="curvedConnector3">
@@ -5990,8 +5297,8 @@
         </p:nvCxnSpPr>
         <p:spPr>
           <a:xfrm>
-            <a:off x="9468635" y="4115508"/>
-            <a:ext cx="1542587" cy="17871"/>
+            <a:off x="9519932" y="4124442"/>
+            <a:ext cx="1491290" cy="8937"/>
           </a:xfrm>
           <a:prstGeom prst="straightConnector1">
             <a:avLst/>
@@ -6080,8 +5387,8 @@
         </p:nvCxnSpPr>
         <p:spPr>
           <a:xfrm>
-            <a:off x="11178449" y="4231269"/>
-            <a:ext cx="1476119" cy="9796"/>
+            <a:off x="11217013" y="4241065"/>
+            <a:ext cx="1437555" cy="0"/>
           </a:xfrm>
           <a:prstGeom prst="straightConnector1">
             <a:avLst/>
@@ -6148,12 +5455,8 @@
           </a:lstStyle>
           <a:p>
             <a:r>
-              <a:rPr lang="en-US" dirty="0" err="1"/>
-              <a:t>getStatisticsFilePath</a:t>
-            </a:r>
-            <a:r>
               <a:rPr lang="en-US" dirty="0"/>
-              <a:t>()</a:t>
+              <a:t>getStatisticsFilePath()</a:t>
             </a:r>
           </a:p>
         </p:txBody>
@@ -6213,74 +5516,13 @@
                   <a:schemeClr val="tx1"/>
                 </a:solidFill>
               </a:rPr>
-              <a:t>:</a:t>
-            </a:r>
-            <a:r>
-              <a:rPr lang="en-US" sz="1600" dirty="0" err="1">
-                <a:solidFill>
-                  <a:schemeClr val="tx1"/>
-                </a:solidFill>
-              </a:rPr>
-              <a:t>StatisticsStorage</a:t>
+              <a:t>:JsonStatisticsStorage</a:t>
             </a:r>
             <a:endParaRPr lang="en-SG" sz="1600" dirty="0">
               <a:solidFill>
                 <a:schemeClr val="tx1"/>
               </a:solidFill>
             </a:endParaRPr>
-          </a:p>
-        </p:txBody>
-      </p:sp>
-      <p:sp>
-        <p:nvSpPr>
-          <p:cNvPr id="76" name="Rectangle 75">
-            <a:extLst>
-              <a:ext uri="{FF2B5EF4-FFF2-40B4-BE49-F238E27FC236}">
-                <a16:creationId xmlns:a16="http://schemas.microsoft.com/office/drawing/2014/main" id="{0EA9C787-615A-40B7-AA16-ED1777D8A108}"/>
-              </a:ext>
-            </a:extLst>
-          </p:cNvPr>
-          <p:cNvSpPr/>
-          <p:nvPr/>
-        </p:nvSpPr>
-        <p:spPr>
-          <a:xfrm>
-            <a:off x="12654568" y="4179184"/>
-            <a:ext cx="212945" cy="491651"/>
-          </a:xfrm>
-          <a:prstGeom prst="rect">
-            <a:avLst/>
-          </a:prstGeom>
-          <a:solidFill>
-            <a:srgbClr val="92D050"/>
-          </a:solidFill>
-          <a:ln>
-            <a:solidFill>
-              <a:srgbClr val="92D050"/>
-            </a:solidFill>
-          </a:ln>
-          <a:effectLst/>
-        </p:spPr>
-        <p:style>
-          <a:lnRef idx="1">
-            <a:schemeClr val="accent3"/>
-          </a:lnRef>
-          <a:fillRef idx="2">
-            <a:schemeClr val="accent3"/>
-          </a:fillRef>
-          <a:effectRef idx="1">
-            <a:schemeClr val="accent3"/>
-          </a:effectRef>
-          <a:fontRef idx="minor">
-            <a:schemeClr val="dk1"/>
-          </a:fontRef>
-        </p:style>
-        <p:txBody>
-          <a:bodyPr rtlCol="0" anchor="ctr"/>
-          <a:lstStyle/>
-          <a:p>
-            <a:pPr algn="ctr"/>
-            <a:endParaRPr lang="en-SG" sz="1400"/>
           </a:p>
         </p:txBody>
       </p:sp>
@@ -6345,9 +5587,9 @@
           <p:nvPr/>
         </p:nvCxnSpPr>
         <p:spPr>
-          <a:xfrm>
-            <a:off x="12761040" y="2427371"/>
-            <a:ext cx="0" cy="5781486"/>
+          <a:xfrm flipH="1">
+            <a:off x="12761040" y="2805504"/>
+            <a:ext cx="15508" cy="5403353"/>
           </a:xfrm>
           <a:prstGeom prst="line">
             <a:avLst/>
@@ -6421,6 +5663,112 @@
           </a:fontRef>
         </p:style>
       </p:cxnSp>
+      <p:sp>
+        <p:nvSpPr>
+          <p:cNvPr id="76" name="Rectangle 75">
+            <a:extLst>
+              <a:ext uri="{FF2B5EF4-FFF2-40B4-BE49-F238E27FC236}">
+                <a16:creationId xmlns:a16="http://schemas.microsoft.com/office/drawing/2014/main" id="{0EA9C787-615A-40B7-AA16-ED1777D8A108}"/>
+              </a:ext>
+            </a:extLst>
+          </p:cNvPr>
+          <p:cNvSpPr/>
+          <p:nvPr/>
+        </p:nvSpPr>
+        <p:spPr>
+          <a:xfrm>
+            <a:off x="12643293" y="4232522"/>
+            <a:ext cx="212945" cy="491651"/>
+          </a:xfrm>
+          <a:prstGeom prst="rect">
+            <a:avLst/>
+          </a:prstGeom>
+          <a:solidFill>
+            <a:srgbClr val="92D050"/>
+          </a:solidFill>
+          <a:ln>
+            <a:solidFill>
+              <a:srgbClr val="92D050"/>
+            </a:solidFill>
+          </a:ln>
+          <a:effectLst/>
+        </p:spPr>
+        <p:style>
+          <a:lnRef idx="1">
+            <a:schemeClr val="accent3"/>
+          </a:lnRef>
+          <a:fillRef idx="2">
+            <a:schemeClr val="accent3"/>
+          </a:fillRef>
+          <a:effectRef idx="1">
+            <a:schemeClr val="accent3"/>
+          </a:effectRef>
+          <a:fontRef idx="minor">
+            <a:schemeClr val="dk1"/>
+          </a:fontRef>
+        </p:style>
+        <p:txBody>
+          <a:bodyPr rtlCol="0" anchor="ctr"/>
+          <a:lstStyle/>
+          <a:p>
+            <a:pPr algn="ctr"/>
+            <a:endParaRPr lang="en-SG" sz="1400"/>
+          </a:p>
+        </p:txBody>
+      </p:sp>
+      <p:sp>
+        <p:nvSpPr>
+          <p:cNvPr id="70" name="Rectangle 69">
+            <a:extLst>
+              <a:ext uri="{FF2B5EF4-FFF2-40B4-BE49-F238E27FC236}">
+                <a16:creationId xmlns:a16="http://schemas.microsoft.com/office/drawing/2014/main" id="{436FDA33-8287-4103-899C-439B177D8848}"/>
+              </a:ext>
+            </a:extLst>
+          </p:cNvPr>
+          <p:cNvSpPr/>
+          <p:nvPr/>
+        </p:nvSpPr>
+        <p:spPr>
+          <a:xfrm>
+            <a:off x="12867512" y="4319424"/>
+            <a:ext cx="85940" cy="211170"/>
+          </a:xfrm>
+          <a:prstGeom prst="rect">
+            <a:avLst/>
+          </a:prstGeom>
+          <a:solidFill>
+            <a:srgbClr val="92D050"/>
+          </a:solidFill>
+          <a:ln>
+            <a:solidFill>
+              <a:srgbClr val="92D050"/>
+            </a:solidFill>
+          </a:ln>
+          <a:effectLst/>
+        </p:spPr>
+        <p:style>
+          <a:lnRef idx="1">
+            <a:schemeClr val="accent3"/>
+          </a:lnRef>
+          <a:fillRef idx="2">
+            <a:schemeClr val="accent3"/>
+          </a:fillRef>
+          <a:effectRef idx="1">
+            <a:schemeClr val="accent3"/>
+          </a:effectRef>
+          <a:fontRef idx="minor">
+            <a:schemeClr val="dk1"/>
+          </a:fontRef>
+        </p:style>
+        <p:txBody>
+          <a:bodyPr rtlCol="0" anchor="ctr"/>
+          <a:lstStyle/>
+          <a:p>
+            <a:pPr algn="ctr"/>
+            <a:endParaRPr lang="en-SG" sz="1400"/>
+          </a:p>
+        </p:txBody>
+      </p:sp>
     </p:spTree>
     <p:extLst>
       <p:ext uri="{BB962C8B-B14F-4D97-AF65-F5344CB8AC3E}">

--- a/docs/diagrams/SaveSequenceDiagram.pptx
+++ b/docs/diagrams/SaveSequenceDiagram.pptx
@@ -208,7 +208,7 @@
           <a:p>
             <a:fld id="{F5CC4B3F-88C1-4FFA-B1B6-F41C21DC6924}" type="datetimeFigureOut">
               <a:rPr lang="en-US" smtClean="0"/>
-              <a:t>4/13/2019</a:t>
+              <a:t>4/15/2019</a:t>
             </a:fld>
             <a:endParaRPr lang="en-US"/>
           </a:p>
@@ -519,16 +519,7 @@
           <a:bodyPr/>
           <a:lstStyle/>
           <a:p>
-            <a:r>
-              <a:rPr lang="en-SG" dirty="0"/>
-              <a:t>Add json serializable stats? Or just end</a:t>
-            </a:r>
-          </a:p>
-          <a:p>
-            <a:r>
-              <a:rPr lang="en-SG" dirty="0"/>
-              <a:t>Remove those on  left</a:t>
-            </a:r>
+            <a:endParaRPr lang="en-SG" dirty="0"/>
           </a:p>
         </p:txBody>
       </p:sp>
@@ -747,7 +738,7 @@
           <a:p>
             <a:fld id="{78C97017-6FC3-485B-9764-EAC9E56C1D49}" type="datetimeFigureOut">
               <a:rPr lang="en-US" smtClean="0"/>
-              <a:t>4/13/2019</a:t>
+              <a:t>4/15/2019</a:t>
             </a:fld>
             <a:endParaRPr lang="en-US"/>
           </a:p>
@@ -915,7 +906,7 @@
           <a:p>
             <a:fld id="{78C97017-6FC3-485B-9764-EAC9E56C1D49}" type="datetimeFigureOut">
               <a:rPr lang="en-US" smtClean="0"/>
-              <a:t>4/13/2019</a:t>
+              <a:t>4/15/2019</a:t>
             </a:fld>
             <a:endParaRPr lang="en-US"/>
           </a:p>
@@ -1093,7 +1084,7 @@
           <a:p>
             <a:fld id="{78C97017-6FC3-485B-9764-EAC9E56C1D49}" type="datetimeFigureOut">
               <a:rPr lang="en-US" smtClean="0"/>
-              <a:t>4/13/2019</a:t>
+              <a:t>4/15/2019</a:t>
             </a:fld>
             <a:endParaRPr lang="en-US"/>
           </a:p>
@@ -1261,7 +1252,7 @@
           <a:p>
             <a:fld id="{78C97017-6FC3-485B-9764-EAC9E56C1D49}" type="datetimeFigureOut">
               <a:rPr lang="en-US" smtClean="0"/>
-              <a:t>4/13/2019</a:t>
+              <a:t>4/15/2019</a:t>
             </a:fld>
             <a:endParaRPr lang="en-US"/>
           </a:p>
@@ -1506,7 +1497,7 @@
           <a:p>
             <a:fld id="{78C97017-6FC3-485B-9764-EAC9E56C1D49}" type="datetimeFigureOut">
               <a:rPr lang="en-US" smtClean="0"/>
-              <a:t>4/13/2019</a:t>
+              <a:t>4/15/2019</a:t>
             </a:fld>
             <a:endParaRPr lang="en-US"/>
           </a:p>
@@ -1791,7 +1782,7 @@
           <a:p>
             <a:fld id="{78C97017-6FC3-485B-9764-EAC9E56C1D49}" type="datetimeFigureOut">
               <a:rPr lang="en-US" smtClean="0"/>
-              <a:t>4/13/2019</a:t>
+              <a:t>4/15/2019</a:t>
             </a:fld>
             <a:endParaRPr lang="en-US"/>
           </a:p>
@@ -2210,7 +2201,7 @@
           <a:p>
             <a:fld id="{78C97017-6FC3-485B-9764-EAC9E56C1D49}" type="datetimeFigureOut">
               <a:rPr lang="en-US" smtClean="0"/>
-              <a:t>4/13/2019</a:t>
+              <a:t>4/15/2019</a:t>
             </a:fld>
             <a:endParaRPr lang="en-US"/>
           </a:p>
@@ -2327,7 +2318,7 @@
           <a:p>
             <a:fld id="{78C97017-6FC3-485B-9764-EAC9E56C1D49}" type="datetimeFigureOut">
               <a:rPr lang="en-US" smtClean="0"/>
-              <a:t>4/13/2019</a:t>
+              <a:t>4/15/2019</a:t>
             </a:fld>
             <a:endParaRPr lang="en-US"/>
           </a:p>
@@ -2422,7 +2413,7 @@
           <a:p>
             <a:fld id="{78C97017-6FC3-485B-9764-EAC9E56C1D49}" type="datetimeFigureOut">
               <a:rPr lang="en-US" smtClean="0"/>
-              <a:t>4/13/2019</a:t>
+              <a:t>4/15/2019</a:t>
             </a:fld>
             <a:endParaRPr lang="en-US"/>
           </a:p>
@@ -2697,7 +2688,7 @@
           <a:p>
             <a:fld id="{78C97017-6FC3-485B-9764-EAC9E56C1D49}" type="datetimeFigureOut">
               <a:rPr lang="en-US" smtClean="0"/>
-              <a:t>4/13/2019</a:t>
+              <a:t>4/15/2019</a:t>
             </a:fld>
             <a:endParaRPr lang="en-US"/>
           </a:p>
@@ -2949,7 +2940,7 @@
           <a:p>
             <a:fld id="{78C97017-6FC3-485B-9764-EAC9E56C1D49}" type="datetimeFigureOut">
               <a:rPr lang="en-US" smtClean="0"/>
-              <a:t>4/13/2019</a:t>
+              <a:t>4/15/2019</a:t>
             </a:fld>
             <a:endParaRPr lang="en-US"/>
           </a:p>
@@ -3160,7 +3151,7 @@
           <a:p>
             <a:fld id="{78C97017-6FC3-485B-9764-EAC9E56C1D49}" type="datetimeFigureOut">
               <a:rPr lang="en-US" smtClean="0"/>
-              <a:t>4/13/2019</a:t>
+              <a:t>4/15/2019</a:t>
             </a:fld>
             <a:endParaRPr lang="en-US"/>
           </a:p>
@@ -3549,7 +3540,7 @@
         </p:nvSpPr>
         <p:spPr>
           <a:xfrm>
-            <a:off x="10317621" y="170813"/>
+            <a:off x="8294985" y="94614"/>
             <a:ext cx="4182854" cy="6582967"/>
           </a:xfrm>
           <a:prstGeom prst="roundRect">
@@ -3558,9 +3549,9 @@
             </a:avLst>
           </a:prstGeom>
           <a:solidFill>
-            <a:schemeClr val="accent3">
-              <a:lumMod val="20000"/>
-              <a:lumOff val="80000"/>
+            <a:schemeClr val="accent6">
+              <a:lumMod val="40000"/>
+              <a:lumOff val="60000"/>
             </a:schemeClr>
           </a:solidFill>
           <a:ln w="19050">
@@ -3589,38 +3580,14 @@
             <a:r>
               <a:rPr lang="en-US" sz="1200" b="1" dirty="0">
                 <a:solidFill>
-                  <a:schemeClr val="accent3">
-                    <a:lumMod val="50000"/>
-                  </a:schemeClr>
+                  <a:schemeClr val="tx1"/>
                 </a:solidFill>
               </a:rPr>
-              <a:t>Storage (change </a:t>
-            </a:r>
-            <a:r>
-              <a:rPr lang="en-US" sz="1200" b="1" dirty="0" err="1">
-                <a:solidFill>
-                  <a:schemeClr val="accent3">
-                    <a:lumMod val="50000"/>
-                  </a:schemeClr>
-                </a:solidFill>
-              </a:rPr>
-              <a:t>colour</a:t>
-            </a:r>
-            <a:r>
-              <a:rPr lang="en-US" sz="1200" b="1" dirty="0">
-                <a:solidFill>
-                  <a:schemeClr val="accent3">
-                    <a:lumMod val="50000"/>
-                  </a:schemeClr>
-                </a:solidFill>
-              </a:rPr>
-              <a:t>)</a:t>
+              <a:t>Storage</a:t>
             </a:r>
             <a:endParaRPr lang="en-SG" sz="1200" b="1" dirty="0">
               <a:solidFill>
-                <a:schemeClr val="accent3">
-                  <a:lumMod val="50000"/>
-                </a:schemeClr>
+                <a:schemeClr val="tx1"/>
               </a:solidFill>
             </a:endParaRPr>
           </a:p>
@@ -3634,7 +3601,7 @@
         </p:nvSpPr>
         <p:spPr>
           <a:xfrm>
-            <a:off x="8525426" y="145258"/>
+            <a:off x="6543194" y="83034"/>
             <a:ext cx="1710363" cy="6649559"/>
           </a:xfrm>
           <a:prstGeom prst="roundRect">
@@ -3695,7 +3662,7 @@
         </p:nvSpPr>
         <p:spPr>
           <a:xfrm>
-            <a:off x="4253752" y="145258"/>
+            <a:off x="2231116" y="69059"/>
             <a:ext cx="4258586" cy="6649559"/>
           </a:xfrm>
           <a:prstGeom prst="roundRect">
@@ -3758,7 +3725,7 @@
         </p:nvCxnSpPr>
         <p:spPr>
           <a:xfrm flipH="1">
-            <a:off x="6356376" y="1674002"/>
+            <a:off x="4333740" y="1597803"/>
             <a:ext cx="1002" cy="1389502"/>
           </a:xfrm>
           <a:prstGeom prst="line">
@@ -3795,7 +3762,7 @@
         </p:nvSpPr>
         <p:spPr>
           <a:xfrm>
-            <a:off x="6290634" y="1668091"/>
+            <a:off x="4267998" y="1591892"/>
             <a:ext cx="138706" cy="357144"/>
           </a:xfrm>
           <a:prstGeom prst="rect">
@@ -3844,7 +3811,7 @@
         </p:nvCxnSpPr>
         <p:spPr>
           <a:xfrm flipV="1">
-            <a:off x="4016248" y="1520174"/>
+            <a:off x="1993612" y="1443975"/>
             <a:ext cx="1525045" cy="959"/>
           </a:xfrm>
           <a:prstGeom prst="straightConnector1">
@@ -3880,7 +3847,7 @@
         </p:nvSpPr>
         <p:spPr>
           <a:xfrm>
-            <a:off x="4518188" y="2697782"/>
+            <a:off x="2495552" y="2621583"/>
             <a:ext cx="855808" cy="215444"/>
           </a:xfrm>
           <a:prstGeom prst="rect">
@@ -3922,7 +3889,7 @@
         </p:nvCxnSpPr>
         <p:spPr>
           <a:xfrm>
-            <a:off x="3987215" y="2008707"/>
+            <a:off x="1964579" y="1932508"/>
             <a:ext cx="2277636" cy="0"/>
           </a:xfrm>
           <a:prstGeom prst="straightConnector1">
@@ -3960,18 +3927,22 @@
         </p:nvSpPr>
         <p:spPr>
           <a:xfrm>
-            <a:off x="10327828" y="1357205"/>
+            <a:off x="8410545" y="1279989"/>
             <a:ext cx="1974798" cy="351227"/>
           </a:xfrm>
           <a:prstGeom prst="rect">
             <a:avLst/>
           </a:prstGeom>
           <a:solidFill>
-            <a:srgbClr val="92D050"/>
+            <a:schemeClr val="accent6">
+              <a:lumMod val="75000"/>
+            </a:schemeClr>
           </a:solidFill>
           <a:ln w="19050">
             <a:solidFill>
-              <a:srgbClr val="92D050"/>
+              <a:schemeClr val="accent6">
+                <a:lumMod val="75000"/>
+              </a:schemeClr>
             </a:solidFill>
           </a:ln>
           <a:effectLst/>
@@ -4019,7 +3990,7 @@
         </p:nvSpPr>
         <p:spPr>
           <a:xfrm>
-            <a:off x="8642823" y="2505324"/>
+            <a:off x="6620187" y="2429125"/>
             <a:ext cx="1532257" cy="269018"/>
           </a:xfrm>
           <a:prstGeom prst="rect">
@@ -4080,7 +4051,7 @@
         </p:nvCxnSpPr>
         <p:spPr>
           <a:xfrm flipH="1">
-            <a:off x="9398415" y="2713286"/>
+            <a:off x="7375779" y="2637087"/>
             <a:ext cx="9028" cy="4373314"/>
           </a:xfrm>
           <a:prstGeom prst="line">
@@ -4117,7 +4088,7 @@
         </p:nvSpPr>
         <p:spPr>
           <a:xfrm>
-            <a:off x="9344038" y="3276600"/>
+            <a:off x="7321402" y="3200401"/>
             <a:ext cx="179136" cy="414827"/>
           </a:xfrm>
           <a:prstGeom prst="rect">
@@ -4166,7 +4137,7 @@
         </p:nvCxnSpPr>
         <p:spPr>
           <a:xfrm>
-            <a:off x="6441281" y="3276599"/>
+            <a:off x="4418645" y="3200400"/>
             <a:ext cx="2937036" cy="10820"/>
           </a:xfrm>
           <a:prstGeom prst="straightConnector1">
@@ -4202,7 +4173,7 @@
         </p:nvSpPr>
         <p:spPr>
           <a:xfrm>
-            <a:off x="5552884" y="1316853"/>
+            <a:off x="3530248" y="1240654"/>
             <a:ext cx="1650371" cy="357143"/>
           </a:xfrm>
           <a:prstGeom prst="rect">
@@ -4243,15 +4214,7 @@
                   <a:schemeClr val="bg1"/>
                 </a:solidFill>
               </a:rPr>
-              <a:t>:</a:t>
-            </a:r>
-            <a:r>
-              <a:rPr lang="en-US" sz="1600" dirty="0" err="1">
-                <a:solidFill>
-                  <a:schemeClr val="bg1"/>
-                </a:solidFill>
-              </a:rPr>
-              <a:t>SaveCommand</a:t>
+              <a:t>:SaveCommand</a:t>
             </a:r>
             <a:endParaRPr lang="en-SG" sz="1600" dirty="0">
               <a:solidFill>
@@ -4277,8 +4240,8 @@
         </p:nvCxnSpPr>
         <p:spPr>
           <a:xfrm>
-            <a:off x="1672518" y="2890740"/>
-            <a:ext cx="4607442" cy="0"/>
+            <a:off x="1993612" y="2814540"/>
+            <a:ext cx="2263712" cy="1"/>
           </a:xfrm>
           <a:prstGeom prst="straightConnector1">
             <a:avLst/>
@@ -4321,7 +4284,7 @@
         </p:nvCxnSpPr>
         <p:spPr>
           <a:xfrm>
-            <a:off x="6469487" y="6321781"/>
+            <a:off x="4446851" y="6245582"/>
             <a:ext cx="1236429" cy="0"/>
           </a:xfrm>
           <a:prstGeom prst="straightConnector1">
@@ -4367,7 +4330,7 @@
         </p:nvCxnSpPr>
         <p:spPr>
           <a:xfrm>
-            <a:off x="11110540" y="1707415"/>
+            <a:off x="9108281" y="1631216"/>
             <a:ext cx="0" cy="5781486"/>
           </a:xfrm>
           <a:prstGeom prst="line">
@@ -4375,7 +4338,9 @@
           </a:prstGeom>
           <a:ln w="19050">
             <a:solidFill>
-              <a:srgbClr val="00B050"/>
+              <a:schemeClr val="accent6">
+                <a:lumMod val="75000"/>
+              </a:schemeClr>
             </a:solidFill>
             <a:prstDash val="sysDash"/>
           </a:ln>
@@ -4404,7 +4369,7 @@
         </p:nvSpPr>
         <p:spPr>
           <a:xfrm>
-            <a:off x="13091730" y="4350245"/>
+            <a:off x="11069094" y="4274046"/>
             <a:ext cx="1319810" cy="184666"/>
           </a:xfrm>
           <a:prstGeom prst="rect">
@@ -4436,8 +4401,8 @@
             <a:r>
               <a:rPr lang="en-US" sz="1200" dirty="0">
                 <a:solidFill>
-                  <a:schemeClr val="accent3">
-                    <a:lumMod val="50000"/>
+                  <a:schemeClr val="accent6">
+                    <a:lumMod val="75000"/>
                   </a:schemeClr>
                 </a:solidFill>
               </a:rPr>
@@ -4454,7 +4419,7 @@
         </p:nvSpPr>
         <p:spPr>
           <a:xfrm>
-            <a:off x="6267047" y="2890739"/>
+            <a:off x="4244411" y="2814540"/>
             <a:ext cx="193342" cy="3584051"/>
           </a:xfrm>
           <a:prstGeom prst="rect">
@@ -4507,7 +4472,7 @@
         </p:nvSpPr>
         <p:spPr>
           <a:xfrm>
-            <a:off x="6211085" y="6492298"/>
+            <a:off x="4188449" y="6416099"/>
             <a:ext cx="258402" cy="261482"/>
           </a:xfrm>
           <a:prstGeom prst="rect">
@@ -4546,7 +4511,7 @@
         </p:nvSpPr>
         <p:spPr>
           <a:xfrm>
-            <a:off x="6893169" y="3017243"/>
+            <a:off x="4870533" y="2941044"/>
             <a:ext cx="1541418" cy="215444"/>
           </a:xfrm>
           <a:prstGeom prst="rect">
@@ -4594,7 +4559,7 @@
         </p:nvCxnSpPr>
         <p:spPr>
           <a:xfrm>
-            <a:off x="6429340" y="4915773"/>
+            <a:off x="4406704" y="4839574"/>
             <a:ext cx="2872148" cy="0"/>
           </a:xfrm>
           <a:prstGeom prst="straightConnector1">
@@ -4640,7 +4605,7 @@
         </p:nvCxnSpPr>
         <p:spPr>
           <a:xfrm>
-            <a:off x="6440015" y="3693907"/>
+            <a:off x="4417379" y="3617708"/>
             <a:ext cx="2960448" cy="1"/>
           </a:xfrm>
           <a:prstGeom prst="straightConnector1">
@@ -4684,7 +4649,7 @@
         </p:nvGrpSpPr>
         <p:grpSpPr>
           <a:xfrm>
-            <a:off x="6340118" y="5603229"/>
+            <a:off x="4317482" y="5527030"/>
             <a:ext cx="2098168" cy="1045533"/>
             <a:chOff x="13876547" y="5116008"/>
             <a:chExt cx="2098168" cy="1045533"/>
@@ -4870,7 +4835,7 @@
         </p:nvCxnSpPr>
         <p:spPr>
           <a:xfrm>
-            <a:off x="6429340" y="5939802"/>
+            <a:off x="4406704" y="5863603"/>
             <a:ext cx="389487" cy="0"/>
           </a:xfrm>
           <a:prstGeom prst="straightConnector1">
@@ -4913,9 +4878,9 @@
           <p:nvPr/>
         </p:nvCxnSpPr>
         <p:spPr>
-          <a:xfrm>
-            <a:off x="1793081" y="6467988"/>
-            <a:ext cx="4534710" cy="6802"/>
+          <a:xfrm flipV="1">
+            <a:off x="1972592" y="6398591"/>
+            <a:ext cx="2332563" cy="5353"/>
           </a:xfrm>
           <a:prstGeom prst="straightConnector1">
             <a:avLst/>
@@ -4960,7 +4925,7 @@
         </p:nvCxnSpPr>
         <p:spPr>
           <a:xfrm>
-            <a:off x="6400876" y="3969256"/>
+            <a:off x="4378240" y="3893057"/>
             <a:ext cx="2933075" cy="0"/>
           </a:xfrm>
           <a:prstGeom prst="straightConnector1">
@@ -5002,7 +4967,7 @@
         </p:nvSpPr>
         <p:spPr>
           <a:xfrm>
-            <a:off x="6912513" y="3746956"/>
+            <a:off x="4889877" y="3670757"/>
             <a:ext cx="1541418" cy="215444"/>
           </a:xfrm>
           <a:prstGeom prst="rect">
@@ -5048,7 +5013,7 @@
         </p:nvSpPr>
         <p:spPr>
           <a:xfrm>
-            <a:off x="9325176" y="3969256"/>
+            <a:off x="7302540" y="3893057"/>
             <a:ext cx="194756" cy="1035146"/>
           </a:xfrm>
           <a:prstGeom prst="rect">
@@ -5101,18 +5066,22 @@
         </p:nvSpPr>
         <p:spPr>
           <a:xfrm>
-            <a:off x="11004068" y="4124442"/>
+            <a:off x="8981432" y="4048243"/>
             <a:ext cx="212945" cy="731825"/>
           </a:xfrm>
           <a:prstGeom prst="rect">
             <a:avLst/>
           </a:prstGeom>
           <a:solidFill>
-            <a:srgbClr val="92D050"/>
+            <a:schemeClr val="accent6">
+              <a:lumMod val="75000"/>
+            </a:schemeClr>
           </a:solidFill>
           <a:ln>
             <a:solidFill>
-              <a:srgbClr val="92D050"/>
+              <a:schemeClr val="accent6">
+                <a:lumMod val="75000"/>
+              </a:schemeClr>
             </a:solidFill>
           </a:ln>
           <a:effectLst/>
@@ -5154,7 +5123,7 @@
         </p:nvSpPr>
         <p:spPr>
           <a:xfrm>
-            <a:off x="3530239" y="1330919"/>
+            <a:off x="1511945" y="1172267"/>
             <a:ext cx="1899551" cy="215444"/>
           </a:xfrm>
           <a:prstGeom prst="rect">
@@ -5202,7 +5171,7 @@
         </p:nvCxnSpPr>
         <p:spPr>
           <a:xfrm>
-            <a:off x="12859765" y="4232522"/>
+            <a:off x="10837129" y="4156323"/>
             <a:ext cx="72937" cy="109922"/>
           </a:xfrm>
           <a:prstGeom prst="curvedConnector3">
@@ -5212,8 +5181,8 @@
           </a:prstGeom>
           <a:ln>
             <a:solidFill>
-              <a:schemeClr val="accent3">
-                <a:lumMod val="50000"/>
+              <a:schemeClr val="accent6">
+                <a:lumMod val="75000"/>
               </a:schemeClr>
             </a:solidFill>
             <a:tailEnd type="triangle"/>
@@ -5250,7 +5219,7 @@
         </p:nvCxnSpPr>
         <p:spPr>
           <a:xfrm flipH="1">
-            <a:off x="12861189" y="4523535"/>
+            <a:off x="10838553" y="4447336"/>
             <a:ext cx="80994" cy="147447"/>
           </a:xfrm>
           <a:prstGeom prst="curvedConnector3">
@@ -5260,7 +5229,9 @@
           </a:prstGeom>
           <a:ln>
             <a:solidFill>
-              <a:srgbClr val="7030A0"/>
+              <a:schemeClr val="accent6">
+                <a:lumMod val="75000"/>
+              </a:schemeClr>
             </a:solidFill>
             <a:prstDash val="sysDash"/>
             <a:tailEnd type="triangle"/>
@@ -5297,7 +5268,7 @@
         </p:nvCxnSpPr>
         <p:spPr>
           <a:xfrm>
-            <a:off x="9519932" y="4124442"/>
+            <a:off x="7497296" y="4048243"/>
             <a:ext cx="1491290" cy="8937"/>
           </a:xfrm>
           <a:prstGeom prst="straightConnector1">
@@ -5305,7 +5276,9 @@
           </a:prstGeom>
           <a:ln w="19050">
             <a:solidFill>
-              <a:srgbClr val="0070C0"/>
+              <a:schemeClr val="accent6">
+                <a:lumMod val="75000"/>
+              </a:schemeClr>
             </a:solidFill>
             <a:tailEnd type="arrow"/>
           </a:ln>
@@ -5339,7 +5312,7 @@
         </p:nvSpPr>
         <p:spPr>
           <a:xfrm>
-            <a:off x="9243344" y="3885546"/>
+            <a:off x="7220708" y="3809347"/>
             <a:ext cx="1561239" cy="215444"/>
           </a:xfrm>
           <a:prstGeom prst="rect">
@@ -5365,7 +5338,13 @@
           </a:lstStyle>
           <a:p>
             <a:r>
-              <a:rPr lang="en-US" dirty="0"/>
+              <a:rPr lang="en-US" dirty="0">
+                <a:solidFill>
+                  <a:schemeClr val="accent6">
+                    <a:lumMod val="75000"/>
+                  </a:schemeClr>
+                </a:solidFill>
+              </a:rPr>
               <a:t>saveStatistics()</a:t>
             </a:r>
           </a:p>
@@ -5387,7 +5366,7 @@
         </p:nvCxnSpPr>
         <p:spPr>
           <a:xfrm>
-            <a:off x="11217013" y="4241065"/>
+            <a:off x="9194377" y="4164866"/>
             <a:ext cx="1437555" cy="0"/>
           </a:xfrm>
           <a:prstGeom prst="straightConnector1">
@@ -5395,7 +5374,9 @@
           </a:prstGeom>
           <a:ln w="19050">
             <a:solidFill>
-              <a:srgbClr val="0070C0"/>
+              <a:schemeClr val="accent6">
+                <a:lumMod val="75000"/>
+              </a:schemeClr>
             </a:solidFill>
             <a:tailEnd type="arrow"/>
           </a:ln>
@@ -5429,7 +5410,7 @@
         </p:nvSpPr>
         <p:spPr>
           <a:xfrm>
-            <a:off x="11188124" y="3882448"/>
+            <a:off x="9146521" y="3808034"/>
             <a:ext cx="1588424" cy="215444"/>
           </a:xfrm>
           <a:prstGeom prst="rect">
@@ -5455,7 +5436,13 @@
           </a:lstStyle>
           <a:p>
             <a:r>
-              <a:rPr lang="en-US" dirty="0"/>
+              <a:rPr lang="en-US" dirty="0">
+                <a:solidFill>
+                  <a:schemeClr val="accent6">
+                    <a:lumMod val="75000"/>
+                  </a:schemeClr>
+                </a:solidFill>
+              </a:rPr>
               <a:t>getStatisticsFilePath()</a:t>
             </a:r>
           </a:p>
@@ -5475,18 +5462,22 @@
         </p:nvSpPr>
         <p:spPr>
           <a:xfrm>
-            <a:off x="11896854" y="2407097"/>
+            <a:off x="9874218" y="2330898"/>
             <a:ext cx="1974798" cy="351227"/>
           </a:xfrm>
           <a:prstGeom prst="rect">
             <a:avLst/>
           </a:prstGeom>
           <a:solidFill>
-            <a:srgbClr val="92D050"/>
+            <a:schemeClr val="accent6">
+              <a:lumMod val="75000"/>
+            </a:schemeClr>
           </a:solidFill>
           <a:ln w="19050">
             <a:solidFill>
-              <a:srgbClr val="92D050"/>
+              <a:schemeClr val="accent6">
+                <a:lumMod val="75000"/>
+              </a:schemeClr>
             </a:solidFill>
           </a:ln>
           <a:effectLst/>
@@ -5542,7 +5533,7 @@
         </p:nvCxnSpPr>
         <p:spPr>
           <a:xfrm>
-            <a:off x="11217013" y="4661166"/>
+            <a:off x="9194377" y="4584967"/>
             <a:ext cx="1492713" cy="19633"/>
           </a:xfrm>
           <a:prstGeom prst="straightConnector1">
@@ -5550,7 +5541,9 @@
           </a:prstGeom>
           <a:ln w="19050">
             <a:solidFill>
-              <a:srgbClr val="7030A0"/>
+              <a:schemeClr val="accent6">
+                <a:lumMod val="75000"/>
+              </a:schemeClr>
             </a:solidFill>
             <a:prstDash val="sysDash"/>
             <a:headEnd type="arrow" w="med" len="med"/>
@@ -5588,7 +5581,7 @@
         </p:nvCxnSpPr>
         <p:spPr>
           <a:xfrm flipH="1">
-            <a:off x="12761040" y="2805504"/>
+            <a:off x="10708481" y="2667000"/>
             <a:ext cx="15508" cy="5403353"/>
           </a:xfrm>
           <a:prstGeom prst="line">
@@ -5596,7 +5589,9 @@
           </a:prstGeom>
           <a:ln w="19050">
             <a:solidFill>
-              <a:srgbClr val="00B050"/>
+              <a:schemeClr val="accent6">
+                <a:lumMod val="75000"/>
+              </a:schemeClr>
             </a:solidFill>
             <a:prstDash val="sysDash"/>
           </a:ln>
@@ -5633,7 +5628,7 @@
         </p:nvCxnSpPr>
         <p:spPr>
           <a:xfrm>
-            <a:off x="9490298" y="4842446"/>
+            <a:off x="7467662" y="4766247"/>
             <a:ext cx="1492713" cy="19633"/>
           </a:xfrm>
           <a:prstGeom prst="straightConnector1">
@@ -5641,7 +5636,9 @@
           </a:prstGeom>
           <a:ln w="19050">
             <a:solidFill>
-              <a:srgbClr val="7030A0"/>
+              <a:schemeClr val="accent6">
+                <a:lumMod val="75000"/>
+              </a:schemeClr>
             </a:solidFill>
             <a:prstDash val="sysDash"/>
             <a:headEnd type="arrow" w="med" len="med"/>
@@ -5677,18 +5674,22 @@
         </p:nvSpPr>
         <p:spPr>
           <a:xfrm>
-            <a:off x="12643293" y="4232522"/>
+            <a:off x="10620657" y="4156323"/>
             <a:ext cx="212945" cy="491651"/>
           </a:xfrm>
           <a:prstGeom prst="rect">
             <a:avLst/>
           </a:prstGeom>
           <a:solidFill>
-            <a:srgbClr val="92D050"/>
+            <a:schemeClr val="accent6">
+              <a:lumMod val="75000"/>
+            </a:schemeClr>
           </a:solidFill>
           <a:ln>
             <a:solidFill>
-              <a:srgbClr val="92D050"/>
+              <a:schemeClr val="accent6">
+                <a:lumMod val="75000"/>
+              </a:schemeClr>
             </a:solidFill>
           </a:ln>
           <a:effectLst/>
@@ -5730,18 +5731,22 @@
         </p:nvSpPr>
         <p:spPr>
           <a:xfrm>
-            <a:off x="12867512" y="4319424"/>
+            <a:off x="10844876" y="4243225"/>
             <a:ext cx="85940" cy="211170"/>
           </a:xfrm>
           <a:prstGeom prst="rect">
             <a:avLst/>
           </a:prstGeom>
           <a:solidFill>
-            <a:srgbClr val="92D050"/>
+            <a:schemeClr val="accent6">
+              <a:lumMod val="75000"/>
+            </a:schemeClr>
           </a:solidFill>
           <a:ln>
             <a:solidFill>
-              <a:srgbClr val="92D050"/>
+              <a:schemeClr val="accent6">
+                <a:lumMod val="75000"/>
+              </a:schemeClr>
             </a:solidFill>
           </a:ln>
           <a:effectLst/>

--- a/docs/diagrams/SaveSequenceDiagram.pptx
+++ b/docs/diagrams/SaveSequenceDiagram.pptx
@@ -5149,8 +5149,12 @@
           </a:lstStyle>
           <a:p>
             <a:r>
+              <a:rPr lang="en-US" dirty="0" err="1"/>
+              <a:t>saveCommand</a:t>
+            </a:r>
+            <a:r>
               <a:rPr lang="en-US" dirty="0"/>
-              <a:t>statsCommand()</a:t>
+              <a:t>()</a:t>
             </a:r>
           </a:p>
         </p:txBody>

--- a/docs/diagrams/SaveSequenceDiagram.pptx
+++ b/docs/diagrams/SaveSequenceDiagram.pptx
@@ -3656,271 +3656,6 @@
       </p:sp>
       <p:sp>
         <p:nvSpPr>
-          <p:cNvPr id="81" name="Rectangle 65"/>
-          <p:cNvSpPr/>
-          <p:nvPr/>
-        </p:nvSpPr>
-        <p:spPr>
-          <a:xfrm>
-            <a:off x="2231116" y="69059"/>
-            <a:ext cx="4258586" cy="6649559"/>
-          </a:xfrm>
-          <a:prstGeom prst="roundRect">
-            <a:avLst>
-              <a:gd name="adj" fmla="val 3484"/>
-            </a:avLst>
-          </a:prstGeom>
-          <a:solidFill>
-            <a:schemeClr val="accent1">
-              <a:lumMod val="20000"/>
-              <a:lumOff val="80000"/>
-            </a:schemeClr>
-          </a:solidFill>
-          <a:ln w="19050">
-            <a:noFill/>
-          </a:ln>
-          <a:effectLst/>
-        </p:spPr>
-        <p:style>
-          <a:lnRef idx="1">
-            <a:schemeClr val="accent2"/>
-          </a:lnRef>
-          <a:fillRef idx="2">
-            <a:schemeClr val="accent2"/>
-          </a:fillRef>
-          <a:effectRef idx="1">
-            <a:schemeClr val="accent2"/>
-          </a:effectRef>
-          <a:fontRef idx="minor">
-            <a:schemeClr val="dk1"/>
-          </a:fontRef>
-        </p:style>
-        <p:txBody>
-          <a:bodyPr rtlCol="0" anchor="t"/>
-          <a:lstStyle/>
-          <a:p>
-            <a:r>
-              <a:rPr lang="en-US" sz="1200" b="1" dirty="0">
-                <a:solidFill>
-                  <a:srgbClr val="0070C0"/>
-                </a:solidFill>
-              </a:rPr>
-              <a:t>Logic</a:t>
-            </a:r>
-            <a:endParaRPr lang="en-SG" sz="1200" b="1" dirty="0">
-              <a:solidFill>
-                <a:srgbClr val="0070C0"/>
-              </a:solidFill>
-            </a:endParaRPr>
-          </a:p>
-        </p:txBody>
-      </p:sp>
-      <p:cxnSp>
-        <p:nvCxnSpPr>
-          <p:cNvPr id="20" name="Straight Connector 19"/>
-          <p:cNvCxnSpPr>
-            <a:cxnSpLocks/>
-          </p:cNvCxnSpPr>
-          <p:nvPr/>
-        </p:nvCxnSpPr>
-        <p:spPr>
-          <a:xfrm flipH="1">
-            <a:off x="4333740" y="1597803"/>
-            <a:ext cx="1002" cy="1389502"/>
-          </a:xfrm>
-          <a:prstGeom prst="line">
-            <a:avLst/>
-          </a:prstGeom>
-          <a:ln w="19050">
-            <a:solidFill>
-              <a:srgbClr val="0070C0"/>
-            </a:solidFill>
-            <a:prstDash val="sysDash"/>
-          </a:ln>
-          <a:effectLst/>
-        </p:spPr>
-        <p:style>
-          <a:lnRef idx="1">
-            <a:schemeClr val="accent1"/>
-          </a:lnRef>
-          <a:fillRef idx="2">
-            <a:schemeClr val="accent1"/>
-          </a:fillRef>
-          <a:effectRef idx="1">
-            <a:schemeClr val="accent1"/>
-          </a:effectRef>
-          <a:fontRef idx="minor">
-            <a:schemeClr val="dk1"/>
-          </a:fontRef>
-        </p:style>
-      </p:cxnSp>
-      <p:sp>
-        <p:nvSpPr>
-          <p:cNvPr id="21" name="Rectangle 20"/>
-          <p:cNvSpPr/>
-          <p:nvPr/>
-        </p:nvSpPr>
-        <p:spPr>
-          <a:xfrm>
-            <a:off x="4267998" y="1591892"/>
-            <a:ext cx="138706" cy="357144"/>
-          </a:xfrm>
-          <a:prstGeom prst="rect">
-            <a:avLst/>
-          </a:prstGeom>
-          <a:solidFill>
-            <a:srgbClr val="0070C0"/>
-          </a:solidFill>
-          <a:ln>
-            <a:solidFill>
-              <a:srgbClr val="0070C0"/>
-            </a:solidFill>
-          </a:ln>
-          <a:effectLst/>
-        </p:spPr>
-        <p:style>
-          <a:lnRef idx="1">
-            <a:schemeClr val="accent3"/>
-          </a:lnRef>
-          <a:fillRef idx="2">
-            <a:schemeClr val="accent3"/>
-          </a:fillRef>
-          <a:effectRef idx="1">
-            <a:schemeClr val="accent3"/>
-          </a:effectRef>
-          <a:fontRef idx="minor">
-            <a:schemeClr val="dk1"/>
-          </a:fontRef>
-        </p:style>
-        <p:txBody>
-          <a:bodyPr rtlCol="0" anchor="ctr"/>
-          <a:lstStyle/>
-          <a:p>
-            <a:pPr algn="ctr"/>
-            <a:endParaRPr lang="en-SG" sz="1400"/>
-          </a:p>
-        </p:txBody>
-      </p:sp>
-      <p:cxnSp>
-        <p:nvCxnSpPr>
-          <p:cNvPr id="28" name="Straight Arrow Connector 27"/>
-          <p:cNvCxnSpPr>
-            <a:cxnSpLocks/>
-          </p:cNvCxnSpPr>
-          <p:nvPr/>
-        </p:nvCxnSpPr>
-        <p:spPr>
-          <a:xfrm flipV="1">
-            <a:off x="1993612" y="1443975"/>
-            <a:ext cx="1525045" cy="959"/>
-          </a:xfrm>
-          <a:prstGeom prst="straightConnector1">
-            <a:avLst/>
-          </a:prstGeom>
-          <a:ln w="19050">
-            <a:solidFill>
-              <a:srgbClr val="0070C0"/>
-            </a:solidFill>
-            <a:tailEnd type="arrow"/>
-          </a:ln>
-        </p:spPr>
-        <p:style>
-          <a:lnRef idx="1">
-            <a:schemeClr val="accent1"/>
-          </a:lnRef>
-          <a:fillRef idx="0">
-            <a:schemeClr val="accent1"/>
-          </a:fillRef>
-          <a:effectRef idx="0">
-            <a:schemeClr val="accent1"/>
-          </a:effectRef>
-          <a:fontRef idx="minor">
-            <a:schemeClr val="tx1"/>
-          </a:fontRef>
-        </p:style>
-      </p:cxnSp>
-      <p:sp>
-        <p:nvSpPr>
-          <p:cNvPr id="29" name="TextBox 28"/>
-          <p:cNvSpPr txBox="1"/>
-          <p:nvPr/>
-        </p:nvSpPr>
-        <p:spPr>
-          <a:xfrm>
-            <a:off x="2495552" y="2621583"/>
-            <a:ext cx="855808" cy="215444"/>
-          </a:xfrm>
-          <a:prstGeom prst="rect">
-            <a:avLst/>
-          </a:prstGeom>
-          <a:noFill/>
-        </p:spPr>
-        <p:txBody>
-          <a:bodyPr wrap="square" lIns="0" tIns="0" rIns="0" bIns="0" rtlCol="0">
-            <a:spAutoFit/>
-          </a:bodyPr>
-          <a:lstStyle>
-            <a:defPPr>
-              <a:defRPr lang="en-US"/>
-            </a:defPPr>
-            <a:lvl1pPr algn="r">
-              <a:defRPr sz="1400">
-                <a:solidFill>
-                  <a:srgbClr val="0070C0"/>
-                </a:solidFill>
-              </a:defRPr>
-            </a:lvl1pPr>
-          </a:lstStyle>
-          <a:p>
-            <a:r>
-              <a:rPr lang="en-US" dirty="0"/>
-              <a:t>execute()</a:t>
-            </a:r>
-          </a:p>
-        </p:txBody>
-      </p:sp>
-      <p:cxnSp>
-        <p:nvCxnSpPr>
-          <p:cNvPr id="34" name="Straight Arrow Connector 33"/>
-          <p:cNvCxnSpPr>
-            <a:cxnSpLocks/>
-          </p:cNvCxnSpPr>
-          <p:nvPr/>
-        </p:nvCxnSpPr>
-        <p:spPr>
-          <a:xfrm>
-            <a:off x="1964579" y="1932508"/>
-            <a:ext cx="2277636" cy="0"/>
-          </a:xfrm>
-          <a:prstGeom prst="straightConnector1">
-            <a:avLst/>
-          </a:prstGeom>
-          <a:ln w="19050">
-            <a:solidFill>
-              <a:srgbClr val="0070C0"/>
-            </a:solidFill>
-            <a:prstDash val="sysDash"/>
-            <a:headEnd type="arrow" w="med" len="med"/>
-            <a:tailEnd type="none" w="med" len="med"/>
-          </a:ln>
-        </p:spPr>
-        <p:style>
-          <a:lnRef idx="1">
-            <a:schemeClr val="accent1"/>
-          </a:lnRef>
-          <a:fillRef idx="0">
-            <a:schemeClr val="accent1"/>
-          </a:fillRef>
-          <a:effectRef idx="0">
-            <a:schemeClr val="accent1"/>
-          </a:effectRef>
-          <a:fontRef idx="minor">
-            <a:schemeClr val="tx1"/>
-          </a:fontRef>
-        </p:style>
-      </p:cxnSp>
-      <p:sp>
-        <p:nvSpPr>
           <p:cNvPr id="84" name="Rectangle 62"/>
           <p:cNvSpPr/>
           <p:nvPr/>
@@ -4137,8 +3872,8 @@
         </p:nvCxnSpPr>
         <p:spPr>
           <a:xfrm>
-            <a:off x="4418645" y="3200400"/>
-            <a:ext cx="2937036" cy="10820"/>
+            <a:off x="4417379" y="3211220"/>
+            <a:ext cx="2938302" cy="0"/>
           </a:xfrm>
           <a:prstGeom prst="straightConnector1">
             <a:avLst/>
@@ -4148,155 +3883,6 @@
               <a:srgbClr val="0070C0"/>
             </a:solidFill>
             <a:tailEnd type="arrow"/>
-          </a:ln>
-        </p:spPr>
-        <p:style>
-          <a:lnRef idx="1">
-            <a:schemeClr val="accent1"/>
-          </a:lnRef>
-          <a:fillRef idx="0">
-            <a:schemeClr val="accent1"/>
-          </a:fillRef>
-          <a:effectRef idx="0">
-            <a:schemeClr val="accent1"/>
-          </a:effectRef>
-          <a:fontRef idx="minor">
-            <a:schemeClr val="tx1"/>
-          </a:fontRef>
-        </p:style>
-      </p:cxnSp>
-      <p:sp>
-        <p:nvSpPr>
-          <p:cNvPr id="19" name="Rectangle 62"/>
-          <p:cNvSpPr/>
-          <p:nvPr/>
-        </p:nvSpPr>
-        <p:spPr>
-          <a:xfrm>
-            <a:off x="3530248" y="1240654"/>
-            <a:ext cx="1650371" cy="357143"/>
-          </a:xfrm>
-          <a:prstGeom prst="rect">
-            <a:avLst/>
-          </a:prstGeom>
-          <a:solidFill>
-            <a:srgbClr val="0070C0"/>
-          </a:solidFill>
-          <a:ln w="19050">
-            <a:solidFill>
-              <a:srgbClr val="0070C0"/>
-            </a:solidFill>
-          </a:ln>
-          <a:effectLst/>
-        </p:spPr>
-        <p:style>
-          <a:lnRef idx="1">
-            <a:schemeClr val="accent2"/>
-          </a:lnRef>
-          <a:fillRef idx="2">
-            <a:schemeClr val="accent2"/>
-          </a:fillRef>
-          <a:effectRef idx="1">
-            <a:schemeClr val="accent2"/>
-          </a:effectRef>
-          <a:fontRef idx="minor">
-            <a:schemeClr val="dk1"/>
-          </a:fontRef>
-        </p:style>
-        <p:txBody>
-          <a:bodyPr rtlCol="0" anchor="ctr"/>
-          <a:lstStyle/>
-          <a:p>
-            <a:pPr algn="ctr"/>
-            <a:r>
-              <a:rPr lang="en-US" sz="1600" dirty="0">
-                <a:solidFill>
-                  <a:schemeClr val="bg1"/>
-                </a:solidFill>
-              </a:rPr>
-              <a:t>:SaveCommand</a:t>
-            </a:r>
-            <a:endParaRPr lang="en-SG" sz="1600" dirty="0">
-              <a:solidFill>
-                <a:schemeClr val="bg1"/>
-              </a:solidFill>
-            </a:endParaRPr>
-          </a:p>
-        </p:txBody>
-      </p:sp>
-      <p:cxnSp>
-        <p:nvCxnSpPr>
-          <p:cNvPr id="66" name="Straight Arrow Connector 65">
-            <a:extLst>
-              <a:ext uri="{FF2B5EF4-FFF2-40B4-BE49-F238E27FC236}">
-                <a16:creationId xmlns:a16="http://schemas.microsoft.com/office/drawing/2014/main" id="{39916E2E-195A-4DC8-B025-B05FA87E6796}"/>
-              </a:ext>
-            </a:extLst>
-          </p:cNvPr>
-          <p:cNvCxnSpPr>
-            <a:cxnSpLocks/>
-          </p:cNvCxnSpPr>
-          <p:nvPr/>
-        </p:nvCxnSpPr>
-        <p:spPr>
-          <a:xfrm>
-            <a:off x="1993612" y="2814540"/>
-            <a:ext cx="2263712" cy="1"/>
-          </a:xfrm>
-          <a:prstGeom prst="straightConnector1">
-            <a:avLst/>
-          </a:prstGeom>
-          <a:ln w="19050">
-            <a:solidFill>
-              <a:srgbClr val="0070C0"/>
-            </a:solidFill>
-            <a:tailEnd type="arrow"/>
-          </a:ln>
-        </p:spPr>
-        <p:style>
-          <a:lnRef idx="1">
-            <a:schemeClr val="accent1"/>
-          </a:lnRef>
-          <a:fillRef idx="0">
-            <a:schemeClr val="accent1"/>
-          </a:fillRef>
-          <a:effectRef idx="0">
-            <a:schemeClr val="accent1"/>
-          </a:effectRef>
-          <a:fontRef idx="minor">
-            <a:schemeClr val="tx1"/>
-          </a:fontRef>
-        </p:style>
-      </p:cxnSp>
-      <p:cxnSp>
-        <p:nvCxnSpPr>
-          <p:cNvPr id="69" name="Straight Arrow Connector 68">
-            <a:extLst>
-              <a:ext uri="{FF2B5EF4-FFF2-40B4-BE49-F238E27FC236}">
-                <a16:creationId xmlns:a16="http://schemas.microsoft.com/office/drawing/2014/main" id="{7C9F21BC-13A9-471F-825A-2621FD36355F}"/>
-              </a:ext>
-            </a:extLst>
-          </p:cNvPr>
-          <p:cNvCxnSpPr>
-            <a:cxnSpLocks/>
-          </p:cNvCxnSpPr>
-          <p:nvPr/>
-        </p:nvCxnSpPr>
-        <p:spPr>
-          <a:xfrm>
-            <a:off x="4446851" y="6245582"/>
-            <a:ext cx="1236429" cy="0"/>
-          </a:xfrm>
-          <a:prstGeom prst="straightConnector1">
-            <a:avLst/>
-          </a:prstGeom>
-          <a:ln w="19050">
-            <a:solidFill>
-              <a:srgbClr val="0070C0"/>
-            </a:solidFill>
-            <a:prstDash val="sysDash"/>
-            <a:headEnd type="arrow" w="med" len="med"/>
-            <a:tailEnd type="none" w="med" len="med"/>
           </a:ln>
         </p:spPr>
         <p:style>
@@ -4413,92 +3999,6 @@
       </p:sp>
       <p:sp>
         <p:nvSpPr>
-          <p:cNvPr id="65" name="Rectangle 64"/>
-          <p:cNvSpPr/>
-          <p:nvPr/>
-        </p:nvSpPr>
-        <p:spPr>
-          <a:xfrm>
-            <a:off x="4244411" y="2814540"/>
-            <a:ext cx="193342" cy="3584051"/>
-          </a:xfrm>
-          <a:prstGeom prst="rect">
-            <a:avLst/>
-          </a:prstGeom>
-          <a:solidFill>
-            <a:srgbClr val="0070C0"/>
-          </a:solidFill>
-          <a:ln>
-            <a:solidFill>
-              <a:srgbClr val="0070C0"/>
-            </a:solidFill>
-          </a:ln>
-          <a:effectLst/>
-        </p:spPr>
-        <p:style>
-          <a:lnRef idx="1">
-            <a:schemeClr val="accent3"/>
-          </a:lnRef>
-          <a:fillRef idx="2">
-            <a:schemeClr val="accent3"/>
-          </a:fillRef>
-          <a:effectRef idx="1">
-            <a:schemeClr val="accent3"/>
-          </a:effectRef>
-          <a:fontRef idx="minor">
-            <a:schemeClr val="dk1"/>
-          </a:fontRef>
-        </p:style>
-        <p:txBody>
-          <a:bodyPr rtlCol="0" anchor="ctr"/>
-          <a:lstStyle/>
-          <a:p>
-            <a:pPr algn="ctr"/>
-            <a:endParaRPr lang="en-SG" sz="1400"/>
-          </a:p>
-        </p:txBody>
-      </p:sp>
-      <p:sp>
-        <p:nvSpPr>
-          <p:cNvPr id="94" name="TextBox 93">
-            <a:extLst>
-              <a:ext uri="{FF2B5EF4-FFF2-40B4-BE49-F238E27FC236}">
-                <a16:creationId xmlns:a16="http://schemas.microsoft.com/office/drawing/2014/main" id="{BBF0726A-3E70-488A-9417-D9F80DCD7B1A}"/>
-              </a:ext>
-            </a:extLst>
-          </p:cNvPr>
-          <p:cNvSpPr txBox="1"/>
-          <p:nvPr/>
-        </p:nvSpPr>
-        <p:spPr>
-          <a:xfrm>
-            <a:off x="4188449" y="6416099"/>
-            <a:ext cx="258402" cy="261482"/>
-          </a:xfrm>
-          <a:prstGeom prst="rect">
-            <a:avLst/>
-          </a:prstGeom>
-          <a:noFill/>
-        </p:spPr>
-        <p:txBody>
-          <a:bodyPr wrap="square" rtlCol="0">
-            <a:spAutoFit/>
-          </a:bodyPr>
-          <a:lstStyle/>
-          <a:p>
-            <a:r>
-              <a:rPr lang="en-SG" sz="1099" dirty="0">
-                <a:solidFill>
-                  <a:srgbClr val="002060"/>
-                </a:solidFill>
-              </a:rPr>
-              <a:t>X</a:t>
-            </a:r>
-          </a:p>
-        </p:txBody>
-      </p:sp>
-      <p:sp>
-        <p:nvSpPr>
           <p:cNvPr id="112" name="TextBox 111">
             <a:extLst>
               <a:ext uri="{FF2B5EF4-FFF2-40B4-BE49-F238E27FC236}">
@@ -4635,280 +4135,6 @@
           </a:fontRef>
         </p:style>
       </p:cxnSp>
-      <p:grpSp>
-        <p:nvGrpSpPr>
-          <p:cNvPr id="223" name="Group 222">
-            <a:extLst>
-              <a:ext uri="{FF2B5EF4-FFF2-40B4-BE49-F238E27FC236}">
-                <a16:creationId xmlns:a16="http://schemas.microsoft.com/office/drawing/2014/main" id="{C73986C8-5449-4072-9F0F-17A38AD97EF5}"/>
-              </a:ext>
-            </a:extLst>
-          </p:cNvPr>
-          <p:cNvGrpSpPr/>
-          <p:nvPr/>
-        </p:nvGrpSpPr>
-        <p:grpSpPr>
-          <a:xfrm>
-            <a:off x="4317482" y="5527030"/>
-            <a:ext cx="2098168" cy="1045533"/>
-            <a:chOff x="13876547" y="5116008"/>
-            <a:chExt cx="2098168" cy="1045533"/>
-          </a:xfrm>
-        </p:grpSpPr>
-        <p:sp>
-          <p:nvSpPr>
-            <p:cNvPr id="213" name="Rectangle 62">
-              <a:extLst>
-                <a:ext uri="{FF2B5EF4-FFF2-40B4-BE49-F238E27FC236}">
-                  <a16:creationId xmlns:a16="http://schemas.microsoft.com/office/drawing/2014/main" id="{199F746E-405B-485A-994E-C0C45F8824D7}"/>
-                </a:ext>
-              </a:extLst>
-            </p:cNvPr>
-            <p:cNvSpPr/>
-            <p:nvPr/>
-          </p:nvSpPr>
-          <p:spPr>
-            <a:xfrm>
-              <a:off x="14339611" y="5331132"/>
-              <a:ext cx="1635104" cy="308233"/>
-            </a:xfrm>
-            <a:prstGeom prst="rect">
-              <a:avLst/>
-            </a:prstGeom>
-            <a:solidFill>
-              <a:srgbClr val="0070C0"/>
-            </a:solidFill>
-            <a:ln w="19050">
-              <a:solidFill>
-                <a:srgbClr val="0070C0"/>
-              </a:solidFill>
-            </a:ln>
-            <a:effectLst/>
-          </p:spPr>
-          <p:style>
-            <a:lnRef idx="1">
-              <a:schemeClr val="accent2"/>
-            </a:lnRef>
-            <a:fillRef idx="2">
-              <a:schemeClr val="accent2"/>
-            </a:fillRef>
-            <a:effectRef idx="1">
-              <a:schemeClr val="accent2"/>
-            </a:effectRef>
-            <a:fontRef idx="minor">
-              <a:schemeClr val="dk1"/>
-            </a:fontRef>
-          </p:style>
-          <p:txBody>
-            <a:bodyPr rtlCol="0" anchor="ctr"/>
-            <a:lstStyle/>
-            <a:p>
-              <a:pPr algn="ctr"/>
-              <a:r>
-                <a:rPr lang="en-US" sz="1600" dirty="0">
-                  <a:solidFill>
-                    <a:schemeClr val="bg1"/>
-                  </a:solidFill>
-                </a:rPr>
-                <a:t>:CommandResult</a:t>
-              </a:r>
-              <a:endParaRPr lang="en-SG" sz="1600" dirty="0">
-                <a:solidFill>
-                  <a:schemeClr val="bg1"/>
-                </a:solidFill>
-              </a:endParaRPr>
-            </a:p>
-          </p:txBody>
-        </p:sp>
-        <p:sp>
-          <p:nvSpPr>
-            <p:cNvPr id="214" name="Rectangle 213">
-              <a:extLst>
-                <a:ext uri="{FF2B5EF4-FFF2-40B4-BE49-F238E27FC236}">
-                  <a16:creationId xmlns:a16="http://schemas.microsoft.com/office/drawing/2014/main" id="{22493782-DEC3-436C-AC2C-EE03A965A6F0}"/>
-                </a:ext>
-              </a:extLst>
-            </p:cNvPr>
-            <p:cNvSpPr/>
-            <p:nvPr/>
-          </p:nvSpPr>
-          <p:spPr>
-            <a:xfrm>
-              <a:off x="15061109" y="5617651"/>
-              <a:ext cx="212001" cy="233401"/>
-            </a:xfrm>
-            <a:prstGeom prst="rect">
-              <a:avLst/>
-            </a:prstGeom>
-            <a:solidFill>
-              <a:srgbClr val="0070C0"/>
-            </a:solidFill>
-            <a:ln>
-              <a:solidFill>
-                <a:srgbClr val="0070C0"/>
-              </a:solidFill>
-            </a:ln>
-            <a:effectLst/>
-          </p:spPr>
-          <p:style>
-            <a:lnRef idx="1">
-              <a:schemeClr val="accent3"/>
-            </a:lnRef>
-            <a:fillRef idx="2">
-              <a:schemeClr val="accent3"/>
-            </a:fillRef>
-            <a:effectRef idx="1">
-              <a:schemeClr val="accent3"/>
-            </a:effectRef>
-            <a:fontRef idx="minor">
-              <a:schemeClr val="dk1"/>
-            </a:fontRef>
-          </p:style>
-          <p:txBody>
-            <a:bodyPr rtlCol="0" anchor="ctr"/>
-            <a:lstStyle/>
-            <a:p>
-              <a:pPr algn="ctr"/>
-              <a:endParaRPr lang="en-SG" sz="1400" dirty="0"/>
-            </a:p>
-          </p:txBody>
-        </p:sp>
-        <p:cxnSp>
-          <p:nvCxnSpPr>
-            <p:cNvPr id="215" name="Straight Connector 214">
-              <a:extLst>
-                <a:ext uri="{FF2B5EF4-FFF2-40B4-BE49-F238E27FC236}">
-                  <a16:creationId xmlns:a16="http://schemas.microsoft.com/office/drawing/2014/main" id="{0963EC8C-EF55-4B35-820F-72F93A5056C6}"/>
-                </a:ext>
-              </a:extLst>
-            </p:cNvPr>
-            <p:cNvCxnSpPr>
-              <a:cxnSpLocks/>
-            </p:cNvCxnSpPr>
-            <p:nvPr/>
-          </p:nvCxnSpPr>
-          <p:spPr>
-            <a:xfrm flipV="1">
-              <a:off x="13876547" y="5116008"/>
-              <a:ext cx="45032" cy="1045533"/>
-            </a:xfrm>
-            <a:prstGeom prst="line">
-              <a:avLst/>
-            </a:prstGeom>
-            <a:ln w="19050">
-              <a:solidFill>
-                <a:srgbClr val="0070C0"/>
-              </a:solidFill>
-              <a:prstDash val="sysDash"/>
-            </a:ln>
-            <a:effectLst/>
-          </p:spPr>
-          <p:style>
-            <a:lnRef idx="1">
-              <a:schemeClr val="accent1"/>
-            </a:lnRef>
-            <a:fillRef idx="2">
-              <a:schemeClr val="accent1"/>
-            </a:fillRef>
-            <a:effectRef idx="1">
-              <a:schemeClr val="accent1"/>
-            </a:effectRef>
-            <a:fontRef idx="minor">
-              <a:schemeClr val="dk1"/>
-            </a:fontRef>
-          </p:style>
-        </p:cxnSp>
-      </p:grpSp>
-      <p:cxnSp>
-        <p:nvCxnSpPr>
-          <p:cNvPr id="229" name="Straight Arrow Connector 228">
-            <a:extLst>
-              <a:ext uri="{FF2B5EF4-FFF2-40B4-BE49-F238E27FC236}">
-                <a16:creationId xmlns:a16="http://schemas.microsoft.com/office/drawing/2014/main" id="{674D795D-BE64-4C23-AB6B-8581B1948790}"/>
-              </a:ext>
-            </a:extLst>
-          </p:cNvPr>
-          <p:cNvCxnSpPr>
-            <a:cxnSpLocks/>
-          </p:cNvCxnSpPr>
-          <p:nvPr/>
-        </p:nvCxnSpPr>
-        <p:spPr>
-          <a:xfrm>
-            <a:off x="4406704" y="5863603"/>
-            <a:ext cx="389487" cy="0"/>
-          </a:xfrm>
-          <a:prstGeom prst="straightConnector1">
-            <a:avLst/>
-          </a:prstGeom>
-          <a:ln w="19050">
-            <a:solidFill>
-              <a:srgbClr val="0070C0"/>
-            </a:solidFill>
-            <a:tailEnd type="arrow"/>
-          </a:ln>
-        </p:spPr>
-        <p:style>
-          <a:lnRef idx="1">
-            <a:schemeClr val="accent1"/>
-          </a:lnRef>
-          <a:fillRef idx="0">
-            <a:schemeClr val="accent1"/>
-          </a:fillRef>
-          <a:effectRef idx="0">
-            <a:schemeClr val="accent1"/>
-          </a:effectRef>
-          <a:fontRef idx="minor">
-            <a:schemeClr val="tx1"/>
-          </a:fontRef>
-        </p:style>
-      </p:cxnSp>
-      <p:cxnSp>
-        <p:nvCxnSpPr>
-          <p:cNvPr id="232" name="Straight Arrow Connector 231">
-            <a:extLst>
-              <a:ext uri="{FF2B5EF4-FFF2-40B4-BE49-F238E27FC236}">
-                <a16:creationId xmlns:a16="http://schemas.microsoft.com/office/drawing/2014/main" id="{1A83AB1C-BE26-4F1A-8576-7ACE7FC365C2}"/>
-              </a:ext>
-            </a:extLst>
-          </p:cNvPr>
-          <p:cNvCxnSpPr>
-            <a:cxnSpLocks/>
-          </p:cNvCxnSpPr>
-          <p:nvPr/>
-        </p:nvCxnSpPr>
-        <p:spPr>
-          <a:xfrm flipV="1">
-            <a:off x="1972592" y="6398591"/>
-            <a:ext cx="2332563" cy="5353"/>
-          </a:xfrm>
-          <a:prstGeom prst="straightConnector1">
-            <a:avLst/>
-          </a:prstGeom>
-          <a:ln w="19050">
-            <a:solidFill>
-              <a:srgbClr val="0070C0"/>
-            </a:solidFill>
-            <a:prstDash val="sysDash"/>
-            <a:headEnd type="arrow" w="med" len="med"/>
-            <a:tailEnd type="none" w="med" len="med"/>
-          </a:ln>
-        </p:spPr>
-        <p:style>
-          <a:lnRef idx="1">
-            <a:schemeClr val="accent1"/>
-          </a:lnRef>
-          <a:fillRef idx="0">
-            <a:schemeClr val="accent1"/>
-          </a:fillRef>
-          <a:effectRef idx="0">
-            <a:schemeClr val="accent1"/>
-          </a:effectRef>
-          <a:fontRef idx="minor">
-            <a:schemeClr val="tx1"/>
-          </a:fontRef>
-        </p:style>
-      </p:cxnSp>
       <p:cxnSp>
         <p:nvCxnSpPr>
           <p:cNvPr id="250" name="Straight Arrow Connector 249">
@@ -5106,56 +4332,6 @@
           <a:p>
             <a:pPr algn="ctr"/>
             <a:endParaRPr lang="en-SG" sz="1400"/>
-          </a:p>
-        </p:txBody>
-      </p:sp>
-      <p:sp>
-        <p:nvSpPr>
-          <p:cNvPr id="57" name="TextBox 56">
-            <a:extLst>
-              <a:ext uri="{FF2B5EF4-FFF2-40B4-BE49-F238E27FC236}">
-                <a16:creationId xmlns:a16="http://schemas.microsoft.com/office/drawing/2014/main" id="{9035A39A-9E3F-4E0E-91BC-A78847CC8648}"/>
-              </a:ext>
-            </a:extLst>
-          </p:cNvPr>
-          <p:cNvSpPr txBox="1"/>
-          <p:nvPr/>
-        </p:nvSpPr>
-        <p:spPr>
-          <a:xfrm>
-            <a:off x="1511945" y="1172267"/>
-            <a:ext cx="1899551" cy="215444"/>
-          </a:xfrm>
-          <a:prstGeom prst="rect">
-            <a:avLst/>
-          </a:prstGeom>
-          <a:noFill/>
-        </p:spPr>
-        <p:txBody>
-          <a:bodyPr wrap="square" lIns="0" tIns="0" rIns="0" bIns="0" rtlCol="0">
-            <a:spAutoFit/>
-          </a:bodyPr>
-          <a:lstStyle>
-            <a:defPPr>
-              <a:defRPr lang="en-US"/>
-            </a:defPPr>
-            <a:lvl1pPr algn="r">
-              <a:defRPr sz="1400">
-                <a:solidFill>
-                  <a:srgbClr val="0070C0"/>
-                </a:solidFill>
-              </a:defRPr>
-            </a:lvl1pPr>
-          </a:lstStyle>
-          <a:p>
-            <a:r>
-              <a:rPr lang="en-US" dirty="0" err="1"/>
-              <a:t>saveCommand</a:t>
-            </a:r>
-            <a:r>
-              <a:rPr lang="en-US" dirty="0"/>
-              <a:t>()</a:t>
-            </a:r>
           </a:p>
         </p:txBody>
       </p:sp>
